--- a/Docs/Presentation.pptx
+++ b/Docs/Presentation.pptx
@@ -7130,106 +7130,6 @@
       </p:sp>
       <p:sp>
         <p:nvSpPr>
-          <p:cNvPr id="4" name="TextBox 3">
-            <a:extLst>
-              <a:ext uri="{FF2B5EF4-FFF2-40B4-BE49-F238E27FC236}">
-                <a16:creationId xmlns:a16="http://schemas.microsoft.com/office/drawing/2014/main" id="{AF0E0662-CBF1-F4B7-62FD-AAEC06A6E687}"/>
-              </a:ext>
-            </a:extLst>
-          </p:cNvPr>
-          <p:cNvSpPr txBox="1"/>
-          <p:nvPr/>
-        </p:nvSpPr>
-        <p:spPr>
-          <a:xfrm>
-            <a:off x="661621" y="1816081"/>
-            <a:ext cx="8619667" cy="307777"/>
-          </a:xfrm>
-          <a:prstGeom prst="rect">
-            <a:avLst/>
-          </a:prstGeom>
-          <a:noFill/>
-        </p:spPr>
-        <p:txBody>
-          <a:bodyPr wrap="none" rtlCol="0">
-            <a:spAutoFit/>
-          </a:bodyPr>
-          <a:lstStyle/>
-          <a:p>
-            <a:r>
-              <a:rPr lang="en-GB" dirty="0">
-                <a:latin typeface="Montserrat" pitchFamily="2" charset="77"/>
-              </a:rPr>
-              <a:t>Slide 8: </a:t>
-            </a:r>
-            <a:r>
-              <a:rPr lang="en-GB" dirty="0" err="1">
-                <a:latin typeface="Montserrat" pitchFamily="2" charset="77"/>
-              </a:rPr>
-              <a:t>Addestramento</a:t>
-            </a:r>
-            <a:r>
-              <a:rPr lang="en-GB" dirty="0">
-                <a:latin typeface="Montserrat" pitchFamily="2" charset="77"/>
-              </a:rPr>
-              <a:t> </a:t>
-            </a:r>
-            <a:r>
-              <a:rPr lang="en-GB" dirty="0" err="1">
-                <a:latin typeface="Montserrat" pitchFamily="2" charset="77"/>
-              </a:rPr>
-              <a:t>dei</a:t>
-            </a:r>
-            <a:r>
-              <a:rPr lang="en-GB" dirty="0">
-                <a:latin typeface="Montserrat" pitchFamily="2" charset="77"/>
-              </a:rPr>
-              <a:t> </a:t>
-            </a:r>
-            <a:r>
-              <a:rPr lang="en-GB" dirty="0" err="1">
-                <a:latin typeface="Montserrat" pitchFamily="2" charset="77"/>
-              </a:rPr>
-              <a:t>Modelli</a:t>
-            </a:r>
-            <a:r>
-              <a:rPr lang="en-GB" dirty="0">
-                <a:latin typeface="Montserrat" pitchFamily="2" charset="77"/>
-              </a:rPr>
-              <a:t> • Setup </a:t>
-            </a:r>
-            <a:r>
-              <a:rPr lang="en-GB" dirty="0" err="1">
-                <a:latin typeface="Montserrat" pitchFamily="2" charset="77"/>
-              </a:rPr>
-              <a:t>dell'addestramento</a:t>
-            </a:r>
-            <a:r>
-              <a:rPr lang="en-GB" dirty="0">
-                <a:latin typeface="Montserrat" pitchFamily="2" charset="77"/>
-              </a:rPr>
-              <a:t> • </a:t>
-            </a:r>
-            <a:r>
-              <a:rPr lang="en-GB" dirty="0" err="1">
-                <a:latin typeface="Montserrat" pitchFamily="2" charset="77"/>
-              </a:rPr>
-              <a:t>Divisione</a:t>
-            </a:r>
-            <a:r>
-              <a:rPr lang="en-GB" dirty="0">
-                <a:latin typeface="Montserrat" pitchFamily="2" charset="77"/>
-              </a:rPr>
-              <a:t> in training e test set</a:t>
-            </a:r>
-            <a:endParaRPr lang="en-IT" dirty="0">
-              <a:latin typeface="Montserrat" pitchFamily="2" charset="77"/>
-            </a:endParaRPr>
-          </a:p>
-        </p:txBody>
-      </p:sp>
-      <p:sp>
-        <p:nvSpPr>
           <p:cNvPr id="8" name="TextBox 7">
             <a:extLst>
               <a:ext uri="{FF2B5EF4-FFF2-40B4-BE49-F238E27FC236}">
@@ -7369,10 +7269,10 @@
       </p:sp>
       <p:sp>
         <p:nvSpPr>
-          <p:cNvPr id="11" name="TextBox 10">
-            <a:extLst>
-              <a:ext uri="{FF2B5EF4-FFF2-40B4-BE49-F238E27FC236}">
-                <a16:creationId xmlns:a16="http://schemas.microsoft.com/office/drawing/2014/main" id="{C8BF3392-D6ED-A362-09C0-C4256C476454}"/>
+          <p:cNvPr id="13" name="TextBox 12">
+            <a:extLst>
+              <a:ext uri="{FF2B5EF4-FFF2-40B4-BE49-F238E27FC236}">
+                <a16:creationId xmlns:a16="http://schemas.microsoft.com/office/drawing/2014/main" id="{60783621-7113-E2AD-9054-2DD463AB37BA}"/>
               </a:ext>
             </a:extLst>
           </p:cNvPr>
@@ -7381,8 +7281,8 @@
         </p:nvSpPr>
         <p:spPr>
           <a:xfrm>
-            <a:off x="741900" y="3042389"/>
-            <a:ext cx="1515300" cy="369332"/>
+            <a:off x="1375294" y="1103729"/>
+            <a:ext cx="1050488" cy="646331"/>
           </a:xfrm>
           <a:prstGeom prst="rect">
             <a:avLst/>
@@ -7395,6 +7295,7 @@
           </a:bodyPr>
           <a:lstStyle/>
           <a:p>
+            <a:pPr algn="ctr"/>
             <a:r>
               <a:rPr lang="en-GB" sz="1800" dirty="0">
                 <a:solidFill>
@@ -7402,7 +7303,7 @@
                 </a:solidFill>
                 <a:latin typeface="Montserrat" pitchFamily="2" charset="77"/>
               </a:rPr>
-              <a:t>Elaboration</a:t>
+              <a:t>What it does</a:t>
             </a:r>
             <a:endParaRPr lang="en-IT" sz="1800" dirty="0">
               <a:solidFill>
@@ -7412,12 +7313,42 @@
           </a:p>
         </p:txBody>
       </p:sp>
-      <p:sp>
-        <p:nvSpPr>
-          <p:cNvPr id="12" name="TextBox 11">
-            <a:extLst>
-              <a:ext uri="{FF2B5EF4-FFF2-40B4-BE49-F238E27FC236}">
-                <a16:creationId xmlns:a16="http://schemas.microsoft.com/office/drawing/2014/main" id="{FA8D2A7E-C68B-532E-A4D8-949135057A09}"/>
+      <p:pic>
+        <p:nvPicPr>
+          <p:cNvPr id="15" name="Picture 14" descr="A table of numbers with black text&#10;&#10;Description automatically generated">
+            <a:extLst>
+              <a:ext uri="{FF2B5EF4-FFF2-40B4-BE49-F238E27FC236}">
+                <a16:creationId xmlns:a16="http://schemas.microsoft.com/office/drawing/2014/main" id="{93E5BE3C-EB07-A408-072C-FDE58394BC38}"/>
+              </a:ext>
+            </a:extLst>
+          </p:cNvPr>
+          <p:cNvPicPr>
+            <a:picLocks noChangeAspect="1"/>
+          </p:cNvPicPr>
+          <p:nvPr/>
+        </p:nvPicPr>
+        <p:blipFill>
+          <a:blip r:embed="rId3"/>
+          <a:stretch>
+            <a:fillRect/>
+          </a:stretch>
+        </p:blipFill>
+        <p:spPr>
+          <a:xfrm>
+            <a:off x="212558" y="1943327"/>
+            <a:ext cx="3375961" cy="2340000"/>
+          </a:xfrm>
+          <a:prstGeom prst="rect">
+            <a:avLst/>
+          </a:prstGeom>
+        </p:spPr>
+      </p:pic>
+      <p:sp>
+        <p:nvSpPr>
+          <p:cNvPr id="18" name="TextBox 17">
+            <a:extLst>
+              <a:ext uri="{FF2B5EF4-FFF2-40B4-BE49-F238E27FC236}">
+                <a16:creationId xmlns:a16="http://schemas.microsoft.com/office/drawing/2014/main" id="{4685B37D-5A31-F406-47D7-C7F0868629AB}"/>
               </a:ext>
             </a:extLst>
           </p:cNvPr>
@@ -7426,8 +7357,8 @@
         </p:nvSpPr>
         <p:spPr>
           <a:xfrm>
-            <a:off x="1982017" y="3507425"/>
-            <a:ext cx="1681747" cy="523220"/>
+            <a:off x="5231460" y="1097273"/>
+            <a:ext cx="2929079" cy="646331"/>
           </a:xfrm>
           <a:prstGeom prst="rect">
             <a:avLst/>
@@ -7435,21 +7366,59 @@
           <a:noFill/>
         </p:spPr>
         <p:txBody>
-          <a:bodyPr wrap="square">
+          <a:bodyPr wrap="square" rtlCol="0">
             <a:spAutoFit/>
           </a:bodyPr>
           <a:lstStyle/>
           <a:p>
+            <a:pPr algn="ctr"/>
             <a:r>
-              <a:rPr lang="en-GB" sz="1400" dirty="0">
-                <a:effectLst/>
+              <a:rPr lang="en-GB" sz="1800" dirty="0">
+                <a:solidFill>
+                  <a:srgbClr val="0070C0"/>
+                </a:solidFill>
                 <a:latin typeface="Montserrat" pitchFamily="2" charset="77"/>
               </a:rPr>
-              <a:t>Removing Categorical Data</a:t>
+              <a:t>Original vs Standardized Data</a:t>
             </a:r>
-          </a:p>
-        </p:txBody>
-      </p:sp>
+            <a:endParaRPr lang="en-IT" sz="1800" dirty="0">
+              <a:solidFill>
+                <a:srgbClr val="0070C0"/>
+              </a:solidFill>
+            </a:endParaRPr>
+          </a:p>
+        </p:txBody>
+      </p:sp>
+      <p:pic>
+        <p:nvPicPr>
+          <p:cNvPr id="21" name="Picture 20" descr="A screenshot of a graph&#10;&#10;Description automatically generated">
+            <a:extLst>
+              <a:ext uri="{FF2B5EF4-FFF2-40B4-BE49-F238E27FC236}">
+                <a16:creationId xmlns:a16="http://schemas.microsoft.com/office/drawing/2014/main" id="{EDF83F8F-6549-7619-F19A-8DB2E727B5E6}"/>
+              </a:ext>
+            </a:extLst>
+          </p:cNvPr>
+          <p:cNvPicPr>
+            <a:picLocks noChangeAspect="1"/>
+          </p:cNvPicPr>
+          <p:nvPr/>
+        </p:nvPicPr>
+        <p:blipFill>
+          <a:blip r:embed="rId4"/>
+          <a:stretch>
+            <a:fillRect/>
+          </a:stretch>
+        </p:blipFill>
+        <p:spPr>
+          <a:xfrm>
+            <a:off x="3888173" y="1943327"/>
+            <a:ext cx="5043269" cy="2340000"/>
+          </a:xfrm>
+          <a:prstGeom prst="rect">
+            <a:avLst/>
+          </a:prstGeom>
+        </p:spPr>
+      </p:pic>
     </p:spTree>
     <p:extLst>
       <p:ext uri="{BB962C8B-B14F-4D97-AF65-F5344CB8AC3E}">
@@ -7460,6 +7429,205 @@
   <p:clrMapOvr>
     <a:masterClrMapping/>
   </p:clrMapOvr>
+  <p:timing>
+    <p:tnLst>
+      <p:par>
+        <p:cTn id="1" dur="indefinite" restart="never" nodeType="tmRoot">
+          <p:childTnLst>
+            <p:seq concurrent="1" nextAc="seek">
+              <p:cTn id="2" dur="indefinite" nodeType="mainSeq">
+                <p:childTnLst>
+                  <p:par>
+                    <p:cTn id="3" fill="hold">
+                      <p:stCondLst>
+                        <p:cond delay="indefinite"/>
+                        <p:cond evt="onBegin" delay="0">
+                          <p:tn val="2"/>
+                        </p:cond>
+                      </p:stCondLst>
+                      <p:childTnLst>
+                        <p:par>
+                          <p:cTn id="4" fill="hold">
+                            <p:stCondLst>
+                              <p:cond delay="0"/>
+                            </p:stCondLst>
+                            <p:childTnLst>
+                              <p:par>
+                                <p:cTn id="5" presetID="1" presetClass="entr" presetSubtype="0" fill="hold" grpId="0" nodeType="withEffect">
+                                  <p:stCondLst>
+                                    <p:cond delay="0"/>
+                                  </p:stCondLst>
+                                  <p:childTnLst>
+                                    <p:set>
+                                      <p:cBhvr>
+                                        <p:cTn id="6" dur="1" fill="hold">
+                                          <p:stCondLst>
+                                            <p:cond delay="0"/>
+                                          </p:stCondLst>
+                                        </p:cTn>
+                                        <p:tgtEl>
+                                          <p:spTgt spid="13"/>
+                                        </p:tgtEl>
+                                        <p:attrNameLst>
+                                          <p:attrName>style.visibility</p:attrName>
+                                        </p:attrNameLst>
+                                      </p:cBhvr>
+                                      <p:to>
+                                        <p:strVal val="visible"/>
+                                      </p:to>
+                                    </p:set>
+                                  </p:childTnLst>
+                                </p:cTn>
+                              </p:par>
+                              <p:par>
+                                <p:cTn id="7" presetID="1" presetClass="entr" presetSubtype="0" fill="hold" grpId="0" nodeType="withEffect">
+                                  <p:stCondLst>
+                                    <p:cond delay="0"/>
+                                  </p:stCondLst>
+                                  <p:childTnLst>
+                                    <p:set>
+                                      <p:cBhvr>
+                                        <p:cTn id="8" dur="1" fill="hold">
+                                          <p:stCondLst>
+                                            <p:cond delay="0"/>
+                                          </p:stCondLst>
+                                        </p:cTn>
+                                        <p:tgtEl>
+                                          <p:spTgt spid="18"/>
+                                        </p:tgtEl>
+                                        <p:attrNameLst>
+                                          <p:attrName>style.visibility</p:attrName>
+                                        </p:attrNameLst>
+                                      </p:cBhvr>
+                                      <p:to>
+                                        <p:strVal val="visible"/>
+                                      </p:to>
+                                    </p:set>
+                                  </p:childTnLst>
+                                </p:cTn>
+                              </p:par>
+                            </p:childTnLst>
+                          </p:cTn>
+                        </p:par>
+                      </p:childTnLst>
+                    </p:cTn>
+                  </p:par>
+                  <p:par>
+                    <p:cTn id="9" fill="hold">
+                      <p:stCondLst>
+                        <p:cond delay="indefinite"/>
+                      </p:stCondLst>
+                      <p:childTnLst>
+                        <p:par>
+                          <p:cTn id="10" fill="hold">
+                            <p:stCondLst>
+                              <p:cond delay="0"/>
+                            </p:stCondLst>
+                            <p:childTnLst>
+                              <p:par>
+                                <p:cTn id="11" presetID="1" presetClass="entr" presetSubtype="0" fill="hold" nodeType="clickEffect">
+                                  <p:stCondLst>
+                                    <p:cond delay="0"/>
+                                  </p:stCondLst>
+                                  <p:childTnLst>
+                                    <p:set>
+                                      <p:cBhvr>
+                                        <p:cTn id="12" dur="1" fill="hold">
+                                          <p:stCondLst>
+                                            <p:cond delay="0"/>
+                                          </p:stCondLst>
+                                        </p:cTn>
+                                        <p:tgtEl>
+                                          <p:spTgt spid="15"/>
+                                        </p:tgtEl>
+                                        <p:attrNameLst>
+                                          <p:attrName>style.visibility</p:attrName>
+                                        </p:attrNameLst>
+                                      </p:cBhvr>
+                                      <p:to>
+                                        <p:strVal val="visible"/>
+                                      </p:to>
+                                    </p:set>
+                                  </p:childTnLst>
+                                </p:cTn>
+                              </p:par>
+                            </p:childTnLst>
+                          </p:cTn>
+                        </p:par>
+                      </p:childTnLst>
+                    </p:cTn>
+                  </p:par>
+                  <p:par>
+                    <p:cTn id="13" fill="hold">
+                      <p:stCondLst>
+                        <p:cond delay="indefinite"/>
+                      </p:stCondLst>
+                      <p:childTnLst>
+                        <p:par>
+                          <p:cTn id="14" fill="hold">
+                            <p:stCondLst>
+                              <p:cond delay="0"/>
+                            </p:stCondLst>
+                            <p:childTnLst>
+                              <p:par>
+                                <p:cTn id="15" presetID="1" presetClass="entr" presetSubtype="0" fill="hold" nodeType="clickEffect">
+                                  <p:stCondLst>
+                                    <p:cond delay="0"/>
+                                  </p:stCondLst>
+                                  <p:childTnLst>
+                                    <p:set>
+                                      <p:cBhvr>
+                                        <p:cTn id="16" dur="1" fill="hold">
+                                          <p:stCondLst>
+                                            <p:cond delay="0"/>
+                                          </p:stCondLst>
+                                        </p:cTn>
+                                        <p:tgtEl>
+                                          <p:spTgt spid="21"/>
+                                        </p:tgtEl>
+                                        <p:attrNameLst>
+                                          <p:attrName>style.visibility</p:attrName>
+                                        </p:attrNameLst>
+                                      </p:cBhvr>
+                                      <p:to>
+                                        <p:strVal val="visible"/>
+                                      </p:to>
+                                    </p:set>
+                                  </p:childTnLst>
+                                </p:cTn>
+                              </p:par>
+                            </p:childTnLst>
+                          </p:cTn>
+                        </p:par>
+                      </p:childTnLst>
+                    </p:cTn>
+                  </p:par>
+                </p:childTnLst>
+              </p:cTn>
+              <p:prevCondLst>
+                <p:cond evt="onPrev" delay="0">
+                  <p:tgtEl>
+                    <p:sldTgt/>
+                  </p:tgtEl>
+                </p:cond>
+              </p:prevCondLst>
+              <p:nextCondLst>
+                <p:cond evt="onNext" delay="0">
+                  <p:tgtEl>
+                    <p:sldTgt/>
+                  </p:tgtEl>
+                </p:cond>
+              </p:nextCondLst>
+            </p:seq>
+          </p:childTnLst>
+        </p:cTn>
+      </p:par>
+    </p:tnLst>
+    <p:bldLst>
+      <p:bldP spid="13" grpId="0"/>
+      <p:bldP spid="18" grpId="0"/>
+    </p:bldLst>
+  </p:timing>
 </p:sld>
 </file>
 
@@ -7532,106 +7700,6 @@
       </p:sp>
       <p:sp>
         <p:nvSpPr>
-          <p:cNvPr id="4" name="TextBox 3">
-            <a:extLst>
-              <a:ext uri="{FF2B5EF4-FFF2-40B4-BE49-F238E27FC236}">
-                <a16:creationId xmlns:a16="http://schemas.microsoft.com/office/drawing/2014/main" id="{AF0E0662-CBF1-F4B7-62FD-AAEC06A6E687}"/>
-              </a:ext>
-            </a:extLst>
-          </p:cNvPr>
-          <p:cNvSpPr txBox="1"/>
-          <p:nvPr/>
-        </p:nvSpPr>
-        <p:spPr>
-          <a:xfrm>
-            <a:off x="661621" y="1816081"/>
-            <a:ext cx="8619667" cy="307777"/>
-          </a:xfrm>
-          <a:prstGeom prst="rect">
-            <a:avLst/>
-          </a:prstGeom>
-          <a:noFill/>
-        </p:spPr>
-        <p:txBody>
-          <a:bodyPr wrap="none" rtlCol="0">
-            <a:spAutoFit/>
-          </a:bodyPr>
-          <a:lstStyle/>
-          <a:p>
-            <a:r>
-              <a:rPr lang="en-GB" dirty="0">
-                <a:latin typeface="Montserrat" pitchFamily="2" charset="77"/>
-              </a:rPr>
-              <a:t>Slide 8: </a:t>
-            </a:r>
-            <a:r>
-              <a:rPr lang="en-GB" dirty="0" err="1">
-                <a:latin typeface="Montserrat" pitchFamily="2" charset="77"/>
-              </a:rPr>
-              <a:t>Addestramento</a:t>
-            </a:r>
-            <a:r>
-              <a:rPr lang="en-GB" dirty="0">
-                <a:latin typeface="Montserrat" pitchFamily="2" charset="77"/>
-              </a:rPr>
-              <a:t> </a:t>
-            </a:r>
-            <a:r>
-              <a:rPr lang="en-GB" dirty="0" err="1">
-                <a:latin typeface="Montserrat" pitchFamily="2" charset="77"/>
-              </a:rPr>
-              <a:t>dei</a:t>
-            </a:r>
-            <a:r>
-              <a:rPr lang="en-GB" dirty="0">
-                <a:latin typeface="Montserrat" pitchFamily="2" charset="77"/>
-              </a:rPr>
-              <a:t> </a:t>
-            </a:r>
-            <a:r>
-              <a:rPr lang="en-GB" dirty="0" err="1">
-                <a:latin typeface="Montserrat" pitchFamily="2" charset="77"/>
-              </a:rPr>
-              <a:t>Modelli</a:t>
-            </a:r>
-            <a:r>
-              <a:rPr lang="en-GB" dirty="0">
-                <a:latin typeface="Montserrat" pitchFamily="2" charset="77"/>
-              </a:rPr>
-              <a:t> • Setup </a:t>
-            </a:r>
-            <a:r>
-              <a:rPr lang="en-GB" dirty="0" err="1">
-                <a:latin typeface="Montserrat" pitchFamily="2" charset="77"/>
-              </a:rPr>
-              <a:t>dell'addestramento</a:t>
-            </a:r>
-            <a:r>
-              <a:rPr lang="en-GB" dirty="0">
-                <a:latin typeface="Montserrat" pitchFamily="2" charset="77"/>
-              </a:rPr>
-              <a:t> • </a:t>
-            </a:r>
-            <a:r>
-              <a:rPr lang="en-GB" dirty="0" err="1">
-                <a:latin typeface="Montserrat" pitchFamily="2" charset="77"/>
-              </a:rPr>
-              <a:t>Divisione</a:t>
-            </a:r>
-            <a:r>
-              <a:rPr lang="en-GB" dirty="0">
-                <a:latin typeface="Montserrat" pitchFamily="2" charset="77"/>
-              </a:rPr>
-              <a:t> in training e test set</a:t>
-            </a:r>
-            <a:endParaRPr lang="en-IT" dirty="0">
-              <a:latin typeface="Montserrat" pitchFamily="2" charset="77"/>
-            </a:endParaRPr>
-          </a:p>
-        </p:txBody>
-      </p:sp>
-      <p:sp>
-        <p:nvSpPr>
           <p:cNvPr id="8" name="TextBox 7">
             <a:extLst>
               <a:ext uri="{FF2B5EF4-FFF2-40B4-BE49-F238E27FC236}">
@@ -7688,8 +7756,8 @@
         </p:nvCxnSpPr>
         <p:spPr>
           <a:xfrm>
-            <a:off x="166807" y="432513"/>
-            <a:ext cx="5976000" cy="0"/>
+            <a:off x="166808" y="432513"/>
+            <a:ext cx="5112000" cy="0"/>
           </a:xfrm>
           <a:prstGeom prst="line">
             <a:avLst/>
@@ -7764,7 +7832,7 @@
                 <a:effectLst/>
                 <a:latin typeface="Montserrat" pitchFamily="2" charset="77"/>
               </a:rPr>
-              <a:t>Training and Setup</a:t>
+              <a:t>Training</a:t>
             </a:r>
           </a:p>
         </p:txBody>
@@ -7783,8 +7851,8 @@
         </p:nvSpPr>
         <p:spPr>
           <a:xfrm>
-            <a:off x="741900" y="3042389"/>
-            <a:ext cx="1515300" cy="369332"/>
+            <a:off x="1776611" y="1272999"/>
+            <a:ext cx="1342777" cy="369332"/>
           </a:xfrm>
           <a:prstGeom prst="rect">
             <a:avLst/>
@@ -7804,7 +7872,7 @@
                 </a:solidFill>
                 <a:latin typeface="Montserrat" pitchFamily="2" charset="77"/>
               </a:rPr>
-              <a:t>Elaboration</a:t>
+              <a:t>Functions</a:t>
             </a:r>
             <a:endParaRPr lang="en-IT" sz="1800" dirty="0">
               <a:solidFill>
@@ -7828,8 +7896,8 @@
         </p:nvSpPr>
         <p:spPr>
           <a:xfrm>
-            <a:off x="1982017" y="3507425"/>
-            <a:ext cx="1681747" cy="523220"/>
+            <a:off x="1642998" y="2613247"/>
+            <a:ext cx="1610003" cy="307777"/>
           </a:xfrm>
           <a:prstGeom prst="rect">
             <a:avLst/>
@@ -7841,14 +7909,294 @@
             <a:spAutoFit/>
           </a:bodyPr>
           <a:lstStyle/>
+          <a:p>
+            <a:r>
+              <a:rPr lang="en-GB" dirty="0" err="1">
+                <a:latin typeface="Montserrat" pitchFamily="2" charset="77"/>
+              </a:rPr>
+              <a:t>train_test_split</a:t>
+            </a:r>
+            <a:r>
+              <a:rPr lang="en-GB" dirty="0">
+                <a:latin typeface="Montserrat" pitchFamily="2" charset="77"/>
+              </a:rPr>
+              <a:t>()</a:t>
+            </a:r>
+            <a:endParaRPr lang="en-GB" sz="1400" dirty="0">
+              <a:effectLst/>
+              <a:latin typeface="Montserrat" pitchFamily="2" charset="77"/>
+            </a:endParaRPr>
+          </a:p>
+        </p:txBody>
+      </p:sp>
+      <p:sp>
+        <p:nvSpPr>
+          <p:cNvPr id="2" name="TextBox 1">
+            <a:extLst>
+              <a:ext uri="{FF2B5EF4-FFF2-40B4-BE49-F238E27FC236}">
+                <a16:creationId xmlns:a16="http://schemas.microsoft.com/office/drawing/2014/main" id="{5805BEED-D65C-A28A-6169-F984E17A697C}"/>
+              </a:ext>
+            </a:extLst>
+          </p:cNvPr>
+          <p:cNvSpPr txBox="1"/>
+          <p:nvPr/>
+        </p:nvSpPr>
+        <p:spPr>
+          <a:xfrm>
+            <a:off x="6024614" y="1257900"/>
+            <a:ext cx="1134621" cy="369332"/>
+          </a:xfrm>
+          <a:prstGeom prst="rect">
+            <a:avLst/>
+          </a:prstGeom>
+          <a:noFill/>
+        </p:spPr>
+        <p:txBody>
+          <a:bodyPr wrap="square" rtlCol="0">
+            <a:spAutoFit/>
+          </a:bodyPr>
+          <a:lstStyle/>
+          <a:p>
+            <a:r>
+              <a:rPr lang="en-GB" sz="1800" dirty="0">
+                <a:solidFill>
+                  <a:srgbClr val="0070C0"/>
+                </a:solidFill>
+                <a:latin typeface="Montserrat" pitchFamily="2" charset="77"/>
+              </a:rPr>
+              <a:t>Settings</a:t>
+            </a:r>
+            <a:endParaRPr lang="en-IT" sz="1800" dirty="0">
+              <a:solidFill>
+                <a:srgbClr val="0070C0"/>
+              </a:solidFill>
+            </a:endParaRPr>
+          </a:p>
+        </p:txBody>
+      </p:sp>
+      <p:sp>
+        <p:nvSpPr>
+          <p:cNvPr id="3" name="TextBox 2">
+            <a:extLst>
+              <a:ext uri="{FF2B5EF4-FFF2-40B4-BE49-F238E27FC236}">
+                <a16:creationId xmlns:a16="http://schemas.microsoft.com/office/drawing/2014/main" id="{0C76FDBC-F17A-B05E-066C-1C4AEA66386E}"/>
+              </a:ext>
+            </a:extLst>
+          </p:cNvPr>
+          <p:cNvSpPr txBox="1"/>
+          <p:nvPr/>
+        </p:nvSpPr>
+        <p:spPr>
+          <a:xfrm>
+            <a:off x="1442274" y="3086220"/>
+            <a:ext cx="2011447" cy="307777"/>
+          </a:xfrm>
+          <a:prstGeom prst="rect">
+            <a:avLst/>
+          </a:prstGeom>
+          <a:noFill/>
+        </p:spPr>
+        <p:txBody>
+          <a:bodyPr wrap="square">
+            <a:spAutoFit/>
+          </a:bodyPr>
+          <a:lstStyle/>
+          <a:p>
+            <a:r>
+              <a:rPr lang="en-GB" dirty="0" err="1">
+                <a:latin typeface="Montserrat" pitchFamily="2" charset="77"/>
+              </a:rPr>
+              <a:t>train_and_evaluate</a:t>
+            </a:r>
+            <a:r>
+              <a:rPr lang="en-GB" dirty="0">
+                <a:latin typeface="Montserrat" pitchFamily="2" charset="77"/>
+              </a:rPr>
+              <a:t>()</a:t>
+            </a:r>
+            <a:endParaRPr lang="en-GB" sz="1400" dirty="0">
+              <a:effectLst/>
+              <a:latin typeface="Montserrat" pitchFamily="2" charset="77"/>
+            </a:endParaRPr>
+          </a:p>
+        </p:txBody>
+      </p:sp>
+      <p:pic>
+        <p:nvPicPr>
+          <p:cNvPr id="6" name="Picture 5" descr="A logo with text on it&#10;&#10;Description automatically generated with medium confidence">
+            <a:extLst>
+              <a:ext uri="{FF2B5EF4-FFF2-40B4-BE49-F238E27FC236}">
+                <a16:creationId xmlns:a16="http://schemas.microsoft.com/office/drawing/2014/main" id="{AB6EF02B-8A2A-0CE4-7C17-D967E4098D43}"/>
+              </a:ext>
+            </a:extLst>
+          </p:cNvPr>
+          <p:cNvPicPr>
+            <a:picLocks noChangeAspect="1"/>
+          </p:cNvPicPr>
+          <p:nvPr/>
+        </p:nvPicPr>
+        <p:blipFill>
+          <a:blip r:embed="rId3"/>
+          <a:stretch>
+            <a:fillRect/>
+          </a:stretch>
+        </p:blipFill>
+        <p:spPr>
+          <a:xfrm>
+            <a:off x="1849624" y="1799590"/>
+            <a:ext cx="1196748" cy="644083"/>
+          </a:xfrm>
+          <a:prstGeom prst="rect">
+            <a:avLst/>
+          </a:prstGeom>
+        </p:spPr>
+      </p:pic>
+      <p:sp>
+        <p:nvSpPr>
+          <p:cNvPr id="7" name="TextBox 6">
+            <a:extLst>
+              <a:ext uri="{FF2B5EF4-FFF2-40B4-BE49-F238E27FC236}">
+                <a16:creationId xmlns:a16="http://schemas.microsoft.com/office/drawing/2014/main" id="{4C2F947F-D436-1A46-D418-7806B11F5CC2}"/>
+              </a:ext>
+            </a:extLst>
+          </p:cNvPr>
+          <p:cNvSpPr txBox="1"/>
+          <p:nvPr/>
+        </p:nvSpPr>
+        <p:spPr>
+          <a:xfrm>
+            <a:off x="6058244" y="2505525"/>
+            <a:ext cx="1067360" cy="523220"/>
+          </a:xfrm>
+          <a:prstGeom prst="rect">
+            <a:avLst/>
+          </a:prstGeom>
+          <a:noFill/>
+        </p:spPr>
+        <p:txBody>
+          <a:bodyPr wrap="square">
+            <a:spAutoFit/>
+          </a:bodyPr>
+          <a:lstStyle/>
+          <a:p>
+            <a:r>
+              <a:rPr lang="en-GB" dirty="0">
+                <a:latin typeface="Montserrat" pitchFamily="2" charset="77"/>
+              </a:rPr>
+              <a:t>Train 80%</a:t>
+            </a:r>
+          </a:p>
           <a:p>
             <a:r>
               <a:rPr lang="en-GB" sz="1400" dirty="0">
                 <a:effectLst/>
                 <a:latin typeface="Montserrat" pitchFamily="2" charset="77"/>
               </a:rPr>
-              <a:t>Removing Categorical Data</a:t>
+              <a:t>Test   20%</a:t>
             </a:r>
+          </a:p>
+        </p:txBody>
+      </p:sp>
+      <p:sp>
+        <p:nvSpPr>
+          <p:cNvPr id="14" name="TextBox 13">
+            <a:extLst>
+              <a:ext uri="{FF2B5EF4-FFF2-40B4-BE49-F238E27FC236}">
+                <a16:creationId xmlns:a16="http://schemas.microsoft.com/office/drawing/2014/main" id="{A55CE8A7-4F55-ABAF-06FC-C8B8CFF3D773}"/>
+              </a:ext>
+            </a:extLst>
+          </p:cNvPr>
+          <p:cNvSpPr txBox="1"/>
+          <p:nvPr/>
+        </p:nvSpPr>
+        <p:spPr>
+          <a:xfrm>
+            <a:off x="5816277" y="1860021"/>
+            <a:ext cx="1610003" cy="523220"/>
+          </a:xfrm>
+          <a:prstGeom prst="rect">
+            <a:avLst/>
+          </a:prstGeom>
+          <a:noFill/>
+        </p:spPr>
+        <p:txBody>
+          <a:bodyPr wrap="square">
+            <a:spAutoFit/>
+          </a:bodyPr>
+          <a:lstStyle/>
+          <a:p>
+            <a:pPr algn="ctr"/>
+            <a:r>
+              <a:rPr lang="en-GB" dirty="0">
+                <a:latin typeface="Montserrat" pitchFamily="2" charset="77"/>
+              </a:rPr>
+              <a:t>Default settings</a:t>
+            </a:r>
+          </a:p>
+          <a:p>
+            <a:pPr algn="ctr"/>
+            <a:r>
+              <a:rPr lang="en-GB" sz="1400" dirty="0">
+                <a:effectLst/>
+                <a:latin typeface="Montserrat" pitchFamily="2" charset="77"/>
+              </a:rPr>
+              <a:t>For the </a:t>
+            </a:r>
+            <a:r>
+              <a:rPr lang="en-GB" dirty="0">
+                <a:latin typeface="Montserrat" pitchFamily="2" charset="77"/>
+              </a:rPr>
+              <a:t>M</a:t>
+            </a:r>
+            <a:r>
+              <a:rPr lang="en-GB" sz="1400" dirty="0">
+                <a:effectLst/>
+                <a:latin typeface="Montserrat" pitchFamily="2" charset="77"/>
+              </a:rPr>
+              <a:t>odels</a:t>
+            </a:r>
+          </a:p>
+        </p:txBody>
+      </p:sp>
+      <p:sp>
+        <p:nvSpPr>
+          <p:cNvPr id="15" name="TextBox 14">
+            <a:extLst>
+              <a:ext uri="{FF2B5EF4-FFF2-40B4-BE49-F238E27FC236}">
+                <a16:creationId xmlns:a16="http://schemas.microsoft.com/office/drawing/2014/main" id="{7DB28756-9FFC-49A4-AA80-64AEE2BC1408}"/>
+              </a:ext>
+            </a:extLst>
+          </p:cNvPr>
+          <p:cNvSpPr txBox="1"/>
+          <p:nvPr/>
+        </p:nvSpPr>
+        <p:spPr>
+          <a:xfrm>
+            <a:off x="5890999" y="3151029"/>
+            <a:ext cx="1610002" cy="523220"/>
+          </a:xfrm>
+          <a:prstGeom prst="rect">
+            <a:avLst/>
+          </a:prstGeom>
+          <a:noFill/>
+        </p:spPr>
+        <p:txBody>
+          <a:bodyPr wrap="square">
+            <a:spAutoFit/>
+          </a:bodyPr>
+          <a:lstStyle/>
+          <a:p>
+            <a:pPr algn="ctr"/>
+            <a:r>
+              <a:rPr lang="en-GB" dirty="0">
+                <a:latin typeface="Montserrat" pitchFamily="2" charset="77"/>
+              </a:rPr>
+              <a:t>Set Seed for Reproducibility</a:t>
+            </a:r>
+            <a:endParaRPr lang="en-GB" sz="1400" dirty="0">
+              <a:effectLst/>
+              <a:latin typeface="Montserrat" pitchFamily="2" charset="77"/>
+            </a:endParaRPr>
           </a:p>
         </p:txBody>
       </p:sp>
@@ -7862,6 +8210,315 @@
   <p:clrMapOvr>
     <a:masterClrMapping/>
   </p:clrMapOvr>
+  <p:timing>
+    <p:tnLst>
+      <p:par>
+        <p:cTn id="1" dur="indefinite" restart="never" nodeType="tmRoot">
+          <p:childTnLst>
+            <p:seq concurrent="1" nextAc="seek">
+              <p:cTn id="2" dur="indefinite" nodeType="mainSeq">
+                <p:childTnLst>
+                  <p:par>
+                    <p:cTn id="3" fill="hold">
+                      <p:stCondLst>
+                        <p:cond delay="indefinite"/>
+                      </p:stCondLst>
+                      <p:childTnLst>
+                        <p:par>
+                          <p:cTn id="4" fill="hold">
+                            <p:stCondLst>
+                              <p:cond delay="0"/>
+                            </p:stCondLst>
+                            <p:childTnLst>
+                              <p:par>
+                                <p:cTn id="5" presetID="1" presetClass="entr" presetSubtype="0" fill="hold" grpId="0" nodeType="clickEffect">
+                                  <p:stCondLst>
+                                    <p:cond delay="0"/>
+                                  </p:stCondLst>
+                                  <p:childTnLst>
+                                    <p:set>
+                                      <p:cBhvr>
+                                        <p:cTn id="6" dur="1" fill="hold">
+                                          <p:stCondLst>
+                                            <p:cond delay="0"/>
+                                          </p:stCondLst>
+                                        </p:cTn>
+                                        <p:tgtEl>
+                                          <p:spTgt spid="11"/>
+                                        </p:tgtEl>
+                                        <p:attrNameLst>
+                                          <p:attrName>style.visibility</p:attrName>
+                                        </p:attrNameLst>
+                                      </p:cBhvr>
+                                      <p:to>
+                                        <p:strVal val="visible"/>
+                                      </p:to>
+                                    </p:set>
+                                  </p:childTnLst>
+                                </p:cTn>
+                              </p:par>
+                              <p:par>
+                                <p:cTn id="7" presetID="1" presetClass="entr" presetSubtype="0" fill="hold" grpId="0" nodeType="withEffect">
+                                  <p:stCondLst>
+                                    <p:cond delay="0"/>
+                                  </p:stCondLst>
+                                  <p:childTnLst>
+                                    <p:set>
+                                      <p:cBhvr>
+                                        <p:cTn id="8" dur="1" fill="hold">
+                                          <p:stCondLst>
+                                            <p:cond delay="0"/>
+                                          </p:stCondLst>
+                                        </p:cTn>
+                                        <p:tgtEl>
+                                          <p:spTgt spid="2"/>
+                                        </p:tgtEl>
+                                        <p:attrNameLst>
+                                          <p:attrName>style.visibility</p:attrName>
+                                        </p:attrNameLst>
+                                      </p:cBhvr>
+                                      <p:to>
+                                        <p:strVal val="visible"/>
+                                      </p:to>
+                                    </p:set>
+                                  </p:childTnLst>
+                                </p:cTn>
+                              </p:par>
+                            </p:childTnLst>
+                          </p:cTn>
+                        </p:par>
+                      </p:childTnLst>
+                    </p:cTn>
+                  </p:par>
+                  <p:par>
+                    <p:cTn id="9" fill="hold">
+                      <p:stCondLst>
+                        <p:cond delay="indefinite"/>
+                      </p:stCondLst>
+                      <p:childTnLst>
+                        <p:par>
+                          <p:cTn id="10" fill="hold">
+                            <p:stCondLst>
+                              <p:cond delay="0"/>
+                            </p:stCondLst>
+                            <p:childTnLst>
+                              <p:par>
+                                <p:cTn id="11" presetID="1" presetClass="entr" presetSubtype="0" fill="hold" nodeType="clickEffect">
+                                  <p:stCondLst>
+                                    <p:cond delay="0"/>
+                                  </p:stCondLst>
+                                  <p:childTnLst>
+                                    <p:set>
+                                      <p:cBhvr>
+                                        <p:cTn id="12" dur="1" fill="hold">
+                                          <p:stCondLst>
+                                            <p:cond delay="0"/>
+                                          </p:stCondLst>
+                                        </p:cTn>
+                                        <p:tgtEl>
+                                          <p:spTgt spid="6"/>
+                                        </p:tgtEl>
+                                        <p:attrNameLst>
+                                          <p:attrName>style.visibility</p:attrName>
+                                        </p:attrNameLst>
+                                      </p:cBhvr>
+                                      <p:to>
+                                        <p:strVal val="visible"/>
+                                      </p:to>
+                                    </p:set>
+                                  </p:childTnLst>
+                                </p:cTn>
+                              </p:par>
+                              <p:par>
+                                <p:cTn id="13" presetID="1" presetClass="entr" presetSubtype="0" fill="hold" grpId="0" nodeType="withEffect">
+                                  <p:stCondLst>
+                                    <p:cond delay="0"/>
+                                  </p:stCondLst>
+                                  <p:childTnLst>
+                                    <p:set>
+                                      <p:cBhvr>
+                                        <p:cTn id="14" dur="1" fill="hold">
+                                          <p:stCondLst>
+                                            <p:cond delay="0"/>
+                                          </p:stCondLst>
+                                        </p:cTn>
+                                        <p:tgtEl>
+                                          <p:spTgt spid="12"/>
+                                        </p:tgtEl>
+                                        <p:attrNameLst>
+                                          <p:attrName>style.visibility</p:attrName>
+                                        </p:attrNameLst>
+                                      </p:cBhvr>
+                                      <p:to>
+                                        <p:strVal val="visible"/>
+                                      </p:to>
+                                    </p:set>
+                                  </p:childTnLst>
+                                </p:cTn>
+                              </p:par>
+                              <p:par>
+                                <p:cTn id="15" presetID="1" presetClass="entr" presetSubtype="0" fill="hold" grpId="0" nodeType="withEffect">
+                                  <p:stCondLst>
+                                    <p:cond delay="0"/>
+                                  </p:stCondLst>
+                                  <p:childTnLst>
+                                    <p:set>
+                                      <p:cBhvr>
+                                        <p:cTn id="16" dur="1" fill="hold">
+                                          <p:stCondLst>
+                                            <p:cond delay="0"/>
+                                          </p:stCondLst>
+                                        </p:cTn>
+                                        <p:tgtEl>
+                                          <p:spTgt spid="3"/>
+                                        </p:tgtEl>
+                                        <p:attrNameLst>
+                                          <p:attrName>style.visibility</p:attrName>
+                                        </p:attrNameLst>
+                                      </p:cBhvr>
+                                      <p:to>
+                                        <p:strVal val="visible"/>
+                                      </p:to>
+                                    </p:set>
+                                  </p:childTnLst>
+                                </p:cTn>
+                              </p:par>
+                            </p:childTnLst>
+                          </p:cTn>
+                        </p:par>
+                      </p:childTnLst>
+                    </p:cTn>
+                  </p:par>
+                  <p:par>
+                    <p:cTn id="17" fill="hold">
+                      <p:stCondLst>
+                        <p:cond delay="indefinite"/>
+                      </p:stCondLst>
+                      <p:childTnLst>
+                        <p:par>
+                          <p:cTn id="18" fill="hold">
+                            <p:stCondLst>
+                              <p:cond delay="0"/>
+                            </p:stCondLst>
+                            <p:childTnLst>
+                              <p:par>
+                                <p:cTn id="19" presetID="1" presetClass="entr" presetSubtype="0" fill="hold" grpId="0" nodeType="clickEffect">
+                                  <p:stCondLst>
+                                    <p:cond delay="0"/>
+                                  </p:stCondLst>
+                                  <p:childTnLst>
+                                    <p:set>
+                                      <p:cBhvr>
+                                        <p:cTn id="20" dur="1" fill="hold">
+                                          <p:stCondLst>
+                                            <p:cond delay="0"/>
+                                          </p:stCondLst>
+                                        </p:cTn>
+                                        <p:tgtEl>
+                                          <p:spTgt spid="14"/>
+                                        </p:tgtEl>
+                                        <p:attrNameLst>
+                                          <p:attrName>style.visibility</p:attrName>
+                                        </p:attrNameLst>
+                                      </p:cBhvr>
+                                      <p:to>
+                                        <p:strVal val="visible"/>
+                                      </p:to>
+                                    </p:set>
+                                  </p:childTnLst>
+                                </p:cTn>
+                              </p:par>
+                              <p:par>
+                                <p:cTn id="21" presetID="1" presetClass="entr" presetSubtype="0" fill="hold" grpId="0" nodeType="withEffect">
+                                  <p:stCondLst>
+                                    <p:cond delay="0"/>
+                                  </p:stCondLst>
+                                  <p:childTnLst>
+                                    <p:set>
+                                      <p:cBhvr>
+                                        <p:cTn id="22" dur="1" fill="hold">
+                                          <p:stCondLst>
+                                            <p:cond delay="0"/>
+                                          </p:stCondLst>
+                                        </p:cTn>
+                                        <p:tgtEl>
+                                          <p:spTgt spid="7"/>
+                                        </p:tgtEl>
+                                        <p:attrNameLst>
+                                          <p:attrName>style.visibility</p:attrName>
+                                        </p:attrNameLst>
+                                      </p:cBhvr>
+                                      <p:to>
+                                        <p:strVal val="visible"/>
+                                      </p:to>
+                                    </p:set>
+                                  </p:childTnLst>
+                                </p:cTn>
+                              </p:par>
+                              <p:par>
+                                <p:cTn id="23" presetID="1" presetClass="entr" presetSubtype="0" fill="hold" grpId="0" nodeType="withEffect">
+                                  <p:stCondLst>
+                                    <p:cond delay="0"/>
+                                  </p:stCondLst>
+                                  <p:childTnLst>
+                                    <p:set>
+                                      <p:cBhvr>
+                                        <p:cTn id="24" dur="1" fill="hold">
+                                          <p:stCondLst>
+                                            <p:cond delay="0"/>
+                                          </p:stCondLst>
+                                        </p:cTn>
+                                        <p:tgtEl>
+                                          <p:spTgt spid="15"/>
+                                        </p:tgtEl>
+                                        <p:attrNameLst>
+                                          <p:attrName>style.visibility</p:attrName>
+                                        </p:attrNameLst>
+                                      </p:cBhvr>
+                                      <p:to>
+                                        <p:strVal val="visible"/>
+                                      </p:to>
+                                    </p:set>
+                                  </p:childTnLst>
+                                </p:cTn>
+                              </p:par>
+                            </p:childTnLst>
+                          </p:cTn>
+                        </p:par>
+                      </p:childTnLst>
+                    </p:cTn>
+                  </p:par>
+                </p:childTnLst>
+              </p:cTn>
+              <p:prevCondLst>
+                <p:cond evt="onPrev" delay="0">
+                  <p:tgtEl>
+                    <p:sldTgt/>
+                  </p:tgtEl>
+                </p:cond>
+              </p:prevCondLst>
+              <p:nextCondLst>
+                <p:cond evt="onNext" delay="0">
+                  <p:tgtEl>
+                    <p:sldTgt/>
+                  </p:tgtEl>
+                </p:cond>
+              </p:nextCondLst>
+            </p:seq>
+          </p:childTnLst>
+        </p:cTn>
+      </p:par>
+    </p:tnLst>
+    <p:bldLst>
+      <p:bldP spid="11" grpId="0"/>
+      <p:bldP spid="12" grpId="0"/>
+      <p:bldP spid="2" grpId="0"/>
+      <p:bldP spid="3" grpId="0"/>
+      <p:bldP spid="7" grpId="0"/>
+      <p:bldP spid="14" grpId="0"/>
+      <p:bldP spid="15" grpId="0"/>
+    </p:bldLst>
+  </p:timing>
 </p:sld>
 </file>
 
@@ -7934,203 +8591,6 @@
       </p:sp>
       <p:sp>
         <p:nvSpPr>
-          <p:cNvPr id="4" name="TextBox 3">
-            <a:extLst>
-              <a:ext uri="{FF2B5EF4-FFF2-40B4-BE49-F238E27FC236}">
-                <a16:creationId xmlns:a16="http://schemas.microsoft.com/office/drawing/2014/main" id="{AF0E0662-CBF1-F4B7-62FD-AAEC06A6E687}"/>
-              </a:ext>
-            </a:extLst>
-          </p:cNvPr>
-          <p:cNvSpPr txBox="1"/>
-          <p:nvPr/>
-        </p:nvSpPr>
-        <p:spPr>
-          <a:xfrm>
-            <a:off x="270409" y="1783088"/>
-            <a:ext cx="8076250" cy="738664"/>
-          </a:xfrm>
-          <a:prstGeom prst="rect">
-            <a:avLst/>
-          </a:prstGeom>
-          <a:noFill/>
-        </p:spPr>
-        <p:txBody>
-          <a:bodyPr wrap="none" rtlCol="0">
-            <a:spAutoFit/>
-          </a:bodyPr>
-          <a:lstStyle/>
-          <a:p>
-            <a:r>
-              <a:rPr lang="en-GB" dirty="0">
-                <a:latin typeface="Montserrat" pitchFamily="2" charset="77"/>
-              </a:rPr>
-              <a:t>Slide 9-12: </a:t>
-            </a:r>
-            <a:r>
-              <a:rPr lang="en-GB" dirty="0" err="1">
-                <a:latin typeface="Montserrat" pitchFamily="2" charset="77"/>
-              </a:rPr>
-              <a:t>Risultati</a:t>
-            </a:r>
-            <a:r>
-              <a:rPr lang="en-GB" dirty="0">
-                <a:latin typeface="Montserrat" pitchFamily="2" charset="77"/>
-              </a:rPr>
-              <a:t> e </a:t>
-            </a:r>
-            <a:r>
-              <a:rPr lang="en-GB" dirty="0" err="1">
-                <a:latin typeface="Montserrat" pitchFamily="2" charset="77"/>
-              </a:rPr>
-              <a:t>Analisi</a:t>
-            </a:r>
-            <a:endParaRPr lang="en-GB" dirty="0">
-              <a:latin typeface="Montserrat" pitchFamily="2" charset="77"/>
-            </a:endParaRPr>
-          </a:p>
-          <a:p>
-            <a:r>
-              <a:rPr lang="en-GB" dirty="0">
-                <a:latin typeface="Montserrat" pitchFamily="2" charset="77"/>
-              </a:rPr>
-              <a:t>• Slide separate per </a:t>
-            </a:r>
-            <a:r>
-              <a:rPr lang="en-GB" dirty="0" err="1">
-                <a:latin typeface="Montserrat" pitchFamily="2" charset="77"/>
-              </a:rPr>
-              <a:t>ciascun</a:t>
-            </a:r>
-            <a:r>
-              <a:rPr lang="en-GB" dirty="0">
-                <a:latin typeface="Montserrat" pitchFamily="2" charset="77"/>
-              </a:rPr>
-              <a:t> </a:t>
-            </a:r>
-            <a:r>
-              <a:rPr lang="en-GB" dirty="0" err="1">
-                <a:latin typeface="Montserrat" pitchFamily="2" charset="77"/>
-              </a:rPr>
-              <a:t>modello</a:t>
-            </a:r>
-            <a:r>
-              <a:rPr lang="en-GB" dirty="0">
-                <a:latin typeface="Montserrat" pitchFamily="2" charset="77"/>
-              </a:rPr>
-              <a:t> o </a:t>
-            </a:r>
-            <a:r>
-              <a:rPr lang="en-GB" dirty="0" err="1">
-                <a:latin typeface="Montserrat" pitchFamily="2" charset="77"/>
-              </a:rPr>
-              <a:t>gruppi</a:t>
-            </a:r>
-            <a:r>
-              <a:rPr lang="en-GB" dirty="0">
-                <a:latin typeface="Montserrat" pitchFamily="2" charset="77"/>
-              </a:rPr>
-              <a:t> di </a:t>
-            </a:r>
-            <a:r>
-              <a:rPr lang="en-GB" dirty="0" err="1">
-                <a:latin typeface="Montserrat" pitchFamily="2" charset="77"/>
-              </a:rPr>
-              <a:t>modelli</a:t>
-            </a:r>
-            <a:r>
-              <a:rPr lang="en-GB" dirty="0">
-                <a:latin typeface="Montserrat" pitchFamily="2" charset="77"/>
-              </a:rPr>
-              <a:t> </a:t>
-            </a:r>
-          </a:p>
-          <a:p>
-            <a:r>
-              <a:rPr lang="en-GB" dirty="0">
-                <a:latin typeface="Montserrat" pitchFamily="2" charset="77"/>
-              </a:rPr>
-              <a:t>• </a:t>
-            </a:r>
-            <a:r>
-              <a:rPr lang="en-GB" dirty="0" err="1">
-                <a:latin typeface="Montserrat" pitchFamily="2" charset="77"/>
-              </a:rPr>
-              <a:t>Confronto</a:t>
-            </a:r>
-            <a:r>
-              <a:rPr lang="en-GB" dirty="0">
-                <a:latin typeface="Montserrat" pitchFamily="2" charset="77"/>
-              </a:rPr>
-              <a:t> </a:t>
-            </a:r>
-            <a:r>
-              <a:rPr lang="en-GB" dirty="0" err="1">
-                <a:latin typeface="Montserrat" pitchFamily="2" charset="77"/>
-              </a:rPr>
-              <a:t>delle</a:t>
-            </a:r>
-            <a:r>
-              <a:rPr lang="en-GB" dirty="0">
-                <a:latin typeface="Montserrat" pitchFamily="2" charset="77"/>
-              </a:rPr>
-              <a:t> </a:t>
-            </a:r>
-            <a:r>
-              <a:rPr lang="en-GB" dirty="0" err="1">
-                <a:latin typeface="Montserrat" pitchFamily="2" charset="77"/>
-              </a:rPr>
-              <a:t>prestazioni</a:t>
-            </a:r>
-            <a:r>
-              <a:rPr lang="en-GB" dirty="0">
-                <a:latin typeface="Montserrat" pitchFamily="2" charset="77"/>
-              </a:rPr>
-              <a:t> </a:t>
-            </a:r>
-            <a:r>
-              <a:rPr lang="en-GB" dirty="0" err="1">
-                <a:latin typeface="Montserrat" pitchFamily="2" charset="77"/>
-              </a:rPr>
-              <a:t>su</a:t>
-            </a:r>
-            <a:r>
-              <a:rPr lang="en-GB" dirty="0">
-                <a:latin typeface="Montserrat" pitchFamily="2" charset="77"/>
-              </a:rPr>
-              <a:t> D1 e D2 • </a:t>
-            </a:r>
-            <a:r>
-              <a:rPr lang="en-GB" dirty="0" err="1">
-                <a:latin typeface="Montserrat" pitchFamily="2" charset="77"/>
-              </a:rPr>
-              <a:t>Grafici</a:t>
-            </a:r>
-            <a:r>
-              <a:rPr lang="en-GB" dirty="0">
-                <a:latin typeface="Montserrat" pitchFamily="2" charset="77"/>
-              </a:rPr>
-              <a:t> </a:t>
-            </a:r>
-            <a:r>
-              <a:rPr lang="en-GB" dirty="0" err="1">
-                <a:latin typeface="Montserrat" pitchFamily="2" charset="77"/>
-              </a:rPr>
-              <a:t>delle</a:t>
-            </a:r>
-            <a:r>
-              <a:rPr lang="en-GB" dirty="0">
-                <a:latin typeface="Montserrat" pitchFamily="2" charset="77"/>
-              </a:rPr>
-              <a:t> performance (MAE, MAPE, SMAPE)</a:t>
-            </a:r>
-            <a:endParaRPr lang="en-IT" dirty="0">
-              <a:latin typeface="Montserrat" pitchFamily="2" charset="77"/>
-            </a:endParaRPr>
-          </a:p>
-        </p:txBody>
-      </p:sp>
-      <p:sp>
-        <p:nvSpPr>
           <p:cNvPr id="8" name="TextBox 7">
             <a:extLst>
               <a:ext uri="{FF2B5EF4-FFF2-40B4-BE49-F238E27FC236}">
@@ -8282,8 +8742,8 @@
         </p:nvSpPr>
         <p:spPr>
           <a:xfrm>
-            <a:off x="3030143" y="3147143"/>
-            <a:ext cx="1515300" cy="369332"/>
+            <a:off x="1787082" y="1068358"/>
+            <a:ext cx="1028902" cy="369332"/>
           </a:xfrm>
           <a:prstGeom prst="rect">
             <a:avLst/>
@@ -8303,7 +8763,7 @@
                 </a:solidFill>
                 <a:latin typeface="Montserrat" pitchFamily="2" charset="77"/>
               </a:rPr>
-              <a:t>Elaboration</a:t>
+              <a:t>Results</a:t>
             </a:r>
             <a:endParaRPr lang="en-IT" sz="1800" dirty="0">
               <a:solidFill>
@@ -8327,8 +8787,8 @@
         </p:nvSpPr>
         <p:spPr>
           <a:xfrm>
-            <a:off x="3813060" y="3759109"/>
-            <a:ext cx="1681747" cy="523220"/>
+            <a:off x="1994865" y="1472979"/>
+            <a:ext cx="1991150" cy="246221"/>
           </a:xfrm>
           <a:prstGeom prst="rect">
             <a:avLst/>
@@ -8341,12 +8801,541 @@
           </a:bodyPr>
           <a:lstStyle/>
           <a:p>
+            <a:r>
+              <a:rPr lang="en-GB" sz="1000" dirty="0">
+                <a:effectLst/>
+                <a:latin typeface="Montserrat" pitchFamily="2" charset="77"/>
+              </a:rPr>
+              <a:t>MAE          MAPE       SMAPE</a:t>
+            </a:r>
+          </a:p>
+        </p:txBody>
+      </p:sp>
+      <p:pic>
+        <p:nvPicPr>
+          <p:cNvPr id="14" name="Picture 13" descr="A table with numbers and text&#10;&#10;Description automatically generated">
+            <a:extLst>
+              <a:ext uri="{FF2B5EF4-FFF2-40B4-BE49-F238E27FC236}">
+                <a16:creationId xmlns:a16="http://schemas.microsoft.com/office/drawing/2014/main" id="{2D13A559-08CA-7288-C280-E8473095556A}"/>
+              </a:ext>
+            </a:extLst>
+          </p:cNvPr>
+          <p:cNvPicPr>
+            <a:picLocks noGrp="1" noRot="1" noChangeAspect="1" noMove="1" noResize="1" noEditPoints="1" noAdjustHandles="1" noChangeArrowheads="1" noChangeShapeType="1" noCrop="1"/>
+          </p:cNvPicPr>
+          <p:nvPr/>
+        </p:nvPicPr>
+        <p:blipFill>
+          <a:blip r:embed="rId3"/>
+          <a:stretch>
+            <a:fillRect/>
+          </a:stretch>
+        </p:blipFill>
+        <p:spPr>
+          <a:xfrm>
+            <a:off x="617052" y="1708866"/>
+            <a:ext cx="3368963" cy="1044526"/>
+          </a:xfrm>
+          <a:prstGeom prst="rect">
+            <a:avLst/>
+          </a:prstGeom>
+        </p:spPr>
+      </p:pic>
+      <p:pic>
+        <p:nvPicPr>
+          <p:cNvPr id="18" name="Picture 17" descr="A graph with different colored lines&#10;&#10;Description automatically generated">
+            <a:extLst>
+              <a:ext uri="{FF2B5EF4-FFF2-40B4-BE49-F238E27FC236}">
+                <a16:creationId xmlns:a16="http://schemas.microsoft.com/office/drawing/2014/main" id="{B41C1998-4E97-D16D-6DF2-52120F8A1C41}"/>
+              </a:ext>
+            </a:extLst>
+          </p:cNvPr>
+          <p:cNvPicPr>
+            <a:picLocks noChangeAspect="1"/>
+          </p:cNvPicPr>
+          <p:nvPr/>
+        </p:nvPicPr>
+        <p:blipFill>
+          <a:blip r:embed="rId4"/>
+          <a:stretch>
+            <a:fillRect/>
+          </a:stretch>
+        </p:blipFill>
+        <p:spPr>
+          <a:xfrm>
+            <a:off x="5039311" y="1472979"/>
+            <a:ext cx="3309149" cy="3309149"/>
+          </a:xfrm>
+          <a:prstGeom prst="rect">
+            <a:avLst/>
+          </a:prstGeom>
+        </p:spPr>
+      </p:pic>
+      <p:sp>
+        <p:nvSpPr>
+          <p:cNvPr id="19" name="Frame 18">
+            <a:extLst>
+              <a:ext uri="{FF2B5EF4-FFF2-40B4-BE49-F238E27FC236}">
+                <a16:creationId xmlns:a16="http://schemas.microsoft.com/office/drawing/2014/main" id="{4E93ECAA-4097-D4B8-3E62-7C614DB2B98B}"/>
+              </a:ext>
+            </a:extLst>
+          </p:cNvPr>
+          <p:cNvSpPr/>
+          <p:nvPr/>
+        </p:nvSpPr>
+        <p:spPr>
+          <a:xfrm>
+            <a:off x="1957040" y="2397942"/>
+            <a:ext cx="540834" cy="157965"/>
+          </a:xfrm>
+          <a:prstGeom prst="frame">
+            <a:avLst>
+              <a:gd name="adj1" fmla="val 0"/>
+            </a:avLst>
+          </a:prstGeom>
+          <a:ln>
+            <a:solidFill>
+              <a:srgbClr val="FF0000"/>
+            </a:solidFill>
+          </a:ln>
+        </p:spPr>
+        <p:style>
+          <a:lnRef idx="2">
+            <a:schemeClr val="accent1">
+              <a:shade val="15000"/>
+            </a:schemeClr>
+          </a:lnRef>
+          <a:fillRef idx="1">
+            <a:schemeClr val="accent1"/>
+          </a:fillRef>
+          <a:effectRef idx="0">
+            <a:schemeClr val="accent1"/>
+          </a:effectRef>
+          <a:fontRef idx="minor">
+            <a:schemeClr val="lt1"/>
+          </a:fontRef>
+        </p:style>
+        <p:txBody>
+          <a:bodyPr rtlCol="0" anchor="ctr"/>
+          <a:lstStyle/>
+          <a:p>
+            <a:pPr algn="ctr"/>
+            <a:endParaRPr lang="en-IT">
+              <a:solidFill>
+                <a:schemeClr val="tx1"/>
+              </a:solidFill>
+            </a:endParaRPr>
+          </a:p>
+        </p:txBody>
+      </p:sp>
+      <p:sp>
+        <p:nvSpPr>
+          <p:cNvPr id="20" name="Frame 19">
+            <a:extLst>
+              <a:ext uri="{FF2B5EF4-FFF2-40B4-BE49-F238E27FC236}">
+                <a16:creationId xmlns:a16="http://schemas.microsoft.com/office/drawing/2014/main" id="{33AF4B9D-F604-D437-49D8-016C46866E77}"/>
+              </a:ext>
+            </a:extLst>
+          </p:cNvPr>
+          <p:cNvSpPr/>
+          <p:nvPr/>
+        </p:nvSpPr>
+        <p:spPr>
+          <a:xfrm>
+            <a:off x="2627972" y="2397941"/>
+            <a:ext cx="540834" cy="157965"/>
+          </a:xfrm>
+          <a:prstGeom prst="frame">
+            <a:avLst>
+              <a:gd name="adj1" fmla="val 0"/>
+            </a:avLst>
+          </a:prstGeom>
+          <a:ln>
+            <a:solidFill>
+              <a:srgbClr val="FF0000"/>
+            </a:solidFill>
+          </a:ln>
+        </p:spPr>
+        <p:style>
+          <a:lnRef idx="2">
+            <a:schemeClr val="accent1">
+              <a:shade val="15000"/>
+            </a:schemeClr>
+          </a:lnRef>
+          <a:fillRef idx="1">
+            <a:schemeClr val="accent1"/>
+          </a:fillRef>
+          <a:effectRef idx="0">
+            <a:schemeClr val="accent1"/>
+          </a:effectRef>
+          <a:fontRef idx="minor">
+            <a:schemeClr val="lt1"/>
+          </a:fontRef>
+        </p:style>
+        <p:txBody>
+          <a:bodyPr rtlCol="0" anchor="ctr"/>
+          <a:lstStyle/>
+          <a:p>
+            <a:pPr algn="ctr"/>
+            <a:endParaRPr lang="en-IT">
+              <a:solidFill>
+                <a:schemeClr val="tx1"/>
+              </a:solidFill>
+            </a:endParaRPr>
+          </a:p>
+        </p:txBody>
+      </p:sp>
+      <p:sp>
+        <p:nvSpPr>
+          <p:cNvPr id="21" name="Frame 20">
+            <a:extLst>
+              <a:ext uri="{FF2B5EF4-FFF2-40B4-BE49-F238E27FC236}">
+                <a16:creationId xmlns:a16="http://schemas.microsoft.com/office/drawing/2014/main" id="{3B4E91F8-EB09-478C-8E59-8A739134DCF7}"/>
+              </a:ext>
+            </a:extLst>
+          </p:cNvPr>
+          <p:cNvSpPr/>
+          <p:nvPr/>
+        </p:nvSpPr>
+        <p:spPr>
+          <a:xfrm>
+            <a:off x="3324923" y="2056436"/>
+            <a:ext cx="540834" cy="157965"/>
+          </a:xfrm>
+          <a:prstGeom prst="frame">
+            <a:avLst>
+              <a:gd name="adj1" fmla="val 0"/>
+            </a:avLst>
+          </a:prstGeom>
+          <a:ln>
+            <a:solidFill>
+              <a:srgbClr val="FF0000"/>
+            </a:solidFill>
+          </a:ln>
+        </p:spPr>
+        <p:style>
+          <a:lnRef idx="2">
+            <a:schemeClr val="accent1">
+              <a:shade val="15000"/>
+            </a:schemeClr>
+          </a:lnRef>
+          <a:fillRef idx="1">
+            <a:schemeClr val="accent1"/>
+          </a:fillRef>
+          <a:effectRef idx="0">
+            <a:schemeClr val="accent1"/>
+          </a:effectRef>
+          <a:fontRef idx="minor">
+            <a:schemeClr val="lt1"/>
+          </a:fontRef>
+        </p:style>
+        <p:txBody>
+          <a:bodyPr rtlCol="0" anchor="ctr"/>
+          <a:lstStyle/>
+          <a:p>
+            <a:pPr algn="ctr"/>
+            <a:endParaRPr lang="en-IT">
+              <a:solidFill>
+                <a:schemeClr val="tx1"/>
+              </a:solidFill>
+            </a:endParaRPr>
+          </a:p>
+        </p:txBody>
+      </p:sp>
+      <p:sp>
+        <p:nvSpPr>
+          <p:cNvPr id="22" name="Frame 21">
+            <a:extLst>
+              <a:ext uri="{FF2B5EF4-FFF2-40B4-BE49-F238E27FC236}">
+                <a16:creationId xmlns:a16="http://schemas.microsoft.com/office/drawing/2014/main" id="{318F4E8B-0D98-C463-3387-4E9E8EE219E6}"/>
+              </a:ext>
+            </a:extLst>
+          </p:cNvPr>
+          <p:cNvSpPr/>
+          <p:nvPr/>
+        </p:nvSpPr>
+        <p:spPr>
+          <a:xfrm>
+            <a:off x="1957041" y="2052363"/>
+            <a:ext cx="540834" cy="157965"/>
+          </a:xfrm>
+          <a:prstGeom prst="frame">
+            <a:avLst>
+              <a:gd name="adj1" fmla="val 0"/>
+            </a:avLst>
+          </a:prstGeom>
+          <a:ln>
+            <a:solidFill>
+              <a:srgbClr val="0070C0"/>
+            </a:solidFill>
+          </a:ln>
+        </p:spPr>
+        <p:style>
+          <a:lnRef idx="2">
+            <a:schemeClr val="accent1">
+              <a:shade val="15000"/>
+            </a:schemeClr>
+          </a:lnRef>
+          <a:fillRef idx="1">
+            <a:schemeClr val="accent1"/>
+          </a:fillRef>
+          <a:effectRef idx="0">
+            <a:schemeClr val="accent1"/>
+          </a:effectRef>
+          <a:fontRef idx="minor">
+            <a:schemeClr val="lt1"/>
+          </a:fontRef>
+        </p:style>
+        <p:txBody>
+          <a:bodyPr rtlCol="0" anchor="ctr"/>
+          <a:lstStyle/>
+          <a:p>
+            <a:pPr algn="ctr"/>
+            <a:endParaRPr lang="en-IT">
+              <a:solidFill>
+                <a:srgbClr val="00B050"/>
+              </a:solidFill>
+            </a:endParaRPr>
+          </a:p>
+        </p:txBody>
+      </p:sp>
+      <p:sp>
+        <p:nvSpPr>
+          <p:cNvPr id="23" name="Frame 22">
+            <a:extLst>
+              <a:ext uri="{FF2B5EF4-FFF2-40B4-BE49-F238E27FC236}">
+                <a16:creationId xmlns:a16="http://schemas.microsoft.com/office/drawing/2014/main" id="{CF54081E-B6B4-BFED-6A97-0907B2418AE5}"/>
+              </a:ext>
+            </a:extLst>
+          </p:cNvPr>
+          <p:cNvSpPr/>
+          <p:nvPr/>
+        </p:nvSpPr>
+        <p:spPr>
+          <a:xfrm>
+            <a:off x="2627972" y="2052363"/>
+            <a:ext cx="540834" cy="157965"/>
+          </a:xfrm>
+          <a:prstGeom prst="frame">
+            <a:avLst>
+              <a:gd name="adj1" fmla="val 0"/>
+            </a:avLst>
+          </a:prstGeom>
+          <a:ln>
+            <a:solidFill>
+              <a:srgbClr val="0070C0"/>
+            </a:solidFill>
+          </a:ln>
+        </p:spPr>
+        <p:style>
+          <a:lnRef idx="2">
+            <a:schemeClr val="accent1">
+              <a:shade val="15000"/>
+            </a:schemeClr>
+          </a:lnRef>
+          <a:fillRef idx="1">
+            <a:schemeClr val="accent1"/>
+          </a:fillRef>
+          <a:effectRef idx="0">
+            <a:schemeClr val="accent1"/>
+          </a:effectRef>
+          <a:fontRef idx="minor">
+            <a:schemeClr val="lt1"/>
+          </a:fontRef>
+        </p:style>
+        <p:txBody>
+          <a:bodyPr rtlCol="0" anchor="ctr"/>
+          <a:lstStyle/>
+          <a:p>
+            <a:pPr algn="ctr"/>
+            <a:endParaRPr lang="en-IT">
+              <a:solidFill>
+                <a:srgbClr val="00B050"/>
+              </a:solidFill>
+            </a:endParaRPr>
+          </a:p>
+        </p:txBody>
+      </p:sp>
+      <p:sp>
+        <p:nvSpPr>
+          <p:cNvPr id="24" name="Frame 23">
+            <a:extLst>
+              <a:ext uri="{FF2B5EF4-FFF2-40B4-BE49-F238E27FC236}">
+                <a16:creationId xmlns:a16="http://schemas.microsoft.com/office/drawing/2014/main" id="{600470EE-2B24-140C-D466-65E562E37057}"/>
+              </a:ext>
+            </a:extLst>
+          </p:cNvPr>
+          <p:cNvSpPr/>
+          <p:nvPr/>
+        </p:nvSpPr>
+        <p:spPr>
+          <a:xfrm>
+            <a:off x="3324923" y="2571750"/>
+            <a:ext cx="540834" cy="157965"/>
+          </a:xfrm>
+          <a:prstGeom prst="frame">
+            <a:avLst>
+              <a:gd name="adj1" fmla="val 0"/>
+            </a:avLst>
+          </a:prstGeom>
+          <a:ln>
+            <a:solidFill>
+              <a:srgbClr val="0070C0"/>
+            </a:solidFill>
+          </a:ln>
+        </p:spPr>
+        <p:style>
+          <a:lnRef idx="2">
+            <a:schemeClr val="accent1">
+              <a:shade val="15000"/>
+            </a:schemeClr>
+          </a:lnRef>
+          <a:fillRef idx="1">
+            <a:schemeClr val="accent1"/>
+          </a:fillRef>
+          <a:effectRef idx="0">
+            <a:schemeClr val="accent1"/>
+          </a:effectRef>
+          <a:fontRef idx="minor">
+            <a:schemeClr val="lt1"/>
+          </a:fontRef>
+        </p:style>
+        <p:txBody>
+          <a:bodyPr rtlCol="0" anchor="ctr"/>
+          <a:lstStyle/>
+          <a:p>
+            <a:pPr algn="ctr"/>
+            <a:endParaRPr lang="en-IT">
+              <a:solidFill>
+                <a:srgbClr val="00B050"/>
+              </a:solidFill>
+            </a:endParaRPr>
+          </a:p>
+        </p:txBody>
+      </p:sp>
+      <p:sp>
+        <p:nvSpPr>
+          <p:cNvPr id="25" name="TextBox 24">
+            <a:extLst>
+              <a:ext uri="{FF2B5EF4-FFF2-40B4-BE49-F238E27FC236}">
+                <a16:creationId xmlns:a16="http://schemas.microsoft.com/office/drawing/2014/main" id="{16FC4D0C-47E2-B603-01CF-F63EF3A9911F}"/>
+              </a:ext>
+            </a:extLst>
+          </p:cNvPr>
+          <p:cNvSpPr txBox="1"/>
+          <p:nvPr/>
+        </p:nvSpPr>
+        <p:spPr>
+          <a:xfrm>
+            <a:off x="6361721" y="1068358"/>
+            <a:ext cx="664327" cy="369332"/>
+          </a:xfrm>
+          <a:prstGeom prst="rect">
+            <a:avLst/>
+          </a:prstGeom>
+          <a:noFill/>
+        </p:spPr>
+        <p:txBody>
+          <a:bodyPr wrap="square" rtlCol="0">
+            <a:spAutoFit/>
+          </a:bodyPr>
+          <a:lstStyle/>
+          <a:p>
+            <a:r>
+              <a:rPr lang="en-GB" sz="1800" dirty="0">
+                <a:solidFill>
+                  <a:srgbClr val="0070C0"/>
+                </a:solidFill>
+                <a:latin typeface="Montserrat" pitchFamily="2" charset="77"/>
+              </a:rPr>
+              <a:t>Plot</a:t>
+            </a:r>
+            <a:endParaRPr lang="en-IT" sz="1800" dirty="0">
+              <a:solidFill>
+                <a:srgbClr val="0070C0"/>
+              </a:solidFill>
+            </a:endParaRPr>
+          </a:p>
+        </p:txBody>
+      </p:sp>
+      <p:sp>
+        <p:nvSpPr>
+          <p:cNvPr id="28" name="TextBox 27">
+            <a:extLst>
+              <a:ext uri="{FF2B5EF4-FFF2-40B4-BE49-F238E27FC236}">
+                <a16:creationId xmlns:a16="http://schemas.microsoft.com/office/drawing/2014/main" id="{6DFFEEE4-081D-73C9-A1F7-60168B1FEF9E}"/>
+              </a:ext>
+            </a:extLst>
+          </p:cNvPr>
+          <p:cNvSpPr txBox="1"/>
+          <p:nvPr/>
+        </p:nvSpPr>
+        <p:spPr>
+          <a:xfrm>
+            <a:off x="2438761" y="3206180"/>
+            <a:ext cx="1893487" cy="307777"/>
+          </a:xfrm>
+          <a:prstGeom prst="rect">
+            <a:avLst/>
+          </a:prstGeom>
+          <a:noFill/>
+        </p:spPr>
+        <p:txBody>
+          <a:bodyPr wrap="square">
+            <a:spAutoFit/>
+          </a:bodyPr>
+          <a:lstStyle/>
+          <a:p>
+            <a:r>
+              <a:rPr lang="en-GB" sz="1400" i="1" dirty="0">
+                <a:effectLst/>
+                <a:latin typeface="Montserrat" pitchFamily="2" charset="77"/>
+              </a:rPr>
+              <a:t>Gradient Boosting</a:t>
+            </a:r>
+          </a:p>
+        </p:txBody>
+      </p:sp>
+      <p:sp>
+        <p:nvSpPr>
+          <p:cNvPr id="31" name="TextBox 30">
+            <a:extLst>
+              <a:ext uri="{FF2B5EF4-FFF2-40B4-BE49-F238E27FC236}">
+                <a16:creationId xmlns:a16="http://schemas.microsoft.com/office/drawing/2014/main" id="{B589668A-4E71-2845-E56F-5D45F2273A54}"/>
+              </a:ext>
+            </a:extLst>
+          </p:cNvPr>
+          <p:cNvSpPr txBox="1"/>
+          <p:nvPr/>
+        </p:nvSpPr>
+        <p:spPr>
+          <a:xfrm>
+            <a:off x="617052" y="3096889"/>
+            <a:ext cx="1823540" cy="523220"/>
+          </a:xfrm>
+          <a:prstGeom prst="rect">
+            <a:avLst/>
+          </a:prstGeom>
+          <a:noFill/>
+        </p:spPr>
+        <p:txBody>
+          <a:bodyPr wrap="square">
+            <a:spAutoFit/>
+          </a:bodyPr>
+          <a:lstStyle/>
+          <a:p>
+            <a:r>
+              <a:rPr lang="en-GB" dirty="0">
+                <a:latin typeface="Montserrat" pitchFamily="2" charset="77"/>
+              </a:rPr>
+              <a:t>T</a:t>
+            </a:r>
             <a:r>
               <a:rPr lang="en-GB" sz="1400" dirty="0">
                 <a:effectLst/>
                 <a:latin typeface="Montserrat" pitchFamily="2" charset="77"/>
               </a:rPr>
-              <a:t>Removing Categorical Data</a:t>
+              <a:t>he best compromise</a:t>
             </a:r>
           </a:p>
         </p:txBody>
@@ -8361,6 +9350,508 @@
   <p:clrMapOvr>
     <a:masterClrMapping/>
   </p:clrMapOvr>
+  <p:timing>
+    <p:tnLst>
+      <p:par>
+        <p:cTn id="1" dur="indefinite" restart="never" nodeType="tmRoot">
+          <p:childTnLst>
+            <p:seq concurrent="1" nextAc="seek">
+              <p:cTn id="2" dur="indefinite" nodeType="mainSeq">
+                <p:childTnLst>
+                  <p:par>
+                    <p:cTn id="3" fill="hold">
+                      <p:stCondLst>
+                        <p:cond delay="indefinite"/>
+                      </p:stCondLst>
+                      <p:childTnLst>
+                        <p:par>
+                          <p:cTn id="4" fill="hold">
+                            <p:stCondLst>
+                              <p:cond delay="0"/>
+                            </p:stCondLst>
+                            <p:childTnLst>
+                              <p:par>
+                                <p:cTn id="5" presetID="1" presetClass="entr" presetSubtype="0" fill="hold" grpId="0" nodeType="clickEffect">
+                                  <p:stCondLst>
+                                    <p:cond delay="0"/>
+                                  </p:stCondLst>
+                                  <p:childTnLst>
+                                    <p:set>
+                                      <p:cBhvr>
+                                        <p:cTn id="6" dur="1" fill="hold">
+                                          <p:stCondLst>
+                                            <p:cond delay="0"/>
+                                          </p:stCondLst>
+                                        </p:cTn>
+                                        <p:tgtEl>
+                                          <p:spTgt spid="11"/>
+                                        </p:tgtEl>
+                                        <p:attrNameLst>
+                                          <p:attrName>style.visibility</p:attrName>
+                                        </p:attrNameLst>
+                                      </p:cBhvr>
+                                      <p:to>
+                                        <p:strVal val="visible"/>
+                                      </p:to>
+                                    </p:set>
+                                  </p:childTnLst>
+                                </p:cTn>
+                              </p:par>
+                              <p:par>
+                                <p:cTn id="7" presetID="1" presetClass="entr" presetSubtype="0" fill="hold" grpId="0" nodeType="withEffect">
+                                  <p:stCondLst>
+                                    <p:cond delay="0"/>
+                                  </p:stCondLst>
+                                  <p:childTnLst>
+                                    <p:set>
+                                      <p:cBhvr>
+                                        <p:cTn id="8" dur="1" fill="hold">
+                                          <p:stCondLst>
+                                            <p:cond delay="0"/>
+                                          </p:stCondLst>
+                                        </p:cTn>
+                                        <p:tgtEl>
+                                          <p:spTgt spid="25"/>
+                                        </p:tgtEl>
+                                        <p:attrNameLst>
+                                          <p:attrName>style.visibility</p:attrName>
+                                        </p:attrNameLst>
+                                      </p:cBhvr>
+                                      <p:to>
+                                        <p:strVal val="visible"/>
+                                      </p:to>
+                                    </p:set>
+                                  </p:childTnLst>
+                                </p:cTn>
+                              </p:par>
+                            </p:childTnLst>
+                          </p:cTn>
+                        </p:par>
+                      </p:childTnLst>
+                    </p:cTn>
+                  </p:par>
+                  <p:par>
+                    <p:cTn id="9" fill="hold">
+                      <p:stCondLst>
+                        <p:cond delay="indefinite"/>
+                      </p:stCondLst>
+                      <p:childTnLst>
+                        <p:par>
+                          <p:cTn id="10" fill="hold">
+                            <p:stCondLst>
+                              <p:cond delay="0"/>
+                            </p:stCondLst>
+                            <p:childTnLst>
+                              <p:par>
+                                <p:cTn id="11" presetID="1" presetClass="entr" presetSubtype="0" fill="hold" nodeType="clickEffect">
+                                  <p:stCondLst>
+                                    <p:cond delay="0"/>
+                                  </p:stCondLst>
+                                  <p:childTnLst>
+                                    <p:set>
+                                      <p:cBhvr>
+                                        <p:cTn id="12" dur="1" fill="hold">
+                                          <p:stCondLst>
+                                            <p:cond delay="0"/>
+                                          </p:stCondLst>
+                                        </p:cTn>
+                                        <p:tgtEl>
+                                          <p:spTgt spid="14"/>
+                                        </p:tgtEl>
+                                        <p:attrNameLst>
+                                          <p:attrName>style.visibility</p:attrName>
+                                        </p:attrNameLst>
+                                      </p:cBhvr>
+                                      <p:to>
+                                        <p:strVal val="visible"/>
+                                      </p:to>
+                                    </p:set>
+                                  </p:childTnLst>
+                                </p:cTn>
+                              </p:par>
+                              <p:par>
+                                <p:cTn id="13" presetID="1" presetClass="entr" presetSubtype="0" fill="hold" grpId="0" nodeType="withEffect">
+                                  <p:stCondLst>
+                                    <p:cond delay="0"/>
+                                  </p:stCondLst>
+                                  <p:childTnLst>
+                                    <p:set>
+                                      <p:cBhvr>
+                                        <p:cTn id="14" dur="1" fill="hold">
+                                          <p:stCondLst>
+                                            <p:cond delay="0"/>
+                                          </p:stCondLst>
+                                        </p:cTn>
+                                        <p:tgtEl>
+                                          <p:spTgt spid="12"/>
+                                        </p:tgtEl>
+                                        <p:attrNameLst>
+                                          <p:attrName>style.visibility</p:attrName>
+                                        </p:attrNameLst>
+                                      </p:cBhvr>
+                                      <p:to>
+                                        <p:strVal val="visible"/>
+                                      </p:to>
+                                    </p:set>
+                                  </p:childTnLst>
+                                </p:cTn>
+                              </p:par>
+                            </p:childTnLst>
+                          </p:cTn>
+                        </p:par>
+                      </p:childTnLst>
+                    </p:cTn>
+                  </p:par>
+                  <p:par>
+                    <p:cTn id="15" fill="hold">
+                      <p:stCondLst>
+                        <p:cond delay="indefinite"/>
+                      </p:stCondLst>
+                      <p:childTnLst>
+                        <p:par>
+                          <p:cTn id="16" fill="hold">
+                            <p:stCondLst>
+                              <p:cond delay="0"/>
+                            </p:stCondLst>
+                            <p:childTnLst>
+                              <p:par>
+                                <p:cTn id="17" presetID="1" presetClass="entr" presetSubtype="0" fill="hold" nodeType="clickEffect">
+                                  <p:stCondLst>
+                                    <p:cond delay="0"/>
+                                  </p:stCondLst>
+                                  <p:childTnLst>
+                                    <p:set>
+                                      <p:cBhvr>
+                                        <p:cTn id="18" dur="1" fill="hold">
+                                          <p:stCondLst>
+                                            <p:cond delay="0"/>
+                                          </p:stCondLst>
+                                        </p:cTn>
+                                        <p:tgtEl>
+                                          <p:spTgt spid="18"/>
+                                        </p:tgtEl>
+                                        <p:attrNameLst>
+                                          <p:attrName>style.visibility</p:attrName>
+                                        </p:attrNameLst>
+                                      </p:cBhvr>
+                                      <p:to>
+                                        <p:strVal val="visible"/>
+                                      </p:to>
+                                    </p:set>
+                                  </p:childTnLst>
+                                </p:cTn>
+                              </p:par>
+                            </p:childTnLst>
+                          </p:cTn>
+                        </p:par>
+                      </p:childTnLst>
+                    </p:cTn>
+                  </p:par>
+                  <p:par>
+                    <p:cTn id="19" fill="hold">
+                      <p:stCondLst>
+                        <p:cond delay="indefinite"/>
+                      </p:stCondLst>
+                      <p:childTnLst>
+                        <p:par>
+                          <p:cTn id="20" fill="hold">
+                            <p:stCondLst>
+                              <p:cond delay="0"/>
+                            </p:stCondLst>
+                            <p:childTnLst>
+                              <p:par>
+                                <p:cTn id="21" presetID="1" presetClass="entr" presetSubtype="0" fill="hold" grpId="0" nodeType="clickEffect">
+                                  <p:stCondLst>
+                                    <p:cond delay="0"/>
+                                  </p:stCondLst>
+                                  <p:childTnLst>
+                                    <p:set>
+                                      <p:cBhvr>
+                                        <p:cTn id="22" dur="1" fill="hold">
+                                          <p:stCondLst>
+                                            <p:cond delay="0"/>
+                                          </p:stCondLst>
+                                        </p:cTn>
+                                        <p:tgtEl>
+                                          <p:spTgt spid="22"/>
+                                        </p:tgtEl>
+                                        <p:attrNameLst>
+                                          <p:attrName>style.visibility</p:attrName>
+                                        </p:attrNameLst>
+                                      </p:cBhvr>
+                                      <p:to>
+                                        <p:strVal val="visible"/>
+                                      </p:to>
+                                    </p:set>
+                                  </p:childTnLst>
+                                </p:cTn>
+                              </p:par>
+                              <p:par>
+                                <p:cTn id="23" presetID="1" presetClass="entr" presetSubtype="0" fill="hold" grpId="0" nodeType="withEffect">
+                                  <p:stCondLst>
+                                    <p:cond delay="0"/>
+                                  </p:stCondLst>
+                                  <p:childTnLst>
+                                    <p:set>
+                                      <p:cBhvr>
+                                        <p:cTn id="24" dur="1" fill="hold">
+                                          <p:stCondLst>
+                                            <p:cond delay="0"/>
+                                          </p:stCondLst>
+                                        </p:cTn>
+                                        <p:tgtEl>
+                                          <p:spTgt spid="23"/>
+                                        </p:tgtEl>
+                                        <p:attrNameLst>
+                                          <p:attrName>style.visibility</p:attrName>
+                                        </p:attrNameLst>
+                                      </p:cBhvr>
+                                      <p:to>
+                                        <p:strVal val="visible"/>
+                                      </p:to>
+                                    </p:set>
+                                  </p:childTnLst>
+                                </p:cTn>
+                              </p:par>
+                              <p:par>
+                                <p:cTn id="25" presetID="1" presetClass="entr" presetSubtype="0" fill="hold" grpId="0" nodeType="withEffect">
+                                  <p:stCondLst>
+                                    <p:cond delay="0"/>
+                                  </p:stCondLst>
+                                  <p:childTnLst>
+                                    <p:set>
+                                      <p:cBhvr>
+                                        <p:cTn id="26" dur="1" fill="hold">
+                                          <p:stCondLst>
+                                            <p:cond delay="0"/>
+                                          </p:stCondLst>
+                                        </p:cTn>
+                                        <p:tgtEl>
+                                          <p:spTgt spid="24"/>
+                                        </p:tgtEl>
+                                        <p:attrNameLst>
+                                          <p:attrName>style.visibility</p:attrName>
+                                        </p:attrNameLst>
+                                      </p:cBhvr>
+                                      <p:to>
+                                        <p:strVal val="visible"/>
+                                      </p:to>
+                                    </p:set>
+                                  </p:childTnLst>
+                                </p:cTn>
+                              </p:par>
+                            </p:childTnLst>
+                          </p:cTn>
+                        </p:par>
+                      </p:childTnLst>
+                    </p:cTn>
+                  </p:par>
+                  <p:par>
+                    <p:cTn id="27" fill="hold">
+                      <p:stCondLst>
+                        <p:cond delay="indefinite"/>
+                      </p:stCondLst>
+                      <p:childTnLst>
+                        <p:par>
+                          <p:cTn id="28" fill="hold">
+                            <p:stCondLst>
+                              <p:cond delay="0"/>
+                            </p:stCondLst>
+                            <p:childTnLst>
+                              <p:par>
+                                <p:cTn id="29" presetID="1" presetClass="entr" presetSubtype="0" fill="hold" grpId="0" nodeType="clickEffect">
+                                  <p:stCondLst>
+                                    <p:cond delay="0"/>
+                                  </p:stCondLst>
+                                  <p:childTnLst>
+                                    <p:set>
+                                      <p:cBhvr>
+                                        <p:cTn id="30" dur="1" fill="hold">
+                                          <p:stCondLst>
+                                            <p:cond delay="0"/>
+                                          </p:stCondLst>
+                                        </p:cTn>
+                                        <p:tgtEl>
+                                          <p:spTgt spid="19"/>
+                                        </p:tgtEl>
+                                        <p:attrNameLst>
+                                          <p:attrName>style.visibility</p:attrName>
+                                        </p:attrNameLst>
+                                      </p:cBhvr>
+                                      <p:to>
+                                        <p:strVal val="visible"/>
+                                      </p:to>
+                                    </p:set>
+                                  </p:childTnLst>
+                                </p:cTn>
+                              </p:par>
+                              <p:par>
+                                <p:cTn id="31" presetID="1" presetClass="entr" presetSubtype="0" fill="hold" grpId="0" nodeType="withEffect">
+                                  <p:stCondLst>
+                                    <p:cond delay="0"/>
+                                  </p:stCondLst>
+                                  <p:childTnLst>
+                                    <p:set>
+                                      <p:cBhvr>
+                                        <p:cTn id="32" dur="1" fill="hold">
+                                          <p:stCondLst>
+                                            <p:cond delay="0"/>
+                                          </p:stCondLst>
+                                        </p:cTn>
+                                        <p:tgtEl>
+                                          <p:spTgt spid="20"/>
+                                        </p:tgtEl>
+                                        <p:attrNameLst>
+                                          <p:attrName>style.visibility</p:attrName>
+                                        </p:attrNameLst>
+                                      </p:cBhvr>
+                                      <p:to>
+                                        <p:strVal val="visible"/>
+                                      </p:to>
+                                    </p:set>
+                                  </p:childTnLst>
+                                </p:cTn>
+                              </p:par>
+                              <p:par>
+                                <p:cTn id="33" presetID="1" presetClass="entr" presetSubtype="0" fill="hold" grpId="0" nodeType="withEffect">
+                                  <p:stCondLst>
+                                    <p:cond delay="0"/>
+                                  </p:stCondLst>
+                                  <p:childTnLst>
+                                    <p:set>
+                                      <p:cBhvr>
+                                        <p:cTn id="34" dur="1" fill="hold">
+                                          <p:stCondLst>
+                                            <p:cond delay="0"/>
+                                          </p:stCondLst>
+                                        </p:cTn>
+                                        <p:tgtEl>
+                                          <p:spTgt spid="21"/>
+                                        </p:tgtEl>
+                                        <p:attrNameLst>
+                                          <p:attrName>style.visibility</p:attrName>
+                                        </p:attrNameLst>
+                                      </p:cBhvr>
+                                      <p:to>
+                                        <p:strVal val="visible"/>
+                                      </p:to>
+                                    </p:set>
+                                  </p:childTnLst>
+                                </p:cTn>
+                              </p:par>
+                            </p:childTnLst>
+                          </p:cTn>
+                        </p:par>
+                      </p:childTnLst>
+                    </p:cTn>
+                  </p:par>
+                  <p:par>
+                    <p:cTn id="35" fill="hold">
+                      <p:stCondLst>
+                        <p:cond delay="indefinite"/>
+                      </p:stCondLst>
+                      <p:childTnLst>
+                        <p:par>
+                          <p:cTn id="36" fill="hold">
+                            <p:stCondLst>
+                              <p:cond delay="0"/>
+                            </p:stCondLst>
+                            <p:childTnLst>
+                              <p:par>
+                                <p:cTn id="37" presetID="1" presetClass="entr" presetSubtype="0" fill="hold" grpId="0" nodeType="clickEffect">
+                                  <p:stCondLst>
+                                    <p:cond delay="0"/>
+                                  </p:stCondLst>
+                                  <p:childTnLst>
+                                    <p:set>
+                                      <p:cBhvr>
+                                        <p:cTn id="38" dur="1" fill="hold">
+                                          <p:stCondLst>
+                                            <p:cond delay="0"/>
+                                          </p:stCondLst>
+                                        </p:cTn>
+                                        <p:tgtEl>
+                                          <p:spTgt spid="31"/>
+                                        </p:tgtEl>
+                                        <p:attrNameLst>
+                                          <p:attrName>style.visibility</p:attrName>
+                                        </p:attrNameLst>
+                                      </p:cBhvr>
+                                      <p:to>
+                                        <p:strVal val="visible"/>
+                                      </p:to>
+                                    </p:set>
+                                  </p:childTnLst>
+                                </p:cTn>
+                              </p:par>
+                              <p:par>
+                                <p:cTn id="39" presetID="1" presetClass="entr" presetSubtype="0" fill="hold" grpId="0" nodeType="withEffect">
+                                  <p:stCondLst>
+                                    <p:cond delay="0"/>
+                                  </p:stCondLst>
+                                  <p:childTnLst>
+                                    <p:set>
+                                      <p:cBhvr>
+                                        <p:cTn id="40" dur="1" fill="hold">
+                                          <p:stCondLst>
+                                            <p:cond delay="0"/>
+                                          </p:stCondLst>
+                                        </p:cTn>
+                                        <p:tgtEl>
+                                          <p:spTgt spid="28"/>
+                                        </p:tgtEl>
+                                        <p:attrNameLst>
+                                          <p:attrName>style.visibility</p:attrName>
+                                        </p:attrNameLst>
+                                      </p:cBhvr>
+                                      <p:to>
+                                        <p:strVal val="visible"/>
+                                      </p:to>
+                                    </p:set>
+                                  </p:childTnLst>
+                                </p:cTn>
+                              </p:par>
+                            </p:childTnLst>
+                          </p:cTn>
+                        </p:par>
+                      </p:childTnLst>
+                    </p:cTn>
+                  </p:par>
+                </p:childTnLst>
+              </p:cTn>
+              <p:prevCondLst>
+                <p:cond evt="onPrev" delay="0">
+                  <p:tgtEl>
+                    <p:sldTgt/>
+                  </p:tgtEl>
+                </p:cond>
+              </p:prevCondLst>
+              <p:nextCondLst>
+                <p:cond evt="onNext" delay="0">
+                  <p:tgtEl>
+                    <p:sldTgt/>
+                  </p:tgtEl>
+                </p:cond>
+              </p:nextCondLst>
+            </p:seq>
+          </p:childTnLst>
+        </p:cTn>
+      </p:par>
+    </p:tnLst>
+    <p:bldLst>
+      <p:bldP spid="11" grpId="0"/>
+      <p:bldP spid="12" grpId="0"/>
+      <p:bldP spid="19" grpId="0" animBg="1"/>
+      <p:bldP spid="20" grpId="0" animBg="1"/>
+      <p:bldP spid="21" grpId="0" animBg="1"/>
+      <p:bldP spid="22" grpId="0" animBg="1"/>
+      <p:bldP spid="23" grpId="0" animBg="1"/>
+      <p:bldP spid="24" grpId="0" animBg="1"/>
+      <p:bldP spid="25" grpId="0"/>
+      <p:bldP spid="28" grpId="0"/>
+      <p:bldP spid="31" grpId="0"/>
+    </p:bldLst>
+  </p:timing>
 </p:sld>
 </file>
 
@@ -8433,203 +9924,6 @@
       </p:sp>
       <p:sp>
         <p:nvSpPr>
-          <p:cNvPr id="4" name="TextBox 3">
-            <a:extLst>
-              <a:ext uri="{FF2B5EF4-FFF2-40B4-BE49-F238E27FC236}">
-                <a16:creationId xmlns:a16="http://schemas.microsoft.com/office/drawing/2014/main" id="{AF0E0662-CBF1-F4B7-62FD-AAEC06A6E687}"/>
-              </a:ext>
-            </a:extLst>
-          </p:cNvPr>
-          <p:cNvSpPr txBox="1"/>
-          <p:nvPr/>
-        </p:nvSpPr>
-        <p:spPr>
-          <a:xfrm>
-            <a:off x="270409" y="1783088"/>
-            <a:ext cx="8076250" cy="738664"/>
-          </a:xfrm>
-          <a:prstGeom prst="rect">
-            <a:avLst/>
-          </a:prstGeom>
-          <a:noFill/>
-        </p:spPr>
-        <p:txBody>
-          <a:bodyPr wrap="none" rtlCol="0">
-            <a:spAutoFit/>
-          </a:bodyPr>
-          <a:lstStyle/>
-          <a:p>
-            <a:r>
-              <a:rPr lang="en-GB" dirty="0">
-                <a:latin typeface="Montserrat" pitchFamily="2" charset="77"/>
-              </a:rPr>
-              <a:t>Slide 9-12: </a:t>
-            </a:r>
-            <a:r>
-              <a:rPr lang="en-GB" dirty="0" err="1">
-                <a:latin typeface="Montserrat" pitchFamily="2" charset="77"/>
-              </a:rPr>
-              <a:t>Risultati</a:t>
-            </a:r>
-            <a:r>
-              <a:rPr lang="en-GB" dirty="0">
-                <a:latin typeface="Montserrat" pitchFamily="2" charset="77"/>
-              </a:rPr>
-              <a:t> e </a:t>
-            </a:r>
-            <a:r>
-              <a:rPr lang="en-GB" dirty="0" err="1">
-                <a:latin typeface="Montserrat" pitchFamily="2" charset="77"/>
-              </a:rPr>
-              <a:t>Analisi</a:t>
-            </a:r>
-            <a:endParaRPr lang="en-GB" dirty="0">
-              <a:latin typeface="Montserrat" pitchFamily="2" charset="77"/>
-            </a:endParaRPr>
-          </a:p>
-          <a:p>
-            <a:r>
-              <a:rPr lang="en-GB" dirty="0">
-                <a:latin typeface="Montserrat" pitchFamily="2" charset="77"/>
-              </a:rPr>
-              <a:t>• Slide separate per </a:t>
-            </a:r>
-            <a:r>
-              <a:rPr lang="en-GB" dirty="0" err="1">
-                <a:latin typeface="Montserrat" pitchFamily="2" charset="77"/>
-              </a:rPr>
-              <a:t>ciascun</a:t>
-            </a:r>
-            <a:r>
-              <a:rPr lang="en-GB" dirty="0">
-                <a:latin typeface="Montserrat" pitchFamily="2" charset="77"/>
-              </a:rPr>
-              <a:t> </a:t>
-            </a:r>
-            <a:r>
-              <a:rPr lang="en-GB" dirty="0" err="1">
-                <a:latin typeface="Montserrat" pitchFamily="2" charset="77"/>
-              </a:rPr>
-              <a:t>modello</a:t>
-            </a:r>
-            <a:r>
-              <a:rPr lang="en-GB" dirty="0">
-                <a:latin typeface="Montserrat" pitchFamily="2" charset="77"/>
-              </a:rPr>
-              <a:t> o </a:t>
-            </a:r>
-            <a:r>
-              <a:rPr lang="en-GB" dirty="0" err="1">
-                <a:latin typeface="Montserrat" pitchFamily="2" charset="77"/>
-              </a:rPr>
-              <a:t>gruppi</a:t>
-            </a:r>
-            <a:r>
-              <a:rPr lang="en-GB" dirty="0">
-                <a:latin typeface="Montserrat" pitchFamily="2" charset="77"/>
-              </a:rPr>
-              <a:t> di </a:t>
-            </a:r>
-            <a:r>
-              <a:rPr lang="en-GB" dirty="0" err="1">
-                <a:latin typeface="Montserrat" pitchFamily="2" charset="77"/>
-              </a:rPr>
-              <a:t>modelli</a:t>
-            </a:r>
-            <a:r>
-              <a:rPr lang="en-GB" dirty="0">
-                <a:latin typeface="Montserrat" pitchFamily="2" charset="77"/>
-              </a:rPr>
-              <a:t> </a:t>
-            </a:r>
-          </a:p>
-          <a:p>
-            <a:r>
-              <a:rPr lang="en-GB" dirty="0">
-                <a:latin typeface="Montserrat" pitchFamily="2" charset="77"/>
-              </a:rPr>
-              <a:t>• </a:t>
-            </a:r>
-            <a:r>
-              <a:rPr lang="en-GB" dirty="0" err="1">
-                <a:latin typeface="Montserrat" pitchFamily="2" charset="77"/>
-              </a:rPr>
-              <a:t>Confronto</a:t>
-            </a:r>
-            <a:r>
-              <a:rPr lang="en-GB" dirty="0">
-                <a:latin typeface="Montserrat" pitchFamily="2" charset="77"/>
-              </a:rPr>
-              <a:t> </a:t>
-            </a:r>
-            <a:r>
-              <a:rPr lang="en-GB" dirty="0" err="1">
-                <a:latin typeface="Montserrat" pitchFamily="2" charset="77"/>
-              </a:rPr>
-              <a:t>delle</a:t>
-            </a:r>
-            <a:r>
-              <a:rPr lang="en-GB" dirty="0">
-                <a:latin typeface="Montserrat" pitchFamily="2" charset="77"/>
-              </a:rPr>
-              <a:t> </a:t>
-            </a:r>
-            <a:r>
-              <a:rPr lang="en-GB" dirty="0" err="1">
-                <a:latin typeface="Montserrat" pitchFamily="2" charset="77"/>
-              </a:rPr>
-              <a:t>prestazioni</a:t>
-            </a:r>
-            <a:r>
-              <a:rPr lang="en-GB" dirty="0">
-                <a:latin typeface="Montserrat" pitchFamily="2" charset="77"/>
-              </a:rPr>
-              <a:t> </a:t>
-            </a:r>
-            <a:r>
-              <a:rPr lang="en-GB" dirty="0" err="1">
-                <a:latin typeface="Montserrat" pitchFamily="2" charset="77"/>
-              </a:rPr>
-              <a:t>su</a:t>
-            </a:r>
-            <a:r>
-              <a:rPr lang="en-GB" dirty="0">
-                <a:latin typeface="Montserrat" pitchFamily="2" charset="77"/>
-              </a:rPr>
-              <a:t> D1 e D2 • </a:t>
-            </a:r>
-            <a:r>
-              <a:rPr lang="en-GB" dirty="0" err="1">
-                <a:latin typeface="Montserrat" pitchFamily="2" charset="77"/>
-              </a:rPr>
-              <a:t>Grafici</a:t>
-            </a:r>
-            <a:r>
-              <a:rPr lang="en-GB" dirty="0">
-                <a:latin typeface="Montserrat" pitchFamily="2" charset="77"/>
-              </a:rPr>
-              <a:t> </a:t>
-            </a:r>
-            <a:r>
-              <a:rPr lang="en-GB" dirty="0" err="1">
-                <a:latin typeface="Montserrat" pitchFamily="2" charset="77"/>
-              </a:rPr>
-              <a:t>delle</a:t>
-            </a:r>
-            <a:r>
-              <a:rPr lang="en-GB" dirty="0">
-                <a:latin typeface="Montserrat" pitchFamily="2" charset="77"/>
-              </a:rPr>
-              <a:t> performance (MAE, MAPE, SMAPE)</a:t>
-            </a:r>
-            <a:endParaRPr lang="en-IT" dirty="0">
-              <a:latin typeface="Montserrat" pitchFamily="2" charset="77"/>
-            </a:endParaRPr>
-          </a:p>
-        </p:txBody>
-      </p:sp>
-      <p:sp>
-        <p:nvSpPr>
           <p:cNvPr id="8" name="TextBox 7">
             <a:extLst>
               <a:ext uri="{FF2B5EF4-FFF2-40B4-BE49-F238E27FC236}">
@@ -8767,12 +10061,42 @@
           </a:p>
         </p:txBody>
       </p:sp>
-      <p:sp>
-        <p:nvSpPr>
-          <p:cNvPr id="11" name="TextBox 10">
-            <a:extLst>
-              <a:ext uri="{FF2B5EF4-FFF2-40B4-BE49-F238E27FC236}">
-                <a16:creationId xmlns:a16="http://schemas.microsoft.com/office/drawing/2014/main" id="{3E8012E5-F338-DBE7-ACA6-3CAD8A491D9F}"/>
+      <p:pic>
+        <p:nvPicPr>
+          <p:cNvPr id="14" name="Picture 13" descr="A table with numbers and text&#10;&#10;Description automatically generated">
+            <a:extLst>
+              <a:ext uri="{FF2B5EF4-FFF2-40B4-BE49-F238E27FC236}">
+                <a16:creationId xmlns:a16="http://schemas.microsoft.com/office/drawing/2014/main" id="{521D717F-8279-0D31-E1C9-11611FADC461}"/>
+              </a:ext>
+            </a:extLst>
+          </p:cNvPr>
+          <p:cNvPicPr>
+            <a:picLocks noGrp="1" noRot="1" noChangeAspect="1" noMove="1" noResize="1" noEditPoints="1" noAdjustHandles="1" noChangeArrowheads="1" noChangeShapeType="1" noCrop="1"/>
+          </p:cNvPicPr>
+          <p:nvPr/>
+        </p:nvPicPr>
+        <p:blipFill>
+          <a:blip r:embed="rId3"/>
+          <a:stretch>
+            <a:fillRect/>
+          </a:stretch>
+        </p:blipFill>
+        <p:spPr>
+          <a:xfrm>
+            <a:off x="650950" y="1703924"/>
+            <a:ext cx="3301166" cy="1051374"/>
+          </a:xfrm>
+          <a:prstGeom prst="rect">
+            <a:avLst/>
+          </a:prstGeom>
+        </p:spPr>
+      </p:pic>
+      <p:sp>
+        <p:nvSpPr>
+          <p:cNvPr id="15" name="TextBox 14">
+            <a:extLst>
+              <a:ext uri="{FF2B5EF4-FFF2-40B4-BE49-F238E27FC236}">
+                <a16:creationId xmlns:a16="http://schemas.microsoft.com/office/drawing/2014/main" id="{2D3476D3-CFCB-453D-DA18-A137BE3EB932}"/>
               </a:ext>
             </a:extLst>
           </p:cNvPr>
@@ -8781,8 +10105,8 @@
         </p:nvSpPr>
         <p:spPr>
           <a:xfrm>
-            <a:off x="1109545" y="3222624"/>
-            <a:ext cx="1515300" cy="369332"/>
+            <a:off x="1787082" y="1068358"/>
+            <a:ext cx="1028902" cy="369332"/>
           </a:xfrm>
           <a:prstGeom prst="rect">
             <a:avLst/>
@@ -8802,7 +10126,7 @@
                 </a:solidFill>
                 <a:latin typeface="Montserrat" pitchFamily="2" charset="77"/>
               </a:rPr>
-              <a:t>Elaboration</a:t>
+              <a:t>Results</a:t>
             </a:r>
             <a:endParaRPr lang="en-IT" sz="1800" dirty="0">
               <a:solidFill>
@@ -8814,10 +10138,352 @@
       </p:sp>
       <p:sp>
         <p:nvSpPr>
-          <p:cNvPr id="12" name="TextBox 11">
-            <a:extLst>
-              <a:ext uri="{FF2B5EF4-FFF2-40B4-BE49-F238E27FC236}">
-                <a16:creationId xmlns:a16="http://schemas.microsoft.com/office/drawing/2014/main" id="{BAEA215C-6B89-C894-016F-4AF7BD343111}"/>
+          <p:cNvPr id="16" name="Frame 15">
+            <a:extLst>
+              <a:ext uri="{FF2B5EF4-FFF2-40B4-BE49-F238E27FC236}">
+                <a16:creationId xmlns:a16="http://schemas.microsoft.com/office/drawing/2014/main" id="{45CE482B-6B70-6BB7-5AF4-6F841A3E244E}"/>
+              </a:ext>
+            </a:extLst>
+          </p:cNvPr>
+          <p:cNvSpPr/>
+          <p:nvPr/>
+        </p:nvSpPr>
+        <p:spPr>
+          <a:xfrm>
+            <a:off x="1968582" y="2050567"/>
+            <a:ext cx="540834" cy="157965"/>
+          </a:xfrm>
+          <a:prstGeom prst="frame">
+            <a:avLst>
+              <a:gd name="adj1" fmla="val 0"/>
+            </a:avLst>
+          </a:prstGeom>
+          <a:ln>
+            <a:solidFill>
+              <a:srgbClr val="FF0000"/>
+            </a:solidFill>
+          </a:ln>
+        </p:spPr>
+        <p:style>
+          <a:lnRef idx="2">
+            <a:schemeClr val="accent1">
+              <a:shade val="15000"/>
+            </a:schemeClr>
+          </a:lnRef>
+          <a:fillRef idx="1">
+            <a:schemeClr val="accent1"/>
+          </a:fillRef>
+          <a:effectRef idx="0">
+            <a:schemeClr val="accent1"/>
+          </a:effectRef>
+          <a:fontRef idx="minor">
+            <a:schemeClr val="lt1"/>
+          </a:fontRef>
+        </p:style>
+        <p:txBody>
+          <a:bodyPr rtlCol="0" anchor="ctr"/>
+          <a:lstStyle/>
+          <a:p>
+            <a:pPr algn="ctr"/>
+            <a:endParaRPr lang="en-IT">
+              <a:solidFill>
+                <a:schemeClr val="tx1"/>
+              </a:solidFill>
+            </a:endParaRPr>
+          </a:p>
+        </p:txBody>
+      </p:sp>
+      <p:sp>
+        <p:nvSpPr>
+          <p:cNvPr id="17" name="Frame 16">
+            <a:extLst>
+              <a:ext uri="{FF2B5EF4-FFF2-40B4-BE49-F238E27FC236}">
+                <a16:creationId xmlns:a16="http://schemas.microsoft.com/office/drawing/2014/main" id="{C99BCCFD-8750-926B-586D-C9280C99658B}"/>
+              </a:ext>
+            </a:extLst>
+          </p:cNvPr>
+          <p:cNvSpPr/>
+          <p:nvPr/>
+        </p:nvSpPr>
+        <p:spPr>
+          <a:xfrm>
+            <a:off x="2627972" y="2392365"/>
+            <a:ext cx="540834" cy="157965"/>
+          </a:xfrm>
+          <a:prstGeom prst="frame">
+            <a:avLst>
+              <a:gd name="adj1" fmla="val 0"/>
+            </a:avLst>
+          </a:prstGeom>
+          <a:ln>
+            <a:solidFill>
+              <a:srgbClr val="FF0000"/>
+            </a:solidFill>
+          </a:ln>
+        </p:spPr>
+        <p:style>
+          <a:lnRef idx="2">
+            <a:schemeClr val="accent1">
+              <a:shade val="15000"/>
+            </a:schemeClr>
+          </a:lnRef>
+          <a:fillRef idx="1">
+            <a:schemeClr val="accent1"/>
+          </a:fillRef>
+          <a:effectRef idx="0">
+            <a:schemeClr val="accent1"/>
+          </a:effectRef>
+          <a:fontRef idx="minor">
+            <a:schemeClr val="lt1"/>
+          </a:fontRef>
+        </p:style>
+        <p:txBody>
+          <a:bodyPr rtlCol="0" anchor="ctr"/>
+          <a:lstStyle/>
+          <a:p>
+            <a:pPr algn="ctr"/>
+            <a:endParaRPr lang="en-IT">
+              <a:solidFill>
+                <a:schemeClr val="tx1"/>
+              </a:solidFill>
+            </a:endParaRPr>
+          </a:p>
+        </p:txBody>
+      </p:sp>
+      <p:sp>
+        <p:nvSpPr>
+          <p:cNvPr id="18" name="Frame 17">
+            <a:extLst>
+              <a:ext uri="{FF2B5EF4-FFF2-40B4-BE49-F238E27FC236}">
+                <a16:creationId xmlns:a16="http://schemas.microsoft.com/office/drawing/2014/main" id="{CEBB7B6A-E5F0-E156-5ADC-A04C52B7006D}"/>
+              </a:ext>
+            </a:extLst>
+          </p:cNvPr>
+          <p:cNvSpPr/>
+          <p:nvPr/>
+        </p:nvSpPr>
+        <p:spPr>
+          <a:xfrm>
+            <a:off x="3324923" y="2056436"/>
+            <a:ext cx="540834" cy="157965"/>
+          </a:xfrm>
+          <a:prstGeom prst="frame">
+            <a:avLst>
+              <a:gd name="adj1" fmla="val 0"/>
+            </a:avLst>
+          </a:prstGeom>
+          <a:ln>
+            <a:solidFill>
+              <a:srgbClr val="FF0000"/>
+            </a:solidFill>
+          </a:ln>
+        </p:spPr>
+        <p:style>
+          <a:lnRef idx="2">
+            <a:schemeClr val="accent1">
+              <a:shade val="15000"/>
+            </a:schemeClr>
+          </a:lnRef>
+          <a:fillRef idx="1">
+            <a:schemeClr val="accent1"/>
+          </a:fillRef>
+          <a:effectRef idx="0">
+            <a:schemeClr val="accent1"/>
+          </a:effectRef>
+          <a:fontRef idx="minor">
+            <a:schemeClr val="lt1"/>
+          </a:fontRef>
+        </p:style>
+        <p:txBody>
+          <a:bodyPr rtlCol="0" anchor="ctr"/>
+          <a:lstStyle/>
+          <a:p>
+            <a:pPr algn="ctr"/>
+            <a:endParaRPr lang="en-IT">
+              <a:solidFill>
+                <a:schemeClr val="tx1"/>
+              </a:solidFill>
+            </a:endParaRPr>
+          </a:p>
+        </p:txBody>
+      </p:sp>
+      <p:sp>
+        <p:nvSpPr>
+          <p:cNvPr id="19" name="Frame 18">
+            <a:extLst>
+              <a:ext uri="{FF2B5EF4-FFF2-40B4-BE49-F238E27FC236}">
+                <a16:creationId xmlns:a16="http://schemas.microsoft.com/office/drawing/2014/main" id="{9DA9A45D-212F-B9F5-C24F-B29BCAA867B3}"/>
+              </a:ext>
+            </a:extLst>
+          </p:cNvPr>
+          <p:cNvSpPr/>
+          <p:nvPr/>
+        </p:nvSpPr>
+        <p:spPr>
+          <a:xfrm>
+            <a:off x="1964200" y="2560600"/>
+            <a:ext cx="540834" cy="157965"/>
+          </a:xfrm>
+          <a:prstGeom prst="frame">
+            <a:avLst>
+              <a:gd name="adj1" fmla="val 0"/>
+            </a:avLst>
+          </a:prstGeom>
+          <a:ln>
+            <a:solidFill>
+              <a:srgbClr val="0070C0"/>
+            </a:solidFill>
+          </a:ln>
+        </p:spPr>
+        <p:style>
+          <a:lnRef idx="2">
+            <a:schemeClr val="accent1">
+              <a:shade val="15000"/>
+            </a:schemeClr>
+          </a:lnRef>
+          <a:fillRef idx="1">
+            <a:schemeClr val="accent1"/>
+          </a:fillRef>
+          <a:effectRef idx="0">
+            <a:schemeClr val="accent1"/>
+          </a:effectRef>
+          <a:fontRef idx="minor">
+            <a:schemeClr val="lt1"/>
+          </a:fontRef>
+        </p:style>
+        <p:txBody>
+          <a:bodyPr rtlCol="0" anchor="ctr"/>
+          <a:lstStyle/>
+          <a:p>
+            <a:pPr algn="ctr"/>
+            <a:endParaRPr lang="en-IT">
+              <a:solidFill>
+                <a:srgbClr val="00B050"/>
+              </a:solidFill>
+            </a:endParaRPr>
+          </a:p>
+        </p:txBody>
+      </p:sp>
+      <p:sp>
+        <p:nvSpPr>
+          <p:cNvPr id="20" name="Frame 19">
+            <a:extLst>
+              <a:ext uri="{FF2B5EF4-FFF2-40B4-BE49-F238E27FC236}">
+                <a16:creationId xmlns:a16="http://schemas.microsoft.com/office/drawing/2014/main" id="{7DF8BF5F-5374-8580-26A5-66D25CACAE72}"/>
+              </a:ext>
+            </a:extLst>
+          </p:cNvPr>
+          <p:cNvSpPr/>
+          <p:nvPr/>
+        </p:nvSpPr>
+        <p:spPr>
+          <a:xfrm>
+            <a:off x="2627972" y="2052363"/>
+            <a:ext cx="540834" cy="157965"/>
+          </a:xfrm>
+          <a:prstGeom prst="frame">
+            <a:avLst>
+              <a:gd name="adj1" fmla="val 0"/>
+            </a:avLst>
+          </a:prstGeom>
+          <a:ln>
+            <a:solidFill>
+              <a:srgbClr val="0070C0"/>
+            </a:solidFill>
+          </a:ln>
+        </p:spPr>
+        <p:style>
+          <a:lnRef idx="2">
+            <a:schemeClr val="accent1">
+              <a:shade val="15000"/>
+            </a:schemeClr>
+          </a:lnRef>
+          <a:fillRef idx="1">
+            <a:schemeClr val="accent1"/>
+          </a:fillRef>
+          <a:effectRef idx="0">
+            <a:schemeClr val="accent1"/>
+          </a:effectRef>
+          <a:fontRef idx="minor">
+            <a:schemeClr val="lt1"/>
+          </a:fontRef>
+        </p:style>
+        <p:txBody>
+          <a:bodyPr rtlCol="0" anchor="ctr"/>
+          <a:lstStyle/>
+          <a:p>
+            <a:pPr algn="ctr"/>
+            <a:endParaRPr lang="en-IT">
+              <a:solidFill>
+                <a:srgbClr val="00B050"/>
+              </a:solidFill>
+            </a:endParaRPr>
+          </a:p>
+        </p:txBody>
+      </p:sp>
+      <p:sp>
+        <p:nvSpPr>
+          <p:cNvPr id="21" name="Frame 20">
+            <a:extLst>
+              <a:ext uri="{FF2B5EF4-FFF2-40B4-BE49-F238E27FC236}">
+                <a16:creationId xmlns:a16="http://schemas.microsoft.com/office/drawing/2014/main" id="{78C84903-6862-F15A-153E-4B7BAED07498}"/>
+              </a:ext>
+            </a:extLst>
+          </p:cNvPr>
+          <p:cNvSpPr/>
+          <p:nvPr/>
+        </p:nvSpPr>
+        <p:spPr>
+          <a:xfrm>
+            <a:off x="3324923" y="2220481"/>
+            <a:ext cx="540834" cy="157965"/>
+          </a:xfrm>
+          <a:prstGeom prst="frame">
+            <a:avLst>
+              <a:gd name="adj1" fmla="val 0"/>
+            </a:avLst>
+          </a:prstGeom>
+          <a:ln>
+            <a:solidFill>
+              <a:srgbClr val="0070C0"/>
+            </a:solidFill>
+          </a:ln>
+        </p:spPr>
+        <p:style>
+          <a:lnRef idx="2">
+            <a:schemeClr val="accent1">
+              <a:shade val="15000"/>
+            </a:schemeClr>
+          </a:lnRef>
+          <a:fillRef idx="1">
+            <a:schemeClr val="accent1"/>
+          </a:fillRef>
+          <a:effectRef idx="0">
+            <a:schemeClr val="accent1"/>
+          </a:effectRef>
+          <a:fontRef idx="minor">
+            <a:schemeClr val="lt1"/>
+          </a:fontRef>
+        </p:style>
+        <p:txBody>
+          <a:bodyPr rtlCol="0" anchor="ctr"/>
+          <a:lstStyle/>
+          <a:p>
+            <a:pPr algn="ctr"/>
+            <a:endParaRPr lang="en-IT">
+              <a:solidFill>
+                <a:srgbClr val="00B050"/>
+              </a:solidFill>
+            </a:endParaRPr>
+          </a:p>
+        </p:txBody>
+      </p:sp>
+      <p:sp>
+        <p:nvSpPr>
+          <p:cNvPr id="22" name="TextBox 21">
+            <a:extLst>
+              <a:ext uri="{FF2B5EF4-FFF2-40B4-BE49-F238E27FC236}">
+                <a16:creationId xmlns:a16="http://schemas.microsoft.com/office/drawing/2014/main" id="{922AA8F5-C59F-6FBE-F03F-936E025479B7}"/>
               </a:ext>
             </a:extLst>
           </p:cNvPr>
@@ -8826,8 +10492,53 @@
         </p:nvSpPr>
         <p:spPr>
           <a:xfrm>
-            <a:off x="1892462" y="3834590"/>
-            <a:ext cx="1681747" cy="523220"/>
+            <a:off x="6361721" y="1068358"/>
+            <a:ext cx="664327" cy="369332"/>
+          </a:xfrm>
+          <a:prstGeom prst="rect">
+            <a:avLst/>
+          </a:prstGeom>
+          <a:noFill/>
+        </p:spPr>
+        <p:txBody>
+          <a:bodyPr wrap="square" rtlCol="0">
+            <a:spAutoFit/>
+          </a:bodyPr>
+          <a:lstStyle/>
+          <a:p>
+            <a:r>
+              <a:rPr lang="en-GB" sz="1800" dirty="0">
+                <a:solidFill>
+                  <a:srgbClr val="0070C0"/>
+                </a:solidFill>
+                <a:latin typeface="Montserrat" pitchFamily="2" charset="77"/>
+              </a:rPr>
+              <a:t>Plot</a:t>
+            </a:r>
+            <a:endParaRPr lang="en-IT" sz="1800" dirty="0">
+              <a:solidFill>
+                <a:srgbClr val="0070C0"/>
+              </a:solidFill>
+            </a:endParaRPr>
+          </a:p>
+        </p:txBody>
+      </p:sp>
+      <p:sp>
+        <p:nvSpPr>
+          <p:cNvPr id="29" name="TextBox 28">
+            <a:extLst>
+              <a:ext uri="{FF2B5EF4-FFF2-40B4-BE49-F238E27FC236}">
+                <a16:creationId xmlns:a16="http://schemas.microsoft.com/office/drawing/2014/main" id="{73383398-7F2D-E97D-FBE0-51547C5C336B}"/>
+              </a:ext>
+            </a:extLst>
+          </p:cNvPr>
+          <p:cNvSpPr txBox="1"/>
+          <p:nvPr/>
+        </p:nvSpPr>
+        <p:spPr>
+          <a:xfrm>
+            <a:off x="1994865" y="1472979"/>
+            <a:ext cx="1991150" cy="246221"/>
           </a:xfrm>
           <a:prstGeom prst="rect">
             <a:avLst/>
@@ -8840,12 +10551,124 @@
           </a:bodyPr>
           <a:lstStyle/>
           <a:p>
+            <a:r>
+              <a:rPr lang="en-GB" sz="1000" dirty="0">
+                <a:effectLst/>
+                <a:latin typeface="Montserrat" pitchFamily="2" charset="77"/>
+              </a:rPr>
+              <a:t>MAE          MAPE       SMAPE</a:t>
+            </a:r>
+          </a:p>
+        </p:txBody>
+      </p:sp>
+      <p:pic>
+        <p:nvPicPr>
+          <p:cNvPr id="31" name="Picture 30" descr="A graph of different types of data&#10;&#10;Description automatically generated">
+            <a:extLst>
+              <a:ext uri="{FF2B5EF4-FFF2-40B4-BE49-F238E27FC236}">
+                <a16:creationId xmlns:a16="http://schemas.microsoft.com/office/drawing/2014/main" id="{4E2A67B4-0973-1DC9-8417-4B4A3C9B2577}"/>
+              </a:ext>
+            </a:extLst>
+          </p:cNvPr>
+          <p:cNvPicPr>
+            <a:picLocks noChangeAspect="1"/>
+          </p:cNvPicPr>
+          <p:nvPr/>
+        </p:nvPicPr>
+        <p:blipFill>
+          <a:blip r:embed="rId4"/>
+          <a:stretch>
+            <a:fillRect/>
+          </a:stretch>
+        </p:blipFill>
+        <p:spPr>
+          <a:xfrm>
+            <a:off x="5132219" y="1472979"/>
+            <a:ext cx="3117584" cy="3312000"/>
+          </a:xfrm>
+          <a:prstGeom prst="rect">
+            <a:avLst/>
+          </a:prstGeom>
+        </p:spPr>
+      </p:pic>
+      <p:sp>
+        <p:nvSpPr>
+          <p:cNvPr id="32" name="TextBox 31">
+            <a:extLst>
+              <a:ext uri="{FF2B5EF4-FFF2-40B4-BE49-F238E27FC236}">
+                <a16:creationId xmlns:a16="http://schemas.microsoft.com/office/drawing/2014/main" id="{42217BA3-20D3-3AF3-F71E-9152998EDBFB}"/>
+              </a:ext>
+            </a:extLst>
+          </p:cNvPr>
+          <p:cNvSpPr txBox="1"/>
+          <p:nvPr/>
+        </p:nvSpPr>
+        <p:spPr>
+          <a:xfrm>
+            <a:off x="2438761" y="3206180"/>
+            <a:ext cx="1893487" cy="307777"/>
+          </a:xfrm>
+          <a:prstGeom prst="rect">
+            <a:avLst/>
+          </a:prstGeom>
+          <a:noFill/>
+        </p:spPr>
+        <p:txBody>
+          <a:bodyPr wrap="square">
+            <a:spAutoFit/>
+          </a:bodyPr>
+          <a:lstStyle/>
+          <a:p>
+            <a:r>
+              <a:rPr lang="en-GB" sz="1400" i="1" dirty="0">
+                <a:effectLst/>
+                <a:latin typeface="Montserrat" pitchFamily="2" charset="77"/>
+              </a:rPr>
+              <a:t>Gradient Boosting</a:t>
+            </a:r>
+          </a:p>
+        </p:txBody>
+      </p:sp>
+      <p:sp>
+        <p:nvSpPr>
+          <p:cNvPr id="33" name="TextBox 32">
+            <a:extLst>
+              <a:ext uri="{FF2B5EF4-FFF2-40B4-BE49-F238E27FC236}">
+                <a16:creationId xmlns:a16="http://schemas.microsoft.com/office/drawing/2014/main" id="{1C3EFBAA-817F-250D-F897-F8873655755A}"/>
+              </a:ext>
+            </a:extLst>
+          </p:cNvPr>
+          <p:cNvSpPr txBox="1"/>
+          <p:nvPr/>
+        </p:nvSpPr>
+        <p:spPr>
+          <a:xfrm>
+            <a:off x="617052" y="3096889"/>
+            <a:ext cx="1823540" cy="523220"/>
+          </a:xfrm>
+          <a:prstGeom prst="rect">
+            <a:avLst/>
+          </a:prstGeom>
+          <a:noFill/>
+        </p:spPr>
+        <p:txBody>
+          <a:bodyPr wrap="square">
+            <a:spAutoFit/>
+          </a:bodyPr>
+          <a:lstStyle/>
+          <a:p>
+            <a:r>
+              <a:rPr lang="en-GB" dirty="0">
+                <a:latin typeface="Montserrat" pitchFamily="2" charset="77"/>
+              </a:rPr>
+              <a:t>T</a:t>
+            </a:r>
             <a:r>
               <a:rPr lang="en-GB" sz="1400" dirty="0">
                 <a:effectLst/>
                 <a:latin typeface="Montserrat" pitchFamily="2" charset="77"/>
               </a:rPr>
-              <a:t>Removing Categorical Data</a:t>
+              <a:t>he best compromise</a:t>
             </a:r>
           </a:p>
         </p:txBody>
@@ -8860,6 +10683,508 @@
   <p:clrMapOvr>
     <a:masterClrMapping/>
   </p:clrMapOvr>
+  <p:timing>
+    <p:tnLst>
+      <p:par>
+        <p:cTn id="1" dur="indefinite" restart="never" nodeType="tmRoot">
+          <p:childTnLst>
+            <p:seq concurrent="1" nextAc="seek">
+              <p:cTn id="2" dur="indefinite" nodeType="mainSeq">
+                <p:childTnLst>
+                  <p:par>
+                    <p:cTn id="3" fill="hold">
+                      <p:stCondLst>
+                        <p:cond delay="indefinite"/>
+                      </p:stCondLst>
+                      <p:childTnLst>
+                        <p:par>
+                          <p:cTn id="4" fill="hold">
+                            <p:stCondLst>
+                              <p:cond delay="0"/>
+                            </p:stCondLst>
+                            <p:childTnLst>
+                              <p:par>
+                                <p:cTn id="5" presetID="1" presetClass="entr" presetSubtype="0" fill="hold" grpId="0" nodeType="clickEffect">
+                                  <p:stCondLst>
+                                    <p:cond delay="0"/>
+                                  </p:stCondLst>
+                                  <p:childTnLst>
+                                    <p:set>
+                                      <p:cBhvr>
+                                        <p:cTn id="6" dur="1" fill="hold">
+                                          <p:stCondLst>
+                                            <p:cond delay="0"/>
+                                          </p:stCondLst>
+                                        </p:cTn>
+                                        <p:tgtEl>
+                                          <p:spTgt spid="15"/>
+                                        </p:tgtEl>
+                                        <p:attrNameLst>
+                                          <p:attrName>style.visibility</p:attrName>
+                                        </p:attrNameLst>
+                                      </p:cBhvr>
+                                      <p:to>
+                                        <p:strVal val="visible"/>
+                                      </p:to>
+                                    </p:set>
+                                  </p:childTnLst>
+                                </p:cTn>
+                              </p:par>
+                              <p:par>
+                                <p:cTn id="7" presetID="1" presetClass="entr" presetSubtype="0" fill="hold" grpId="0" nodeType="withEffect">
+                                  <p:stCondLst>
+                                    <p:cond delay="0"/>
+                                  </p:stCondLst>
+                                  <p:childTnLst>
+                                    <p:set>
+                                      <p:cBhvr>
+                                        <p:cTn id="8" dur="1" fill="hold">
+                                          <p:stCondLst>
+                                            <p:cond delay="0"/>
+                                          </p:stCondLst>
+                                        </p:cTn>
+                                        <p:tgtEl>
+                                          <p:spTgt spid="22"/>
+                                        </p:tgtEl>
+                                        <p:attrNameLst>
+                                          <p:attrName>style.visibility</p:attrName>
+                                        </p:attrNameLst>
+                                      </p:cBhvr>
+                                      <p:to>
+                                        <p:strVal val="visible"/>
+                                      </p:to>
+                                    </p:set>
+                                  </p:childTnLst>
+                                </p:cTn>
+                              </p:par>
+                            </p:childTnLst>
+                          </p:cTn>
+                        </p:par>
+                      </p:childTnLst>
+                    </p:cTn>
+                  </p:par>
+                  <p:par>
+                    <p:cTn id="9" fill="hold">
+                      <p:stCondLst>
+                        <p:cond delay="indefinite"/>
+                      </p:stCondLst>
+                      <p:childTnLst>
+                        <p:par>
+                          <p:cTn id="10" fill="hold">
+                            <p:stCondLst>
+                              <p:cond delay="0"/>
+                            </p:stCondLst>
+                            <p:childTnLst>
+                              <p:par>
+                                <p:cTn id="11" presetID="1" presetClass="entr" presetSubtype="0" fill="hold" nodeType="clickEffect">
+                                  <p:stCondLst>
+                                    <p:cond delay="0"/>
+                                  </p:stCondLst>
+                                  <p:childTnLst>
+                                    <p:set>
+                                      <p:cBhvr>
+                                        <p:cTn id="12" dur="1" fill="hold">
+                                          <p:stCondLst>
+                                            <p:cond delay="0"/>
+                                          </p:stCondLst>
+                                        </p:cTn>
+                                        <p:tgtEl>
+                                          <p:spTgt spid="14"/>
+                                        </p:tgtEl>
+                                        <p:attrNameLst>
+                                          <p:attrName>style.visibility</p:attrName>
+                                        </p:attrNameLst>
+                                      </p:cBhvr>
+                                      <p:to>
+                                        <p:strVal val="visible"/>
+                                      </p:to>
+                                    </p:set>
+                                  </p:childTnLst>
+                                </p:cTn>
+                              </p:par>
+                              <p:par>
+                                <p:cTn id="13" presetID="1" presetClass="entr" presetSubtype="0" fill="hold" grpId="0" nodeType="withEffect">
+                                  <p:stCondLst>
+                                    <p:cond delay="0"/>
+                                  </p:stCondLst>
+                                  <p:childTnLst>
+                                    <p:set>
+                                      <p:cBhvr>
+                                        <p:cTn id="14" dur="1" fill="hold">
+                                          <p:stCondLst>
+                                            <p:cond delay="0"/>
+                                          </p:stCondLst>
+                                        </p:cTn>
+                                        <p:tgtEl>
+                                          <p:spTgt spid="29"/>
+                                        </p:tgtEl>
+                                        <p:attrNameLst>
+                                          <p:attrName>style.visibility</p:attrName>
+                                        </p:attrNameLst>
+                                      </p:cBhvr>
+                                      <p:to>
+                                        <p:strVal val="visible"/>
+                                      </p:to>
+                                    </p:set>
+                                  </p:childTnLst>
+                                </p:cTn>
+                              </p:par>
+                            </p:childTnLst>
+                          </p:cTn>
+                        </p:par>
+                      </p:childTnLst>
+                    </p:cTn>
+                  </p:par>
+                  <p:par>
+                    <p:cTn id="15" fill="hold">
+                      <p:stCondLst>
+                        <p:cond delay="indefinite"/>
+                      </p:stCondLst>
+                      <p:childTnLst>
+                        <p:par>
+                          <p:cTn id="16" fill="hold">
+                            <p:stCondLst>
+                              <p:cond delay="0"/>
+                            </p:stCondLst>
+                            <p:childTnLst>
+                              <p:par>
+                                <p:cTn id="17" presetID="1" presetClass="entr" presetSubtype="0" fill="hold" nodeType="clickEffect">
+                                  <p:stCondLst>
+                                    <p:cond delay="0"/>
+                                  </p:stCondLst>
+                                  <p:childTnLst>
+                                    <p:set>
+                                      <p:cBhvr>
+                                        <p:cTn id="18" dur="1" fill="hold">
+                                          <p:stCondLst>
+                                            <p:cond delay="0"/>
+                                          </p:stCondLst>
+                                        </p:cTn>
+                                        <p:tgtEl>
+                                          <p:spTgt spid="31"/>
+                                        </p:tgtEl>
+                                        <p:attrNameLst>
+                                          <p:attrName>style.visibility</p:attrName>
+                                        </p:attrNameLst>
+                                      </p:cBhvr>
+                                      <p:to>
+                                        <p:strVal val="visible"/>
+                                      </p:to>
+                                    </p:set>
+                                  </p:childTnLst>
+                                </p:cTn>
+                              </p:par>
+                            </p:childTnLst>
+                          </p:cTn>
+                        </p:par>
+                      </p:childTnLst>
+                    </p:cTn>
+                  </p:par>
+                  <p:par>
+                    <p:cTn id="19" fill="hold">
+                      <p:stCondLst>
+                        <p:cond delay="indefinite"/>
+                      </p:stCondLst>
+                      <p:childTnLst>
+                        <p:par>
+                          <p:cTn id="20" fill="hold">
+                            <p:stCondLst>
+                              <p:cond delay="0"/>
+                            </p:stCondLst>
+                            <p:childTnLst>
+                              <p:par>
+                                <p:cTn id="21" presetID="1" presetClass="entr" presetSubtype="0" fill="hold" grpId="0" nodeType="clickEffect">
+                                  <p:stCondLst>
+                                    <p:cond delay="0"/>
+                                  </p:stCondLst>
+                                  <p:childTnLst>
+                                    <p:set>
+                                      <p:cBhvr>
+                                        <p:cTn id="22" dur="1" fill="hold">
+                                          <p:stCondLst>
+                                            <p:cond delay="0"/>
+                                          </p:stCondLst>
+                                        </p:cTn>
+                                        <p:tgtEl>
+                                          <p:spTgt spid="19"/>
+                                        </p:tgtEl>
+                                        <p:attrNameLst>
+                                          <p:attrName>style.visibility</p:attrName>
+                                        </p:attrNameLst>
+                                      </p:cBhvr>
+                                      <p:to>
+                                        <p:strVal val="visible"/>
+                                      </p:to>
+                                    </p:set>
+                                  </p:childTnLst>
+                                </p:cTn>
+                              </p:par>
+                              <p:par>
+                                <p:cTn id="23" presetID="1" presetClass="entr" presetSubtype="0" fill="hold" grpId="0" nodeType="withEffect">
+                                  <p:stCondLst>
+                                    <p:cond delay="0"/>
+                                  </p:stCondLst>
+                                  <p:childTnLst>
+                                    <p:set>
+                                      <p:cBhvr>
+                                        <p:cTn id="24" dur="1" fill="hold">
+                                          <p:stCondLst>
+                                            <p:cond delay="0"/>
+                                          </p:stCondLst>
+                                        </p:cTn>
+                                        <p:tgtEl>
+                                          <p:spTgt spid="20"/>
+                                        </p:tgtEl>
+                                        <p:attrNameLst>
+                                          <p:attrName>style.visibility</p:attrName>
+                                        </p:attrNameLst>
+                                      </p:cBhvr>
+                                      <p:to>
+                                        <p:strVal val="visible"/>
+                                      </p:to>
+                                    </p:set>
+                                  </p:childTnLst>
+                                </p:cTn>
+                              </p:par>
+                              <p:par>
+                                <p:cTn id="25" presetID="1" presetClass="entr" presetSubtype="0" fill="hold" grpId="0" nodeType="withEffect">
+                                  <p:stCondLst>
+                                    <p:cond delay="0"/>
+                                  </p:stCondLst>
+                                  <p:childTnLst>
+                                    <p:set>
+                                      <p:cBhvr>
+                                        <p:cTn id="26" dur="1" fill="hold">
+                                          <p:stCondLst>
+                                            <p:cond delay="0"/>
+                                          </p:stCondLst>
+                                        </p:cTn>
+                                        <p:tgtEl>
+                                          <p:spTgt spid="21"/>
+                                        </p:tgtEl>
+                                        <p:attrNameLst>
+                                          <p:attrName>style.visibility</p:attrName>
+                                        </p:attrNameLst>
+                                      </p:cBhvr>
+                                      <p:to>
+                                        <p:strVal val="visible"/>
+                                      </p:to>
+                                    </p:set>
+                                  </p:childTnLst>
+                                </p:cTn>
+                              </p:par>
+                            </p:childTnLst>
+                          </p:cTn>
+                        </p:par>
+                      </p:childTnLst>
+                    </p:cTn>
+                  </p:par>
+                  <p:par>
+                    <p:cTn id="27" fill="hold">
+                      <p:stCondLst>
+                        <p:cond delay="indefinite"/>
+                      </p:stCondLst>
+                      <p:childTnLst>
+                        <p:par>
+                          <p:cTn id="28" fill="hold">
+                            <p:stCondLst>
+                              <p:cond delay="0"/>
+                            </p:stCondLst>
+                            <p:childTnLst>
+                              <p:par>
+                                <p:cTn id="29" presetID="1" presetClass="entr" presetSubtype="0" fill="hold" grpId="0" nodeType="clickEffect">
+                                  <p:stCondLst>
+                                    <p:cond delay="0"/>
+                                  </p:stCondLst>
+                                  <p:childTnLst>
+                                    <p:set>
+                                      <p:cBhvr>
+                                        <p:cTn id="30" dur="1" fill="hold">
+                                          <p:stCondLst>
+                                            <p:cond delay="0"/>
+                                          </p:stCondLst>
+                                        </p:cTn>
+                                        <p:tgtEl>
+                                          <p:spTgt spid="16"/>
+                                        </p:tgtEl>
+                                        <p:attrNameLst>
+                                          <p:attrName>style.visibility</p:attrName>
+                                        </p:attrNameLst>
+                                      </p:cBhvr>
+                                      <p:to>
+                                        <p:strVal val="visible"/>
+                                      </p:to>
+                                    </p:set>
+                                  </p:childTnLst>
+                                </p:cTn>
+                              </p:par>
+                              <p:par>
+                                <p:cTn id="31" presetID="1" presetClass="entr" presetSubtype="0" fill="hold" grpId="0" nodeType="withEffect">
+                                  <p:stCondLst>
+                                    <p:cond delay="0"/>
+                                  </p:stCondLst>
+                                  <p:childTnLst>
+                                    <p:set>
+                                      <p:cBhvr>
+                                        <p:cTn id="32" dur="1" fill="hold">
+                                          <p:stCondLst>
+                                            <p:cond delay="0"/>
+                                          </p:stCondLst>
+                                        </p:cTn>
+                                        <p:tgtEl>
+                                          <p:spTgt spid="17"/>
+                                        </p:tgtEl>
+                                        <p:attrNameLst>
+                                          <p:attrName>style.visibility</p:attrName>
+                                        </p:attrNameLst>
+                                      </p:cBhvr>
+                                      <p:to>
+                                        <p:strVal val="visible"/>
+                                      </p:to>
+                                    </p:set>
+                                  </p:childTnLst>
+                                </p:cTn>
+                              </p:par>
+                              <p:par>
+                                <p:cTn id="33" presetID="1" presetClass="entr" presetSubtype="0" fill="hold" grpId="0" nodeType="withEffect">
+                                  <p:stCondLst>
+                                    <p:cond delay="0"/>
+                                  </p:stCondLst>
+                                  <p:childTnLst>
+                                    <p:set>
+                                      <p:cBhvr>
+                                        <p:cTn id="34" dur="1" fill="hold">
+                                          <p:stCondLst>
+                                            <p:cond delay="0"/>
+                                          </p:stCondLst>
+                                        </p:cTn>
+                                        <p:tgtEl>
+                                          <p:spTgt spid="18"/>
+                                        </p:tgtEl>
+                                        <p:attrNameLst>
+                                          <p:attrName>style.visibility</p:attrName>
+                                        </p:attrNameLst>
+                                      </p:cBhvr>
+                                      <p:to>
+                                        <p:strVal val="visible"/>
+                                      </p:to>
+                                    </p:set>
+                                  </p:childTnLst>
+                                </p:cTn>
+                              </p:par>
+                            </p:childTnLst>
+                          </p:cTn>
+                        </p:par>
+                      </p:childTnLst>
+                    </p:cTn>
+                  </p:par>
+                  <p:par>
+                    <p:cTn id="35" fill="hold">
+                      <p:stCondLst>
+                        <p:cond delay="indefinite"/>
+                      </p:stCondLst>
+                      <p:childTnLst>
+                        <p:par>
+                          <p:cTn id="36" fill="hold">
+                            <p:stCondLst>
+                              <p:cond delay="0"/>
+                            </p:stCondLst>
+                            <p:childTnLst>
+                              <p:par>
+                                <p:cTn id="37" presetID="1" presetClass="entr" presetSubtype="0" fill="hold" grpId="0" nodeType="clickEffect">
+                                  <p:stCondLst>
+                                    <p:cond delay="0"/>
+                                  </p:stCondLst>
+                                  <p:childTnLst>
+                                    <p:set>
+                                      <p:cBhvr>
+                                        <p:cTn id="38" dur="1" fill="hold">
+                                          <p:stCondLst>
+                                            <p:cond delay="0"/>
+                                          </p:stCondLst>
+                                        </p:cTn>
+                                        <p:tgtEl>
+                                          <p:spTgt spid="33"/>
+                                        </p:tgtEl>
+                                        <p:attrNameLst>
+                                          <p:attrName>style.visibility</p:attrName>
+                                        </p:attrNameLst>
+                                      </p:cBhvr>
+                                      <p:to>
+                                        <p:strVal val="visible"/>
+                                      </p:to>
+                                    </p:set>
+                                  </p:childTnLst>
+                                </p:cTn>
+                              </p:par>
+                              <p:par>
+                                <p:cTn id="39" presetID="1" presetClass="entr" presetSubtype="0" fill="hold" grpId="0" nodeType="withEffect">
+                                  <p:stCondLst>
+                                    <p:cond delay="0"/>
+                                  </p:stCondLst>
+                                  <p:childTnLst>
+                                    <p:set>
+                                      <p:cBhvr>
+                                        <p:cTn id="40" dur="1" fill="hold">
+                                          <p:stCondLst>
+                                            <p:cond delay="0"/>
+                                          </p:stCondLst>
+                                        </p:cTn>
+                                        <p:tgtEl>
+                                          <p:spTgt spid="32"/>
+                                        </p:tgtEl>
+                                        <p:attrNameLst>
+                                          <p:attrName>style.visibility</p:attrName>
+                                        </p:attrNameLst>
+                                      </p:cBhvr>
+                                      <p:to>
+                                        <p:strVal val="visible"/>
+                                      </p:to>
+                                    </p:set>
+                                  </p:childTnLst>
+                                </p:cTn>
+                              </p:par>
+                            </p:childTnLst>
+                          </p:cTn>
+                        </p:par>
+                      </p:childTnLst>
+                    </p:cTn>
+                  </p:par>
+                </p:childTnLst>
+              </p:cTn>
+              <p:prevCondLst>
+                <p:cond evt="onPrev" delay="0">
+                  <p:tgtEl>
+                    <p:sldTgt/>
+                  </p:tgtEl>
+                </p:cond>
+              </p:prevCondLst>
+              <p:nextCondLst>
+                <p:cond evt="onNext" delay="0">
+                  <p:tgtEl>
+                    <p:sldTgt/>
+                  </p:tgtEl>
+                </p:cond>
+              </p:nextCondLst>
+            </p:seq>
+          </p:childTnLst>
+        </p:cTn>
+      </p:par>
+    </p:tnLst>
+    <p:bldLst>
+      <p:bldP spid="15" grpId="0"/>
+      <p:bldP spid="16" grpId="0" animBg="1"/>
+      <p:bldP spid="17" grpId="0" animBg="1"/>
+      <p:bldP spid="18" grpId="0" animBg="1"/>
+      <p:bldP spid="19" grpId="0" animBg="1"/>
+      <p:bldP spid="20" grpId="0" animBg="1"/>
+      <p:bldP spid="21" grpId="0" animBg="1"/>
+      <p:bldP spid="22" grpId="0"/>
+      <p:bldP spid="29" grpId="0"/>
+      <p:bldP spid="32" grpId="0"/>
+      <p:bldP spid="33" grpId="0"/>
+    </p:bldLst>
+  </p:timing>
 </p:sld>
 </file>
 
@@ -8932,203 +11257,6 @@
       </p:sp>
       <p:sp>
         <p:nvSpPr>
-          <p:cNvPr id="4" name="TextBox 3">
-            <a:extLst>
-              <a:ext uri="{FF2B5EF4-FFF2-40B4-BE49-F238E27FC236}">
-                <a16:creationId xmlns:a16="http://schemas.microsoft.com/office/drawing/2014/main" id="{AF0E0662-CBF1-F4B7-62FD-AAEC06A6E687}"/>
-              </a:ext>
-            </a:extLst>
-          </p:cNvPr>
-          <p:cNvSpPr txBox="1"/>
-          <p:nvPr/>
-        </p:nvSpPr>
-        <p:spPr>
-          <a:xfrm>
-            <a:off x="270409" y="1783088"/>
-            <a:ext cx="8076250" cy="738664"/>
-          </a:xfrm>
-          <a:prstGeom prst="rect">
-            <a:avLst/>
-          </a:prstGeom>
-          <a:noFill/>
-        </p:spPr>
-        <p:txBody>
-          <a:bodyPr wrap="none" rtlCol="0">
-            <a:spAutoFit/>
-          </a:bodyPr>
-          <a:lstStyle/>
-          <a:p>
-            <a:r>
-              <a:rPr lang="en-GB" dirty="0">
-                <a:latin typeface="Montserrat" pitchFamily="2" charset="77"/>
-              </a:rPr>
-              <a:t>Slide 9-12: </a:t>
-            </a:r>
-            <a:r>
-              <a:rPr lang="en-GB" dirty="0" err="1">
-                <a:latin typeface="Montserrat" pitchFamily="2" charset="77"/>
-              </a:rPr>
-              <a:t>Risultati</a:t>
-            </a:r>
-            <a:r>
-              <a:rPr lang="en-GB" dirty="0">
-                <a:latin typeface="Montserrat" pitchFamily="2" charset="77"/>
-              </a:rPr>
-              <a:t> e </a:t>
-            </a:r>
-            <a:r>
-              <a:rPr lang="en-GB" dirty="0" err="1">
-                <a:latin typeface="Montserrat" pitchFamily="2" charset="77"/>
-              </a:rPr>
-              <a:t>Analisi</a:t>
-            </a:r>
-            <a:endParaRPr lang="en-GB" dirty="0">
-              <a:latin typeface="Montserrat" pitchFamily="2" charset="77"/>
-            </a:endParaRPr>
-          </a:p>
-          <a:p>
-            <a:r>
-              <a:rPr lang="en-GB" dirty="0">
-                <a:latin typeface="Montserrat" pitchFamily="2" charset="77"/>
-              </a:rPr>
-              <a:t>• Slide separate per </a:t>
-            </a:r>
-            <a:r>
-              <a:rPr lang="en-GB" dirty="0" err="1">
-                <a:latin typeface="Montserrat" pitchFamily="2" charset="77"/>
-              </a:rPr>
-              <a:t>ciascun</a:t>
-            </a:r>
-            <a:r>
-              <a:rPr lang="en-GB" dirty="0">
-                <a:latin typeface="Montserrat" pitchFamily="2" charset="77"/>
-              </a:rPr>
-              <a:t> </a:t>
-            </a:r>
-            <a:r>
-              <a:rPr lang="en-GB" dirty="0" err="1">
-                <a:latin typeface="Montserrat" pitchFamily="2" charset="77"/>
-              </a:rPr>
-              <a:t>modello</a:t>
-            </a:r>
-            <a:r>
-              <a:rPr lang="en-GB" dirty="0">
-                <a:latin typeface="Montserrat" pitchFamily="2" charset="77"/>
-              </a:rPr>
-              <a:t> o </a:t>
-            </a:r>
-            <a:r>
-              <a:rPr lang="en-GB" dirty="0" err="1">
-                <a:latin typeface="Montserrat" pitchFamily="2" charset="77"/>
-              </a:rPr>
-              <a:t>gruppi</a:t>
-            </a:r>
-            <a:r>
-              <a:rPr lang="en-GB" dirty="0">
-                <a:latin typeface="Montserrat" pitchFamily="2" charset="77"/>
-              </a:rPr>
-              <a:t> di </a:t>
-            </a:r>
-            <a:r>
-              <a:rPr lang="en-GB" dirty="0" err="1">
-                <a:latin typeface="Montserrat" pitchFamily="2" charset="77"/>
-              </a:rPr>
-              <a:t>modelli</a:t>
-            </a:r>
-            <a:r>
-              <a:rPr lang="en-GB" dirty="0">
-                <a:latin typeface="Montserrat" pitchFamily="2" charset="77"/>
-              </a:rPr>
-              <a:t> </a:t>
-            </a:r>
-          </a:p>
-          <a:p>
-            <a:r>
-              <a:rPr lang="en-GB" dirty="0">
-                <a:latin typeface="Montserrat" pitchFamily="2" charset="77"/>
-              </a:rPr>
-              <a:t>• </a:t>
-            </a:r>
-            <a:r>
-              <a:rPr lang="en-GB" dirty="0" err="1">
-                <a:latin typeface="Montserrat" pitchFamily="2" charset="77"/>
-              </a:rPr>
-              <a:t>Confronto</a:t>
-            </a:r>
-            <a:r>
-              <a:rPr lang="en-GB" dirty="0">
-                <a:latin typeface="Montserrat" pitchFamily="2" charset="77"/>
-              </a:rPr>
-              <a:t> </a:t>
-            </a:r>
-            <a:r>
-              <a:rPr lang="en-GB" dirty="0" err="1">
-                <a:latin typeface="Montserrat" pitchFamily="2" charset="77"/>
-              </a:rPr>
-              <a:t>delle</a:t>
-            </a:r>
-            <a:r>
-              <a:rPr lang="en-GB" dirty="0">
-                <a:latin typeface="Montserrat" pitchFamily="2" charset="77"/>
-              </a:rPr>
-              <a:t> </a:t>
-            </a:r>
-            <a:r>
-              <a:rPr lang="en-GB" dirty="0" err="1">
-                <a:latin typeface="Montserrat" pitchFamily="2" charset="77"/>
-              </a:rPr>
-              <a:t>prestazioni</a:t>
-            </a:r>
-            <a:r>
-              <a:rPr lang="en-GB" dirty="0">
-                <a:latin typeface="Montserrat" pitchFamily="2" charset="77"/>
-              </a:rPr>
-              <a:t> </a:t>
-            </a:r>
-            <a:r>
-              <a:rPr lang="en-GB" dirty="0" err="1">
-                <a:latin typeface="Montserrat" pitchFamily="2" charset="77"/>
-              </a:rPr>
-              <a:t>su</a:t>
-            </a:r>
-            <a:r>
-              <a:rPr lang="en-GB" dirty="0">
-                <a:latin typeface="Montserrat" pitchFamily="2" charset="77"/>
-              </a:rPr>
-              <a:t> D1 e D2 • </a:t>
-            </a:r>
-            <a:r>
-              <a:rPr lang="en-GB" dirty="0" err="1">
-                <a:latin typeface="Montserrat" pitchFamily="2" charset="77"/>
-              </a:rPr>
-              <a:t>Grafici</a:t>
-            </a:r>
-            <a:r>
-              <a:rPr lang="en-GB" dirty="0">
-                <a:latin typeface="Montserrat" pitchFamily="2" charset="77"/>
-              </a:rPr>
-              <a:t> </a:t>
-            </a:r>
-            <a:r>
-              <a:rPr lang="en-GB" dirty="0" err="1">
-                <a:latin typeface="Montserrat" pitchFamily="2" charset="77"/>
-              </a:rPr>
-              <a:t>delle</a:t>
-            </a:r>
-            <a:r>
-              <a:rPr lang="en-GB" dirty="0">
-                <a:latin typeface="Montserrat" pitchFamily="2" charset="77"/>
-              </a:rPr>
-              <a:t> performance (MAE, MAPE, SMAPE)</a:t>
-            </a:r>
-            <a:endParaRPr lang="en-IT" dirty="0">
-              <a:latin typeface="Montserrat" pitchFamily="2" charset="77"/>
-            </a:endParaRPr>
-          </a:p>
-        </p:txBody>
-      </p:sp>
-      <p:sp>
-        <p:nvSpPr>
           <p:cNvPr id="8" name="TextBox 7">
             <a:extLst>
               <a:ext uri="{FF2B5EF4-FFF2-40B4-BE49-F238E27FC236}">
@@ -9186,7 +11314,7 @@
         <p:spPr>
           <a:xfrm>
             <a:off x="166807" y="432513"/>
-            <a:ext cx="5400000" cy="0"/>
+            <a:ext cx="6408000" cy="0"/>
           </a:xfrm>
           <a:prstGeom prst="line">
             <a:avLst/>
@@ -9261,110 +11389,71 @@
                 <a:effectLst/>
                 <a:latin typeface="Montserrat" pitchFamily="2" charset="77"/>
               </a:rPr>
-              <a:t>Compariso</a:t>
+              <a:t>Side by Side Comparison</a:t>
             </a:r>
-            <a:r>
-              <a:rPr lang="en-GB" sz="2400" b="1" i="1" dirty="0">
-                <a:solidFill>
-                  <a:srgbClr val="002060"/>
-                </a:solidFill>
-                <a:latin typeface="Montserrat" pitchFamily="2" charset="77"/>
-              </a:rPr>
-              <a:t>n</a:t>
-            </a:r>
-            <a:endParaRPr lang="en-GB" sz="2400" b="1" i="1" dirty="0">
-              <a:solidFill>
-                <a:srgbClr val="002060"/>
-              </a:solidFill>
-              <a:effectLst/>
-              <a:latin typeface="Montserrat" pitchFamily="2" charset="77"/>
-            </a:endParaRPr>
-          </a:p>
-        </p:txBody>
-      </p:sp>
-      <p:sp>
-        <p:nvSpPr>
-          <p:cNvPr id="11" name="TextBox 10">
-            <a:extLst>
-              <a:ext uri="{FF2B5EF4-FFF2-40B4-BE49-F238E27FC236}">
-                <a16:creationId xmlns:a16="http://schemas.microsoft.com/office/drawing/2014/main" id="{A1706DE3-2BA9-39E4-6273-2DB65CE09A63}"/>
-              </a:ext>
-            </a:extLst>
-          </p:cNvPr>
-          <p:cNvSpPr txBox="1"/>
-          <p:nvPr/>
-        </p:nvSpPr>
-        <p:spPr>
-          <a:xfrm>
-            <a:off x="888015" y="3572429"/>
-            <a:ext cx="1515300" cy="369332"/>
+          </a:p>
+        </p:txBody>
+      </p:sp>
+      <p:pic>
+        <p:nvPicPr>
+          <p:cNvPr id="14" name="Picture 13" descr="A graph of different colored bars&#10;&#10;Description automatically generated with medium confidence">
+            <a:extLst>
+              <a:ext uri="{FF2B5EF4-FFF2-40B4-BE49-F238E27FC236}">
+                <a16:creationId xmlns:a16="http://schemas.microsoft.com/office/drawing/2014/main" id="{139296C1-682A-F8F2-C2EC-017F370E92D2}"/>
+              </a:ext>
+            </a:extLst>
+          </p:cNvPr>
+          <p:cNvPicPr>
+            <a:picLocks noChangeAspect="1"/>
+          </p:cNvPicPr>
+          <p:nvPr/>
+        </p:nvPicPr>
+        <p:blipFill>
+          <a:blip r:embed="rId3"/>
+          <a:stretch>
+            <a:fillRect/>
+          </a:stretch>
+        </p:blipFill>
+        <p:spPr>
+          <a:xfrm>
+            <a:off x="2018369" y="1138642"/>
+            <a:ext cx="5107259" cy="2020035"/>
           </a:xfrm>
           <a:prstGeom prst="rect">
             <a:avLst/>
           </a:prstGeom>
-          <a:noFill/>
-        </p:spPr>
-        <p:txBody>
-          <a:bodyPr wrap="square" rtlCol="0">
-            <a:spAutoFit/>
-          </a:bodyPr>
-          <a:lstStyle/>
-          <a:p>
-            <a:r>
-              <a:rPr lang="en-GB" sz="1800" dirty="0">
-                <a:solidFill>
-                  <a:srgbClr val="0070C0"/>
-                </a:solidFill>
-                <a:latin typeface="Montserrat" pitchFamily="2" charset="77"/>
-              </a:rPr>
-              <a:t>Elaboration</a:t>
-            </a:r>
-            <a:endParaRPr lang="en-IT" sz="1800" dirty="0">
-              <a:solidFill>
-                <a:srgbClr val="0070C0"/>
-              </a:solidFill>
-            </a:endParaRPr>
-          </a:p>
-        </p:txBody>
-      </p:sp>
-      <p:sp>
-        <p:nvSpPr>
-          <p:cNvPr id="12" name="TextBox 11">
-            <a:extLst>
-              <a:ext uri="{FF2B5EF4-FFF2-40B4-BE49-F238E27FC236}">
-                <a16:creationId xmlns:a16="http://schemas.microsoft.com/office/drawing/2014/main" id="{23CBC9C1-386D-4D26-AE30-F0842EB6269E}"/>
-              </a:ext>
-            </a:extLst>
-          </p:cNvPr>
-          <p:cNvSpPr txBox="1"/>
-          <p:nvPr/>
-        </p:nvSpPr>
-        <p:spPr>
-          <a:xfrm>
-            <a:off x="1670932" y="4184395"/>
-            <a:ext cx="1681747" cy="523220"/>
+        </p:spPr>
+      </p:pic>
+      <p:pic>
+        <p:nvPicPr>
+          <p:cNvPr id="16" name="Picture 15" descr="A graph with blue and orange bars&#10;&#10;Description automatically generated">
+            <a:extLst>
+              <a:ext uri="{FF2B5EF4-FFF2-40B4-BE49-F238E27FC236}">
+                <a16:creationId xmlns:a16="http://schemas.microsoft.com/office/drawing/2014/main" id="{312CE025-048B-8728-B324-896405C858C4}"/>
+              </a:ext>
+            </a:extLst>
+          </p:cNvPr>
+          <p:cNvPicPr>
+            <a:picLocks noChangeAspect="1"/>
+          </p:cNvPicPr>
+          <p:nvPr/>
+        </p:nvPicPr>
+        <p:blipFill>
+          <a:blip r:embed="rId4"/>
+          <a:stretch>
+            <a:fillRect/>
+          </a:stretch>
+        </p:blipFill>
+        <p:spPr>
+          <a:xfrm>
+            <a:off x="685799" y="3399770"/>
+            <a:ext cx="7772400" cy="1546881"/>
           </a:xfrm>
           <a:prstGeom prst="rect">
             <a:avLst/>
           </a:prstGeom>
-          <a:noFill/>
-        </p:spPr>
-        <p:txBody>
-          <a:bodyPr wrap="square">
-            <a:spAutoFit/>
-          </a:bodyPr>
-          <a:lstStyle/>
-          <a:p>
-            <a:r>
-              <a:rPr lang="en-GB" sz="1400" dirty="0">
-                <a:effectLst/>
-                <a:latin typeface="Montserrat" pitchFamily="2" charset="77"/>
-              </a:rPr>
-              <a:t>Removing Categorical Data</a:t>
-            </a:r>
-          </a:p>
-        </p:txBody>
-      </p:sp>
+        </p:spPr>
+      </p:pic>
     </p:spTree>
     <p:extLst>
       <p:ext uri="{BB962C8B-B14F-4D97-AF65-F5344CB8AC3E}">
@@ -9447,129 +11536,6 @@
       </p:sp>
       <p:sp>
         <p:nvSpPr>
-          <p:cNvPr id="4" name="TextBox 3">
-            <a:extLst>
-              <a:ext uri="{FF2B5EF4-FFF2-40B4-BE49-F238E27FC236}">
-                <a16:creationId xmlns:a16="http://schemas.microsoft.com/office/drawing/2014/main" id="{AF0E0662-CBF1-F4B7-62FD-AAEC06A6E687}"/>
-              </a:ext>
-            </a:extLst>
-          </p:cNvPr>
-          <p:cNvSpPr txBox="1"/>
-          <p:nvPr/>
-        </p:nvSpPr>
-        <p:spPr>
-          <a:xfrm>
-            <a:off x="270409" y="1783088"/>
-            <a:ext cx="6287299" cy="523220"/>
-          </a:xfrm>
-          <a:prstGeom prst="rect">
-            <a:avLst/>
-          </a:prstGeom>
-          <a:noFill/>
-        </p:spPr>
-        <p:txBody>
-          <a:bodyPr wrap="none" rtlCol="0">
-            <a:spAutoFit/>
-          </a:bodyPr>
-          <a:lstStyle/>
-          <a:p>
-            <a:r>
-              <a:rPr lang="en-GB" dirty="0">
-                <a:latin typeface="Montserrat" pitchFamily="2" charset="77"/>
-              </a:rPr>
-              <a:t>Slide 13: </a:t>
-            </a:r>
-            <a:r>
-              <a:rPr lang="en-GB" dirty="0" err="1">
-                <a:latin typeface="Montserrat" pitchFamily="2" charset="77"/>
-              </a:rPr>
-              <a:t>Discussioni</a:t>
-            </a:r>
-            <a:endParaRPr lang="en-GB" dirty="0">
-              <a:latin typeface="Montserrat" pitchFamily="2" charset="77"/>
-            </a:endParaRPr>
-          </a:p>
-          <a:p>
-            <a:r>
-              <a:rPr lang="en-GB" dirty="0">
-                <a:latin typeface="Montserrat" pitchFamily="2" charset="77"/>
-              </a:rPr>
-              <a:t>• </a:t>
-            </a:r>
-            <a:r>
-              <a:rPr lang="en-GB" dirty="0" err="1">
-                <a:latin typeface="Montserrat" pitchFamily="2" charset="77"/>
-              </a:rPr>
-              <a:t>Interpretazione</a:t>
-            </a:r>
-            <a:r>
-              <a:rPr lang="en-GB" dirty="0">
-                <a:latin typeface="Montserrat" pitchFamily="2" charset="77"/>
-              </a:rPr>
-              <a:t> </a:t>
-            </a:r>
-            <a:r>
-              <a:rPr lang="en-GB" dirty="0" err="1">
-                <a:latin typeface="Montserrat" pitchFamily="2" charset="77"/>
-              </a:rPr>
-              <a:t>dei</a:t>
-            </a:r>
-            <a:r>
-              <a:rPr lang="en-GB" dirty="0">
-                <a:latin typeface="Montserrat" pitchFamily="2" charset="77"/>
-              </a:rPr>
-              <a:t> </a:t>
-            </a:r>
-            <a:r>
-              <a:rPr lang="en-GB" dirty="0" err="1">
-                <a:latin typeface="Montserrat" pitchFamily="2" charset="77"/>
-              </a:rPr>
-              <a:t>risultati</a:t>
-            </a:r>
-            <a:r>
-              <a:rPr lang="en-GB" dirty="0">
-                <a:latin typeface="Montserrat" pitchFamily="2" charset="77"/>
-              </a:rPr>
-              <a:t> • </a:t>
-            </a:r>
-            <a:r>
-              <a:rPr lang="en-GB" dirty="0" err="1">
-                <a:latin typeface="Montserrat" pitchFamily="2" charset="77"/>
-              </a:rPr>
-              <a:t>Impatto</a:t>
-            </a:r>
-            <a:r>
-              <a:rPr lang="en-GB" dirty="0">
-                <a:latin typeface="Montserrat" pitchFamily="2" charset="77"/>
-              </a:rPr>
-              <a:t> del </a:t>
-            </a:r>
-            <a:r>
-              <a:rPr lang="en-GB" dirty="0" err="1">
-                <a:latin typeface="Montserrat" pitchFamily="2" charset="77"/>
-              </a:rPr>
-              <a:t>preprocessing</a:t>
-            </a:r>
-            <a:r>
-              <a:rPr lang="en-GB" dirty="0">
-                <a:latin typeface="Montserrat" pitchFamily="2" charset="77"/>
-              </a:rPr>
-              <a:t> sui </a:t>
-            </a:r>
-            <a:r>
-              <a:rPr lang="en-GB" dirty="0" err="1">
-                <a:latin typeface="Montserrat" pitchFamily="2" charset="77"/>
-              </a:rPr>
-              <a:t>modelli</a:t>
-            </a:r>
-            <a:endParaRPr lang="en-IT" dirty="0">
-              <a:latin typeface="Montserrat" pitchFamily="2" charset="77"/>
-            </a:endParaRPr>
-          </a:p>
-        </p:txBody>
-      </p:sp>
-      <p:sp>
-        <p:nvSpPr>
           <p:cNvPr id="11" name="TextBox 10">
             <a:extLst>
               <a:ext uri="{FF2B5EF4-FFF2-40B4-BE49-F238E27FC236}">
@@ -9709,10 +11675,10 @@
       </p:sp>
       <p:sp>
         <p:nvSpPr>
-          <p:cNvPr id="14" name="TextBox 13">
-            <a:extLst>
-              <a:ext uri="{FF2B5EF4-FFF2-40B4-BE49-F238E27FC236}">
-                <a16:creationId xmlns:a16="http://schemas.microsoft.com/office/drawing/2014/main" id="{F9E84C4F-2BEB-682B-7B25-EB88FBCE1A6E}"/>
+          <p:cNvPr id="16" name="TextBox 15">
+            <a:extLst>
+              <a:ext uri="{FF2B5EF4-FFF2-40B4-BE49-F238E27FC236}">
+                <a16:creationId xmlns:a16="http://schemas.microsoft.com/office/drawing/2014/main" id="{5BBF1734-6AB3-2D33-2004-4069817021C8}"/>
               </a:ext>
             </a:extLst>
           </p:cNvPr>
@@ -9721,8 +11687,46 @@
         </p:nvSpPr>
         <p:spPr>
           <a:xfrm>
-            <a:off x="1458336" y="2930326"/>
-            <a:ext cx="1515300" cy="369332"/>
+            <a:off x="2225716" y="1572283"/>
+            <a:ext cx="2028475" cy="307777"/>
+          </a:xfrm>
+          <a:prstGeom prst="rect">
+            <a:avLst/>
+          </a:prstGeom>
+          <a:noFill/>
+        </p:spPr>
+        <p:txBody>
+          <a:bodyPr wrap="square">
+            <a:spAutoFit/>
+          </a:bodyPr>
+          <a:lstStyle/>
+          <a:p>
+            <a:r>
+              <a:rPr lang="en-GB" sz="1400" b="1" dirty="0">
+                <a:effectLst/>
+                <a:latin typeface="Montserrat" pitchFamily="2" charset="77"/>
+              </a:rPr>
+              <a:t>Linear Regression</a:t>
+            </a:r>
+          </a:p>
+        </p:txBody>
+      </p:sp>
+      <p:sp>
+        <p:nvSpPr>
+          <p:cNvPr id="17" name="TextBox 16">
+            <a:extLst>
+              <a:ext uri="{FF2B5EF4-FFF2-40B4-BE49-F238E27FC236}">
+                <a16:creationId xmlns:a16="http://schemas.microsoft.com/office/drawing/2014/main" id="{E6F91045-6D09-030D-9D1E-0316B8761BB3}"/>
+              </a:ext>
+            </a:extLst>
+          </p:cNvPr>
+          <p:cNvSpPr txBox="1"/>
+          <p:nvPr/>
+        </p:nvSpPr>
+        <p:spPr>
+          <a:xfrm>
+            <a:off x="1786543" y="1209605"/>
+            <a:ext cx="1737244" cy="369332"/>
           </a:xfrm>
           <a:prstGeom prst="rect">
             <a:avLst/>
@@ -9742,7 +11746,7 @@
                 </a:solidFill>
                 <a:latin typeface="Montserrat" pitchFamily="2" charset="77"/>
               </a:rPr>
-              <a:t>Elaboration</a:t>
+              <a:t>Performance</a:t>
             </a:r>
             <a:endParaRPr lang="en-IT" sz="1800" dirty="0">
               <a:solidFill>
@@ -9752,12 +11756,50 @@
           </a:p>
         </p:txBody>
       </p:sp>
-      <p:sp>
-        <p:nvSpPr>
-          <p:cNvPr id="15" name="TextBox 14">
-            <a:extLst>
-              <a:ext uri="{FF2B5EF4-FFF2-40B4-BE49-F238E27FC236}">
-                <a16:creationId xmlns:a16="http://schemas.microsoft.com/office/drawing/2014/main" id="{405589AE-A02C-0C27-565B-844FCE9B53F4}"/>
+      <p:cxnSp>
+        <p:nvCxnSpPr>
+          <p:cNvPr id="18" name="Straight Connector 17">
+            <a:extLst>
+              <a:ext uri="{FF2B5EF4-FFF2-40B4-BE49-F238E27FC236}">
+                <a16:creationId xmlns:a16="http://schemas.microsoft.com/office/drawing/2014/main" id="{FCEAB29B-54BC-9D2F-88B1-F4EA200A63E2}"/>
+              </a:ext>
+            </a:extLst>
+          </p:cNvPr>
+          <p:cNvCxnSpPr>
+            <a:cxnSpLocks noChangeAspect="1"/>
+          </p:cNvCxnSpPr>
+          <p:nvPr/>
+        </p:nvCxnSpPr>
+        <p:spPr>
+          <a:xfrm>
+            <a:off x="1872566" y="1523962"/>
+            <a:ext cx="2448000" cy="2483880"/>
+          </a:xfrm>
+          <a:prstGeom prst="line">
+            <a:avLst/>
+          </a:prstGeom>
+        </p:spPr>
+        <p:style>
+          <a:lnRef idx="1">
+            <a:schemeClr val="accent1"/>
+          </a:lnRef>
+          <a:fillRef idx="0">
+            <a:schemeClr val="accent1"/>
+          </a:fillRef>
+          <a:effectRef idx="0">
+            <a:schemeClr val="accent1"/>
+          </a:effectRef>
+          <a:fontRef idx="minor">
+            <a:schemeClr val="tx1"/>
+          </a:fontRef>
+        </p:style>
+      </p:cxnSp>
+      <p:sp>
+        <p:nvSpPr>
+          <p:cNvPr id="21" name="TextBox 20">
+            <a:extLst>
+              <a:ext uri="{FF2B5EF4-FFF2-40B4-BE49-F238E27FC236}">
+                <a16:creationId xmlns:a16="http://schemas.microsoft.com/office/drawing/2014/main" id="{56548D5F-0EAB-35C9-6D9E-672EB4C5D533}"/>
               </a:ext>
             </a:extLst>
           </p:cNvPr>
@@ -9766,8 +11808,8 @@
         </p:nvSpPr>
         <p:spPr>
           <a:xfrm>
-            <a:off x="2241253" y="3542292"/>
-            <a:ext cx="1681747" cy="523220"/>
+            <a:off x="2721827" y="2070308"/>
+            <a:ext cx="2770150" cy="307777"/>
           </a:xfrm>
           <a:prstGeom prst="rect">
             <a:avLst/>
@@ -9781,12 +11823,337 @@
           <a:lstStyle/>
           <a:p>
             <a:r>
-              <a:rPr lang="en-GB" sz="1400" dirty="0">
+              <a:rPr lang="en-GB" sz="1400" b="1" dirty="0">
                 <a:effectLst/>
                 <a:latin typeface="Montserrat" pitchFamily="2" charset="77"/>
               </a:rPr>
-              <a:t>Removing Categorical Data</a:t>
+              <a:t>Support Vector Regression</a:t>
             </a:r>
+          </a:p>
+        </p:txBody>
+      </p:sp>
+      <p:sp>
+        <p:nvSpPr>
+          <p:cNvPr id="23" name="TextBox 22">
+            <a:extLst>
+              <a:ext uri="{FF2B5EF4-FFF2-40B4-BE49-F238E27FC236}">
+                <a16:creationId xmlns:a16="http://schemas.microsoft.com/office/drawing/2014/main" id="{E00B680A-10CB-CF7B-840A-44FE4014D52E}"/>
+              </a:ext>
+            </a:extLst>
+          </p:cNvPr>
+          <p:cNvSpPr txBox="1"/>
+          <p:nvPr/>
+        </p:nvSpPr>
+        <p:spPr>
+          <a:xfrm>
+            <a:off x="2397765" y="1792000"/>
+            <a:ext cx="3283783" cy="261610"/>
+          </a:xfrm>
+          <a:prstGeom prst="rect">
+            <a:avLst/>
+          </a:prstGeom>
+          <a:noFill/>
+        </p:spPr>
+        <p:txBody>
+          <a:bodyPr wrap="square">
+            <a:spAutoFit/>
+          </a:bodyPr>
+          <a:lstStyle/>
+          <a:p>
+            <a:r>
+              <a:rPr lang="en-GB" sz="1100" i="1" dirty="0">
+                <a:latin typeface="Montserrat" pitchFamily="2" charset="77"/>
+              </a:rPr>
+              <a:t>Average on</a:t>
+            </a:r>
+            <a:r>
+              <a:rPr lang="en-GB" sz="1100" i="1" dirty="0">
+                <a:effectLst/>
+                <a:latin typeface="Montserrat" pitchFamily="2" charset="77"/>
+              </a:rPr>
+              <a:t> D1, Struggle with Interpolation </a:t>
+            </a:r>
+          </a:p>
+        </p:txBody>
+      </p:sp>
+      <p:sp>
+        <p:nvSpPr>
+          <p:cNvPr id="24" name="TextBox 23">
+            <a:extLst>
+              <a:ext uri="{FF2B5EF4-FFF2-40B4-BE49-F238E27FC236}">
+                <a16:creationId xmlns:a16="http://schemas.microsoft.com/office/drawing/2014/main" id="{8E8F7782-61A4-969C-3766-441B2074BD7D}"/>
+              </a:ext>
+            </a:extLst>
+          </p:cNvPr>
+          <p:cNvSpPr txBox="1"/>
+          <p:nvPr/>
+        </p:nvSpPr>
+        <p:spPr>
+          <a:xfrm>
+            <a:off x="2886779" y="2290851"/>
+            <a:ext cx="4315468" cy="261610"/>
+          </a:xfrm>
+          <a:prstGeom prst="rect">
+            <a:avLst/>
+          </a:prstGeom>
+          <a:noFill/>
+        </p:spPr>
+        <p:txBody>
+          <a:bodyPr wrap="square">
+            <a:spAutoFit/>
+          </a:bodyPr>
+          <a:lstStyle/>
+          <a:p>
+            <a:r>
+              <a:rPr lang="en-GB" sz="1100" i="1" dirty="0">
+                <a:latin typeface="Montserrat" pitchFamily="2" charset="77"/>
+              </a:rPr>
+              <a:t>Best MAE and MAPE on </a:t>
+            </a:r>
+            <a:r>
+              <a:rPr lang="en-GB" sz="1100" i="1" dirty="0">
+                <a:effectLst/>
+                <a:latin typeface="Montserrat" pitchFamily="2" charset="77"/>
+              </a:rPr>
+              <a:t>D1, Worst MAE and SMAPE on D2 </a:t>
+            </a:r>
+          </a:p>
+        </p:txBody>
+      </p:sp>
+      <p:sp>
+        <p:nvSpPr>
+          <p:cNvPr id="25" name="TextBox 24">
+            <a:extLst>
+              <a:ext uri="{FF2B5EF4-FFF2-40B4-BE49-F238E27FC236}">
+                <a16:creationId xmlns:a16="http://schemas.microsoft.com/office/drawing/2014/main" id="{51564C37-308B-8A82-9A32-D3C108AABBCF}"/>
+              </a:ext>
+            </a:extLst>
+          </p:cNvPr>
+          <p:cNvSpPr txBox="1"/>
+          <p:nvPr/>
+        </p:nvSpPr>
+        <p:spPr>
+          <a:xfrm>
+            <a:off x="3202242" y="2556983"/>
+            <a:ext cx="2448000" cy="307777"/>
+          </a:xfrm>
+          <a:prstGeom prst="rect">
+            <a:avLst/>
+          </a:prstGeom>
+          <a:noFill/>
+        </p:spPr>
+        <p:txBody>
+          <a:bodyPr wrap="square">
+            <a:spAutoFit/>
+          </a:bodyPr>
+          <a:lstStyle/>
+          <a:p>
+            <a:r>
+              <a:rPr lang="en-GB" sz="1400" b="1" dirty="0">
+                <a:effectLst/>
+                <a:latin typeface="Montserrat" pitchFamily="2" charset="77"/>
+              </a:rPr>
+              <a:t>Decision Tree Regressor</a:t>
+            </a:r>
+          </a:p>
+        </p:txBody>
+      </p:sp>
+      <p:sp>
+        <p:nvSpPr>
+          <p:cNvPr id="26" name="TextBox 25">
+            <a:extLst>
+              <a:ext uri="{FF2B5EF4-FFF2-40B4-BE49-F238E27FC236}">
+                <a16:creationId xmlns:a16="http://schemas.microsoft.com/office/drawing/2014/main" id="{5294DC06-16B9-151A-FDB8-F94223D82559}"/>
+              </a:ext>
+            </a:extLst>
+          </p:cNvPr>
+          <p:cNvSpPr txBox="1"/>
+          <p:nvPr/>
+        </p:nvSpPr>
+        <p:spPr>
+          <a:xfrm>
+            <a:off x="3698353" y="3055008"/>
+            <a:ext cx="2641792" cy="307777"/>
+          </a:xfrm>
+          <a:prstGeom prst="rect">
+            <a:avLst/>
+          </a:prstGeom>
+          <a:noFill/>
+        </p:spPr>
+        <p:txBody>
+          <a:bodyPr wrap="square">
+            <a:spAutoFit/>
+          </a:bodyPr>
+          <a:lstStyle/>
+          <a:p>
+            <a:r>
+              <a:rPr lang="en-GB" sz="1400" b="1" dirty="0">
+                <a:effectLst/>
+                <a:latin typeface="Montserrat" pitchFamily="2" charset="77"/>
+              </a:rPr>
+              <a:t>Random Forest Regressor</a:t>
+            </a:r>
+          </a:p>
+        </p:txBody>
+      </p:sp>
+      <p:sp>
+        <p:nvSpPr>
+          <p:cNvPr id="27" name="TextBox 26">
+            <a:extLst>
+              <a:ext uri="{FF2B5EF4-FFF2-40B4-BE49-F238E27FC236}">
+                <a16:creationId xmlns:a16="http://schemas.microsoft.com/office/drawing/2014/main" id="{6EFA9BD1-B6A2-2BC5-543E-245C00BDAD47}"/>
+              </a:ext>
+            </a:extLst>
+          </p:cNvPr>
+          <p:cNvSpPr txBox="1"/>
+          <p:nvPr/>
+        </p:nvSpPr>
+        <p:spPr>
+          <a:xfrm>
+            <a:off x="3374292" y="2776700"/>
+            <a:ext cx="2641792" cy="261610"/>
+          </a:xfrm>
+          <a:prstGeom prst="rect">
+            <a:avLst/>
+          </a:prstGeom>
+          <a:noFill/>
+        </p:spPr>
+        <p:txBody>
+          <a:bodyPr wrap="square">
+            <a:spAutoFit/>
+          </a:bodyPr>
+          <a:lstStyle/>
+          <a:p>
+            <a:r>
+              <a:rPr lang="en-GB" sz="1100" i="1" dirty="0">
+                <a:latin typeface="Montserrat" pitchFamily="2" charset="77"/>
+              </a:rPr>
+              <a:t>Average on</a:t>
+            </a:r>
+            <a:r>
+              <a:rPr lang="en-GB" sz="1100" i="1" dirty="0">
+                <a:effectLst/>
+                <a:latin typeface="Montserrat" pitchFamily="2" charset="77"/>
+              </a:rPr>
+              <a:t> D1, Best SMAPE on D2</a:t>
+            </a:r>
+          </a:p>
+        </p:txBody>
+      </p:sp>
+      <p:sp>
+        <p:nvSpPr>
+          <p:cNvPr id="28" name="TextBox 27">
+            <a:extLst>
+              <a:ext uri="{FF2B5EF4-FFF2-40B4-BE49-F238E27FC236}">
+                <a16:creationId xmlns:a16="http://schemas.microsoft.com/office/drawing/2014/main" id="{D096368A-589A-DCB8-6EBE-E7140591B5A8}"/>
+              </a:ext>
+            </a:extLst>
+          </p:cNvPr>
+          <p:cNvSpPr txBox="1"/>
+          <p:nvPr/>
+        </p:nvSpPr>
+        <p:spPr>
+          <a:xfrm>
+            <a:off x="3863305" y="3275551"/>
+            <a:ext cx="3217719" cy="261610"/>
+          </a:xfrm>
+          <a:prstGeom prst="rect">
+            <a:avLst/>
+          </a:prstGeom>
+          <a:noFill/>
+        </p:spPr>
+        <p:txBody>
+          <a:bodyPr wrap="square">
+            <a:spAutoFit/>
+          </a:bodyPr>
+          <a:lstStyle/>
+          <a:p>
+            <a:r>
+              <a:rPr lang="en-GB" sz="1100" i="1" dirty="0">
+                <a:effectLst/>
+                <a:latin typeface="Montserrat" pitchFamily="2" charset="77"/>
+              </a:rPr>
+              <a:t>Struggle on Both Datasets </a:t>
+            </a:r>
+          </a:p>
+        </p:txBody>
+      </p:sp>
+      <p:sp>
+        <p:nvSpPr>
+          <p:cNvPr id="29" name="TextBox 28">
+            <a:extLst>
+              <a:ext uri="{FF2B5EF4-FFF2-40B4-BE49-F238E27FC236}">
+                <a16:creationId xmlns:a16="http://schemas.microsoft.com/office/drawing/2014/main" id="{336A0A1C-C1CF-74D3-3AA9-282418E4BBF1}"/>
+              </a:ext>
+            </a:extLst>
+          </p:cNvPr>
+          <p:cNvSpPr txBox="1"/>
+          <p:nvPr/>
+        </p:nvSpPr>
+        <p:spPr>
+          <a:xfrm>
+            <a:off x="4165290" y="3537161"/>
+            <a:ext cx="2915734" cy="307777"/>
+          </a:xfrm>
+          <a:prstGeom prst="rect">
+            <a:avLst/>
+          </a:prstGeom>
+          <a:noFill/>
+        </p:spPr>
+        <p:txBody>
+          <a:bodyPr wrap="square">
+            <a:spAutoFit/>
+          </a:bodyPr>
+          <a:lstStyle/>
+          <a:p>
+            <a:r>
+              <a:rPr lang="en-GB" sz="1400" b="1" dirty="0">
+                <a:effectLst/>
+                <a:latin typeface="Montserrat" pitchFamily="2" charset="77"/>
+              </a:rPr>
+              <a:t>Gradient Boosting Regressor</a:t>
+            </a:r>
+          </a:p>
+        </p:txBody>
+      </p:sp>
+      <p:sp>
+        <p:nvSpPr>
+          <p:cNvPr id="31" name="TextBox 30">
+            <a:extLst>
+              <a:ext uri="{FF2B5EF4-FFF2-40B4-BE49-F238E27FC236}">
+                <a16:creationId xmlns:a16="http://schemas.microsoft.com/office/drawing/2014/main" id="{14DC99FC-1100-B0CB-03BD-6D948AFA18DA}"/>
+              </a:ext>
+            </a:extLst>
+          </p:cNvPr>
+          <p:cNvSpPr txBox="1"/>
+          <p:nvPr/>
+        </p:nvSpPr>
+        <p:spPr>
+          <a:xfrm>
+            <a:off x="4337339" y="3756878"/>
+            <a:ext cx="1678746" cy="261610"/>
+          </a:xfrm>
+          <a:prstGeom prst="rect">
+            <a:avLst/>
+          </a:prstGeom>
+          <a:noFill/>
+        </p:spPr>
+        <p:txBody>
+          <a:bodyPr wrap="square">
+            <a:spAutoFit/>
+          </a:bodyPr>
+          <a:lstStyle/>
+          <a:p>
+            <a:r>
+              <a:rPr lang="en-GB" sz="1100" i="1" dirty="0">
+                <a:latin typeface="Montserrat" pitchFamily="2" charset="77"/>
+              </a:rPr>
+              <a:t>Most Robust Overall</a:t>
+            </a:r>
+            <a:endParaRPr lang="en-GB" sz="1100" i="1" dirty="0">
+              <a:effectLst/>
+              <a:latin typeface="Montserrat" pitchFamily="2" charset="77"/>
+            </a:endParaRPr>
           </a:p>
         </p:txBody>
       </p:sp>
@@ -9872,123 +12239,6 @@
       </p:sp>
       <p:sp>
         <p:nvSpPr>
-          <p:cNvPr id="4" name="TextBox 3">
-            <a:extLst>
-              <a:ext uri="{FF2B5EF4-FFF2-40B4-BE49-F238E27FC236}">
-                <a16:creationId xmlns:a16="http://schemas.microsoft.com/office/drawing/2014/main" id="{AF0E0662-CBF1-F4B7-62FD-AAEC06A6E687}"/>
-              </a:ext>
-            </a:extLst>
-          </p:cNvPr>
-          <p:cNvSpPr txBox="1"/>
-          <p:nvPr/>
-        </p:nvSpPr>
-        <p:spPr>
-          <a:xfrm>
-            <a:off x="270409" y="1783088"/>
-            <a:ext cx="7233070" cy="523220"/>
-          </a:xfrm>
-          <a:prstGeom prst="rect">
-            <a:avLst/>
-          </a:prstGeom>
-          <a:noFill/>
-        </p:spPr>
-        <p:txBody>
-          <a:bodyPr wrap="none" rtlCol="0">
-            <a:spAutoFit/>
-          </a:bodyPr>
-          <a:lstStyle/>
-          <a:p>
-            <a:r>
-              <a:rPr lang="en-GB" dirty="0">
-                <a:latin typeface="Montserrat" pitchFamily="2" charset="77"/>
-              </a:rPr>
-              <a:t>Slide 14: </a:t>
-            </a:r>
-            <a:r>
-              <a:rPr lang="en-GB" dirty="0" err="1">
-                <a:latin typeface="Montserrat" pitchFamily="2" charset="77"/>
-              </a:rPr>
-              <a:t>Conclusioni</a:t>
-            </a:r>
-            <a:endParaRPr lang="en-GB" dirty="0">
-              <a:latin typeface="Montserrat" pitchFamily="2" charset="77"/>
-            </a:endParaRPr>
-          </a:p>
-          <a:p>
-            <a:r>
-              <a:rPr lang="en-GB" dirty="0">
-                <a:latin typeface="Montserrat" pitchFamily="2" charset="77"/>
-              </a:rPr>
-              <a:t>• </a:t>
-            </a:r>
-            <a:r>
-              <a:rPr lang="en-GB" dirty="0" err="1">
-                <a:latin typeface="Montserrat" pitchFamily="2" charset="77"/>
-              </a:rPr>
-              <a:t>Principali</a:t>
-            </a:r>
-            <a:r>
-              <a:rPr lang="en-GB" dirty="0">
-                <a:latin typeface="Montserrat" pitchFamily="2" charset="77"/>
-              </a:rPr>
-              <a:t> takeaways del </a:t>
-            </a:r>
-            <a:r>
-              <a:rPr lang="en-GB" dirty="0" err="1">
-                <a:latin typeface="Montserrat" pitchFamily="2" charset="77"/>
-              </a:rPr>
-              <a:t>progetto</a:t>
-            </a:r>
-            <a:r>
-              <a:rPr lang="en-GB" dirty="0">
-                <a:latin typeface="Montserrat" pitchFamily="2" charset="77"/>
-              </a:rPr>
-              <a:t> • </a:t>
-            </a:r>
-            <a:r>
-              <a:rPr lang="en-GB" dirty="0" err="1">
-                <a:latin typeface="Montserrat" pitchFamily="2" charset="77"/>
-              </a:rPr>
-              <a:t>Potenziali</a:t>
-            </a:r>
-            <a:r>
-              <a:rPr lang="en-GB" dirty="0">
-                <a:latin typeface="Montserrat" pitchFamily="2" charset="77"/>
-              </a:rPr>
-              <a:t> </a:t>
-            </a:r>
-            <a:r>
-              <a:rPr lang="en-GB" dirty="0" err="1">
-                <a:latin typeface="Montserrat" pitchFamily="2" charset="77"/>
-              </a:rPr>
-              <a:t>miglioramenti</a:t>
-            </a:r>
-            <a:r>
-              <a:rPr lang="en-GB" dirty="0">
-                <a:latin typeface="Montserrat" pitchFamily="2" charset="77"/>
-              </a:rPr>
-              <a:t> e </a:t>
-            </a:r>
-            <a:r>
-              <a:rPr lang="en-GB" dirty="0" err="1">
-                <a:latin typeface="Montserrat" pitchFamily="2" charset="77"/>
-              </a:rPr>
-              <a:t>direzioni</a:t>
-            </a:r>
-            <a:r>
-              <a:rPr lang="en-GB" dirty="0">
-                <a:latin typeface="Montserrat" pitchFamily="2" charset="77"/>
-              </a:rPr>
-              <a:t> future</a:t>
-            </a:r>
-            <a:endParaRPr lang="en-IT" dirty="0">
-              <a:latin typeface="Montserrat" pitchFamily="2" charset="77"/>
-            </a:endParaRPr>
-          </a:p>
-        </p:txBody>
-      </p:sp>
-      <p:sp>
-        <p:nvSpPr>
           <p:cNvPr id="8" name="TextBox 7">
             <a:extLst>
               <a:ext uri="{FF2B5EF4-FFF2-40B4-BE49-F238E27FC236}">
@@ -10128,10 +12378,10 @@
       </p:sp>
       <p:sp>
         <p:nvSpPr>
-          <p:cNvPr id="11" name="TextBox 10">
-            <a:extLst>
-              <a:ext uri="{FF2B5EF4-FFF2-40B4-BE49-F238E27FC236}">
-                <a16:creationId xmlns:a16="http://schemas.microsoft.com/office/drawing/2014/main" id="{0432E2D1-7978-EAD9-C7CF-B141FF8B0950}"/>
+          <p:cNvPr id="13" name="TextBox 12">
+            <a:extLst>
+              <a:ext uri="{FF2B5EF4-FFF2-40B4-BE49-F238E27FC236}">
+                <a16:creationId xmlns:a16="http://schemas.microsoft.com/office/drawing/2014/main" id="{E88F461D-B0F3-8DA2-B1C4-7F3E28B2CEA3}"/>
               </a:ext>
             </a:extLst>
           </p:cNvPr>
@@ -10140,8 +12390,46 @@
         </p:nvSpPr>
         <p:spPr>
           <a:xfrm>
-            <a:off x="1415916" y="3287550"/>
-            <a:ext cx="1515300" cy="369332"/>
+            <a:off x="441513" y="1594587"/>
+            <a:ext cx="2770150" cy="307777"/>
+          </a:xfrm>
+          <a:prstGeom prst="rect">
+            <a:avLst/>
+          </a:prstGeom>
+          <a:noFill/>
+        </p:spPr>
+        <p:txBody>
+          <a:bodyPr wrap="square">
+            <a:spAutoFit/>
+          </a:bodyPr>
+          <a:lstStyle/>
+          <a:p>
+            <a:r>
+              <a:rPr lang="en-GB" sz="1400" b="1" dirty="0">
+                <a:effectLst/>
+                <a:latin typeface="Montserrat" pitchFamily="2" charset="77"/>
+              </a:rPr>
+              <a:t>If Interested in Magnitude</a:t>
+            </a:r>
+          </a:p>
+        </p:txBody>
+      </p:sp>
+      <p:sp>
+        <p:nvSpPr>
+          <p:cNvPr id="14" name="TextBox 13">
+            <a:extLst>
+              <a:ext uri="{FF2B5EF4-FFF2-40B4-BE49-F238E27FC236}">
+                <a16:creationId xmlns:a16="http://schemas.microsoft.com/office/drawing/2014/main" id="{E38A5643-C20E-22E2-E9C0-5355157057A1}"/>
+              </a:ext>
+            </a:extLst>
+          </p:cNvPr>
+          <p:cNvSpPr txBox="1"/>
+          <p:nvPr/>
+        </p:nvSpPr>
+        <p:spPr>
+          <a:xfrm>
+            <a:off x="2340" y="1231909"/>
+            <a:ext cx="1737244" cy="369332"/>
           </a:xfrm>
           <a:prstGeom prst="rect">
             <a:avLst/>
@@ -10161,7 +12449,7 @@
                 </a:solidFill>
                 <a:latin typeface="Montserrat" pitchFamily="2" charset="77"/>
               </a:rPr>
-              <a:t>Elaboration</a:t>
+              <a:t>Conclusions</a:t>
             </a:r>
             <a:endParaRPr lang="en-IT" sz="1800" dirty="0">
               <a:solidFill>
@@ -10171,12 +12459,50 @@
           </a:p>
         </p:txBody>
       </p:sp>
-      <p:sp>
-        <p:nvSpPr>
-          <p:cNvPr id="12" name="TextBox 11">
-            <a:extLst>
-              <a:ext uri="{FF2B5EF4-FFF2-40B4-BE49-F238E27FC236}">
-                <a16:creationId xmlns:a16="http://schemas.microsoft.com/office/drawing/2014/main" id="{E9BD7207-68BA-8CD3-DFA7-A8D96470FB62}"/>
+      <p:cxnSp>
+        <p:nvCxnSpPr>
+          <p:cNvPr id="15" name="Straight Connector 14">
+            <a:extLst>
+              <a:ext uri="{FF2B5EF4-FFF2-40B4-BE49-F238E27FC236}">
+                <a16:creationId xmlns:a16="http://schemas.microsoft.com/office/drawing/2014/main" id="{B7909E7C-D3CF-92EC-4586-62213ABE5166}"/>
+              </a:ext>
+            </a:extLst>
+          </p:cNvPr>
+          <p:cNvCxnSpPr>
+            <a:cxnSpLocks noChangeAspect="1"/>
+          </p:cNvCxnSpPr>
+          <p:nvPr/>
+        </p:nvCxnSpPr>
+        <p:spPr>
+          <a:xfrm>
+            <a:off x="88363" y="1546266"/>
+            <a:ext cx="2448000" cy="2483880"/>
+          </a:xfrm>
+          <a:prstGeom prst="line">
+            <a:avLst/>
+          </a:prstGeom>
+        </p:spPr>
+        <p:style>
+          <a:lnRef idx="1">
+            <a:schemeClr val="accent1"/>
+          </a:lnRef>
+          <a:fillRef idx="0">
+            <a:schemeClr val="accent1"/>
+          </a:fillRef>
+          <a:effectRef idx="0">
+            <a:schemeClr val="accent1"/>
+          </a:effectRef>
+          <a:fontRef idx="minor">
+            <a:schemeClr val="tx1"/>
+          </a:fontRef>
+        </p:style>
+      </p:cxnSp>
+      <p:sp>
+        <p:nvSpPr>
+          <p:cNvPr id="16" name="TextBox 15">
+            <a:extLst>
+              <a:ext uri="{FF2B5EF4-FFF2-40B4-BE49-F238E27FC236}">
+                <a16:creationId xmlns:a16="http://schemas.microsoft.com/office/drawing/2014/main" id="{A6BE1B29-3CF2-DABC-846B-1F78E0B8B2EC}"/>
               </a:ext>
             </a:extLst>
           </p:cNvPr>
@@ -10185,8 +12511,8 @@
         </p:nvSpPr>
         <p:spPr>
           <a:xfrm>
-            <a:off x="2198833" y="3899516"/>
-            <a:ext cx="1681747" cy="523220"/>
+            <a:off x="937624" y="2092612"/>
+            <a:ext cx="4186352" cy="307777"/>
           </a:xfrm>
           <a:prstGeom prst="rect">
             <a:avLst/>
@@ -10200,12 +12526,740 @@
           <a:lstStyle/>
           <a:p>
             <a:r>
-              <a:rPr lang="en-GB" sz="1400" dirty="0">
+              <a:rPr lang="en-GB" sz="1400" b="1" dirty="0">
                 <a:effectLst/>
                 <a:latin typeface="Montserrat" pitchFamily="2" charset="77"/>
               </a:rPr>
-              <a:t>Removing Categorical Data</a:t>
+              <a:t>If Interested in Under and Over Estimation</a:t>
             </a:r>
+          </a:p>
+        </p:txBody>
+      </p:sp>
+      <p:sp>
+        <p:nvSpPr>
+          <p:cNvPr id="17" name="TextBox 16">
+            <a:extLst>
+              <a:ext uri="{FF2B5EF4-FFF2-40B4-BE49-F238E27FC236}">
+                <a16:creationId xmlns:a16="http://schemas.microsoft.com/office/drawing/2014/main" id="{C70A2146-CF1A-5DB2-CCB6-0271EA08E9E1}"/>
+              </a:ext>
+            </a:extLst>
+          </p:cNvPr>
+          <p:cNvSpPr txBox="1"/>
+          <p:nvPr/>
+        </p:nvSpPr>
+        <p:spPr>
+          <a:xfrm>
+            <a:off x="613562" y="1814304"/>
+            <a:ext cx="3283783" cy="261610"/>
+          </a:xfrm>
+          <a:prstGeom prst="rect">
+            <a:avLst/>
+          </a:prstGeom>
+          <a:noFill/>
+        </p:spPr>
+        <p:txBody>
+          <a:bodyPr wrap="square">
+            <a:spAutoFit/>
+          </a:bodyPr>
+          <a:lstStyle/>
+          <a:p>
+            <a:r>
+              <a:rPr lang="en-GB" sz="1100" i="1" dirty="0">
+                <a:latin typeface="Montserrat" pitchFamily="2" charset="77"/>
+              </a:rPr>
+              <a:t>Gradient Boosting</a:t>
+            </a:r>
+            <a:endParaRPr lang="en-GB" sz="1100" i="1" dirty="0">
+              <a:effectLst/>
+              <a:latin typeface="Montserrat" pitchFamily="2" charset="77"/>
+            </a:endParaRPr>
+          </a:p>
+        </p:txBody>
+      </p:sp>
+      <p:sp>
+        <p:nvSpPr>
+          <p:cNvPr id="18" name="TextBox 17">
+            <a:extLst>
+              <a:ext uri="{FF2B5EF4-FFF2-40B4-BE49-F238E27FC236}">
+                <a16:creationId xmlns:a16="http://schemas.microsoft.com/office/drawing/2014/main" id="{DE6FB4DD-9E85-38C6-AFD2-8EA7C55C91F3}"/>
+              </a:ext>
+            </a:extLst>
+          </p:cNvPr>
+          <p:cNvSpPr txBox="1"/>
+          <p:nvPr/>
+        </p:nvSpPr>
+        <p:spPr>
+          <a:xfrm>
+            <a:off x="1102576" y="2313155"/>
+            <a:ext cx="4315468" cy="261610"/>
+          </a:xfrm>
+          <a:prstGeom prst="rect">
+            <a:avLst/>
+          </a:prstGeom>
+          <a:noFill/>
+        </p:spPr>
+        <p:txBody>
+          <a:bodyPr wrap="square">
+            <a:spAutoFit/>
+          </a:bodyPr>
+          <a:lstStyle/>
+          <a:p>
+            <a:r>
+              <a:rPr lang="en-GB" sz="1100" i="1" dirty="0">
+                <a:latin typeface="Montserrat" pitchFamily="2" charset="77"/>
+              </a:rPr>
+              <a:t>Gradient Boosting</a:t>
+            </a:r>
+            <a:endParaRPr lang="en-GB" sz="1100" i="1" dirty="0">
+              <a:effectLst/>
+              <a:latin typeface="Montserrat" pitchFamily="2" charset="77"/>
+            </a:endParaRPr>
+          </a:p>
+        </p:txBody>
+      </p:sp>
+      <p:sp>
+        <p:nvSpPr>
+          <p:cNvPr id="19" name="TextBox 18">
+            <a:extLst>
+              <a:ext uri="{FF2B5EF4-FFF2-40B4-BE49-F238E27FC236}">
+                <a16:creationId xmlns:a16="http://schemas.microsoft.com/office/drawing/2014/main" id="{CEDF1A77-69DA-D4C5-D376-D384EBB3FC66}"/>
+              </a:ext>
+            </a:extLst>
+          </p:cNvPr>
+          <p:cNvSpPr txBox="1"/>
+          <p:nvPr/>
+        </p:nvSpPr>
+        <p:spPr>
+          <a:xfrm>
+            <a:off x="1418039" y="2579287"/>
+            <a:ext cx="2448000" cy="307777"/>
+          </a:xfrm>
+          <a:prstGeom prst="rect">
+            <a:avLst/>
+          </a:prstGeom>
+          <a:noFill/>
+        </p:spPr>
+        <p:txBody>
+          <a:bodyPr wrap="square">
+            <a:spAutoFit/>
+          </a:bodyPr>
+          <a:lstStyle/>
+          <a:p>
+            <a:r>
+              <a:rPr lang="en-GB" b="1" dirty="0">
+                <a:latin typeface="Montserrat" pitchFamily="2" charset="77"/>
+              </a:rPr>
+              <a:t>Second Choices</a:t>
+            </a:r>
+            <a:endParaRPr lang="en-GB" sz="1400" b="1" dirty="0">
+              <a:effectLst/>
+              <a:latin typeface="Montserrat" pitchFamily="2" charset="77"/>
+            </a:endParaRPr>
+          </a:p>
+        </p:txBody>
+      </p:sp>
+      <p:sp>
+        <p:nvSpPr>
+          <p:cNvPr id="20" name="TextBox 19">
+            <a:extLst>
+              <a:ext uri="{FF2B5EF4-FFF2-40B4-BE49-F238E27FC236}">
+                <a16:creationId xmlns:a16="http://schemas.microsoft.com/office/drawing/2014/main" id="{3367A6B2-6C46-F05D-9848-BF6C92391E2E}"/>
+              </a:ext>
+            </a:extLst>
+          </p:cNvPr>
+          <p:cNvSpPr txBox="1"/>
+          <p:nvPr/>
+        </p:nvSpPr>
+        <p:spPr>
+          <a:xfrm>
+            <a:off x="1914150" y="3077312"/>
+            <a:ext cx="2641792" cy="307777"/>
+          </a:xfrm>
+          <a:prstGeom prst="rect">
+            <a:avLst/>
+          </a:prstGeom>
+          <a:noFill/>
+        </p:spPr>
+        <p:txBody>
+          <a:bodyPr wrap="square">
+            <a:spAutoFit/>
+          </a:bodyPr>
+          <a:lstStyle/>
+          <a:p>
+            <a:r>
+              <a:rPr lang="en-GB" sz="1400" b="1" dirty="0">
+                <a:effectLst/>
+                <a:latin typeface="Montserrat" pitchFamily="2" charset="77"/>
+              </a:rPr>
+              <a:t>Interpolation</a:t>
+            </a:r>
+          </a:p>
+        </p:txBody>
+      </p:sp>
+      <p:sp>
+        <p:nvSpPr>
+          <p:cNvPr id="21" name="TextBox 20">
+            <a:extLst>
+              <a:ext uri="{FF2B5EF4-FFF2-40B4-BE49-F238E27FC236}">
+                <a16:creationId xmlns:a16="http://schemas.microsoft.com/office/drawing/2014/main" id="{734FBC98-B3EE-8318-72D6-34BD639330B4}"/>
+              </a:ext>
+            </a:extLst>
+          </p:cNvPr>
+          <p:cNvSpPr txBox="1"/>
+          <p:nvPr/>
+        </p:nvSpPr>
+        <p:spPr>
+          <a:xfrm>
+            <a:off x="1590089" y="2799004"/>
+            <a:ext cx="2641792" cy="261610"/>
+          </a:xfrm>
+          <a:prstGeom prst="rect">
+            <a:avLst/>
+          </a:prstGeom>
+          <a:noFill/>
+        </p:spPr>
+        <p:txBody>
+          <a:bodyPr wrap="square">
+            <a:spAutoFit/>
+          </a:bodyPr>
+          <a:lstStyle/>
+          <a:p>
+            <a:r>
+              <a:rPr lang="en-GB" sz="1100" i="1" dirty="0">
+                <a:latin typeface="Montserrat" pitchFamily="2" charset="77"/>
+              </a:rPr>
+              <a:t>Linear Regression, Decision Tree</a:t>
+            </a:r>
+            <a:endParaRPr lang="en-GB" sz="1100" i="1" dirty="0">
+              <a:effectLst/>
+              <a:latin typeface="Montserrat" pitchFamily="2" charset="77"/>
+            </a:endParaRPr>
+          </a:p>
+        </p:txBody>
+      </p:sp>
+      <p:sp>
+        <p:nvSpPr>
+          <p:cNvPr id="22" name="TextBox 21">
+            <a:extLst>
+              <a:ext uri="{FF2B5EF4-FFF2-40B4-BE49-F238E27FC236}">
+                <a16:creationId xmlns:a16="http://schemas.microsoft.com/office/drawing/2014/main" id="{574B3ABC-56F2-151D-8310-D73B8BE97BCD}"/>
+              </a:ext>
+            </a:extLst>
+          </p:cNvPr>
+          <p:cNvSpPr txBox="1"/>
+          <p:nvPr/>
+        </p:nvSpPr>
+        <p:spPr>
+          <a:xfrm>
+            <a:off x="2079102" y="3297855"/>
+            <a:ext cx="3217719" cy="261610"/>
+          </a:xfrm>
+          <a:prstGeom prst="rect">
+            <a:avLst/>
+          </a:prstGeom>
+          <a:noFill/>
+        </p:spPr>
+        <p:txBody>
+          <a:bodyPr wrap="square">
+            <a:spAutoFit/>
+          </a:bodyPr>
+          <a:lstStyle/>
+          <a:p>
+            <a:r>
+              <a:rPr lang="en-GB" sz="1100" i="1" dirty="0">
+                <a:effectLst/>
+                <a:latin typeface="Montserrat" pitchFamily="2" charset="77"/>
+              </a:rPr>
+              <a:t>Impact Negatively the Performance</a:t>
+            </a:r>
+          </a:p>
+        </p:txBody>
+      </p:sp>
+      <p:sp>
+        <p:nvSpPr>
+          <p:cNvPr id="23" name="TextBox 22">
+            <a:extLst>
+              <a:ext uri="{FF2B5EF4-FFF2-40B4-BE49-F238E27FC236}">
+                <a16:creationId xmlns:a16="http://schemas.microsoft.com/office/drawing/2014/main" id="{E34B957D-F532-2B97-5EAC-FD06F2622881}"/>
+              </a:ext>
+            </a:extLst>
+          </p:cNvPr>
+          <p:cNvSpPr txBox="1"/>
+          <p:nvPr/>
+        </p:nvSpPr>
+        <p:spPr>
+          <a:xfrm>
+            <a:off x="2381087" y="3559465"/>
+            <a:ext cx="2915734" cy="307777"/>
+          </a:xfrm>
+          <a:prstGeom prst="rect">
+            <a:avLst/>
+          </a:prstGeom>
+          <a:noFill/>
+        </p:spPr>
+        <p:txBody>
+          <a:bodyPr wrap="square">
+            <a:spAutoFit/>
+          </a:bodyPr>
+          <a:lstStyle/>
+          <a:p>
+            <a:r>
+              <a:rPr lang="en-GB" sz="1400" b="1" dirty="0">
+                <a:effectLst/>
+                <a:latin typeface="Montserrat" pitchFamily="2" charset="77"/>
+              </a:rPr>
+              <a:t>Impact of </a:t>
+            </a:r>
+            <a:r>
+              <a:rPr lang="en-GB" b="1" dirty="0" err="1">
+                <a:latin typeface="Montserrat" pitchFamily="2" charset="77"/>
+              </a:rPr>
+              <a:t>Precidions</a:t>
+            </a:r>
+            <a:endParaRPr lang="en-GB" sz="1400" b="1" dirty="0">
+              <a:effectLst/>
+              <a:latin typeface="Montserrat" pitchFamily="2" charset="77"/>
+            </a:endParaRPr>
+          </a:p>
+        </p:txBody>
+      </p:sp>
+      <p:sp>
+        <p:nvSpPr>
+          <p:cNvPr id="24" name="TextBox 23">
+            <a:extLst>
+              <a:ext uri="{FF2B5EF4-FFF2-40B4-BE49-F238E27FC236}">
+                <a16:creationId xmlns:a16="http://schemas.microsoft.com/office/drawing/2014/main" id="{85109D43-4908-469F-98DD-F39725F4EF51}"/>
+              </a:ext>
+            </a:extLst>
+          </p:cNvPr>
+          <p:cNvSpPr txBox="1"/>
+          <p:nvPr/>
+        </p:nvSpPr>
+        <p:spPr>
+          <a:xfrm>
+            <a:off x="2553135" y="3779182"/>
+            <a:ext cx="1868313" cy="261610"/>
+          </a:xfrm>
+          <a:prstGeom prst="rect">
+            <a:avLst/>
+          </a:prstGeom>
+          <a:noFill/>
+        </p:spPr>
+        <p:txBody>
+          <a:bodyPr wrap="square">
+            <a:spAutoFit/>
+          </a:bodyPr>
+          <a:lstStyle/>
+          <a:p>
+            <a:r>
+              <a:rPr lang="en-GB" sz="1100" i="1" dirty="0">
+                <a:latin typeface="Montserrat" pitchFamily="2" charset="77"/>
+              </a:rPr>
+              <a:t>Zero’s Impact on MAPE</a:t>
+            </a:r>
+            <a:endParaRPr lang="en-GB" sz="1100" i="1" dirty="0">
+              <a:effectLst/>
+              <a:latin typeface="Montserrat" pitchFamily="2" charset="77"/>
+            </a:endParaRPr>
+          </a:p>
+        </p:txBody>
+      </p:sp>
+      <p:sp>
+        <p:nvSpPr>
+          <p:cNvPr id="25" name="TextBox 24">
+            <a:extLst>
+              <a:ext uri="{FF2B5EF4-FFF2-40B4-BE49-F238E27FC236}">
+                <a16:creationId xmlns:a16="http://schemas.microsoft.com/office/drawing/2014/main" id="{99131557-3C9B-F64C-138A-EDAE37AA696B}"/>
+              </a:ext>
+            </a:extLst>
+          </p:cNvPr>
+          <p:cNvSpPr txBox="1"/>
+          <p:nvPr/>
+        </p:nvSpPr>
+        <p:spPr>
+          <a:xfrm>
+            <a:off x="4911558" y="1594587"/>
+            <a:ext cx="2770150" cy="307777"/>
+          </a:xfrm>
+          <a:prstGeom prst="rect">
+            <a:avLst/>
+          </a:prstGeom>
+          <a:noFill/>
+        </p:spPr>
+        <p:txBody>
+          <a:bodyPr wrap="square">
+            <a:spAutoFit/>
+          </a:bodyPr>
+          <a:lstStyle/>
+          <a:p>
+            <a:r>
+              <a:rPr lang="en-GB" sz="1400" b="1" dirty="0">
+                <a:effectLst/>
+                <a:latin typeface="Montserrat" pitchFamily="2" charset="77"/>
+              </a:rPr>
+              <a:t>Outliers</a:t>
+            </a:r>
+          </a:p>
+        </p:txBody>
+      </p:sp>
+      <p:sp>
+        <p:nvSpPr>
+          <p:cNvPr id="26" name="TextBox 25">
+            <a:extLst>
+              <a:ext uri="{FF2B5EF4-FFF2-40B4-BE49-F238E27FC236}">
+                <a16:creationId xmlns:a16="http://schemas.microsoft.com/office/drawing/2014/main" id="{56C6E1B6-2DA4-DCDB-C56B-E10CD775B2C5}"/>
+              </a:ext>
+            </a:extLst>
+          </p:cNvPr>
+          <p:cNvSpPr txBox="1"/>
+          <p:nvPr/>
+        </p:nvSpPr>
+        <p:spPr>
+          <a:xfrm>
+            <a:off x="4472385" y="1231909"/>
+            <a:ext cx="2274100" cy="369332"/>
+          </a:xfrm>
+          <a:prstGeom prst="rect">
+            <a:avLst/>
+          </a:prstGeom>
+          <a:noFill/>
+        </p:spPr>
+        <p:txBody>
+          <a:bodyPr wrap="square" rtlCol="0">
+            <a:spAutoFit/>
+          </a:bodyPr>
+          <a:lstStyle/>
+          <a:p>
+            <a:r>
+              <a:rPr lang="en-GB" sz="1800" dirty="0">
+                <a:solidFill>
+                  <a:srgbClr val="0070C0"/>
+                </a:solidFill>
+                <a:latin typeface="Montserrat" pitchFamily="2" charset="77"/>
+              </a:rPr>
+              <a:t>Future Directions</a:t>
+            </a:r>
+            <a:endParaRPr lang="en-IT" sz="1800" dirty="0">
+              <a:solidFill>
+                <a:srgbClr val="0070C0"/>
+              </a:solidFill>
+            </a:endParaRPr>
+          </a:p>
+        </p:txBody>
+      </p:sp>
+      <p:cxnSp>
+        <p:nvCxnSpPr>
+          <p:cNvPr id="27" name="Straight Connector 26">
+            <a:extLst>
+              <a:ext uri="{FF2B5EF4-FFF2-40B4-BE49-F238E27FC236}">
+                <a16:creationId xmlns:a16="http://schemas.microsoft.com/office/drawing/2014/main" id="{641BABF0-4753-978C-625E-2C1248AAC835}"/>
+              </a:ext>
+            </a:extLst>
+          </p:cNvPr>
+          <p:cNvCxnSpPr>
+            <a:cxnSpLocks noChangeAspect="1"/>
+          </p:cNvCxnSpPr>
+          <p:nvPr/>
+        </p:nvCxnSpPr>
+        <p:spPr>
+          <a:xfrm>
+            <a:off x="4558408" y="1546266"/>
+            <a:ext cx="2448000" cy="2483880"/>
+          </a:xfrm>
+          <a:prstGeom prst="line">
+            <a:avLst/>
+          </a:prstGeom>
+        </p:spPr>
+        <p:style>
+          <a:lnRef idx="1">
+            <a:schemeClr val="accent1"/>
+          </a:lnRef>
+          <a:fillRef idx="0">
+            <a:schemeClr val="accent1"/>
+          </a:fillRef>
+          <a:effectRef idx="0">
+            <a:schemeClr val="accent1"/>
+          </a:effectRef>
+          <a:fontRef idx="minor">
+            <a:schemeClr val="tx1"/>
+          </a:fontRef>
+        </p:style>
+      </p:cxnSp>
+      <p:sp>
+        <p:nvSpPr>
+          <p:cNvPr id="28" name="TextBox 27">
+            <a:extLst>
+              <a:ext uri="{FF2B5EF4-FFF2-40B4-BE49-F238E27FC236}">
+                <a16:creationId xmlns:a16="http://schemas.microsoft.com/office/drawing/2014/main" id="{A10E2C7D-B5AD-4DAE-0585-299157F60A11}"/>
+              </a:ext>
+            </a:extLst>
+          </p:cNvPr>
+          <p:cNvSpPr txBox="1"/>
+          <p:nvPr/>
+        </p:nvSpPr>
+        <p:spPr>
+          <a:xfrm>
+            <a:off x="5441125" y="2070308"/>
+            <a:ext cx="4186352" cy="307777"/>
+          </a:xfrm>
+          <a:prstGeom prst="rect">
+            <a:avLst/>
+          </a:prstGeom>
+          <a:noFill/>
+        </p:spPr>
+        <p:txBody>
+          <a:bodyPr wrap="square">
+            <a:spAutoFit/>
+          </a:bodyPr>
+          <a:lstStyle/>
+          <a:p>
+            <a:r>
+              <a:rPr lang="en-GB" sz="1400" b="1" dirty="0">
+                <a:effectLst/>
+                <a:latin typeface="Montserrat" pitchFamily="2" charset="77"/>
+              </a:rPr>
+              <a:t>Interpolation</a:t>
+            </a:r>
+          </a:p>
+        </p:txBody>
+      </p:sp>
+      <p:sp>
+        <p:nvSpPr>
+          <p:cNvPr id="29" name="TextBox 28">
+            <a:extLst>
+              <a:ext uri="{FF2B5EF4-FFF2-40B4-BE49-F238E27FC236}">
+                <a16:creationId xmlns:a16="http://schemas.microsoft.com/office/drawing/2014/main" id="{45270017-0D59-4F55-B379-B1D806F9FABB}"/>
+              </a:ext>
+            </a:extLst>
+          </p:cNvPr>
+          <p:cNvSpPr txBox="1"/>
+          <p:nvPr/>
+        </p:nvSpPr>
+        <p:spPr>
+          <a:xfrm>
+            <a:off x="5083607" y="1814304"/>
+            <a:ext cx="3283783" cy="261610"/>
+          </a:xfrm>
+          <a:prstGeom prst="rect">
+            <a:avLst/>
+          </a:prstGeom>
+          <a:noFill/>
+        </p:spPr>
+        <p:txBody>
+          <a:bodyPr wrap="square">
+            <a:spAutoFit/>
+          </a:bodyPr>
+          <a:lstStyle/>
+          <a:p>
+            <a:r>
+              <a:rPr lang="en-GB" sz="1100" i="1" dirty="0">
+                <a:effectLst/>
+                <a:latin typeface="Montserrat" pitchFamily="2" charset="77"/>
+              </a:rPr>
+              <a:t>Could Improve Performance</a:t>
+            </a:r>
+          </a:p>
+        </p:txBody>
+      </p:sp>
+      <p:sp>
+        <p:nvSpPr>
+          <p:cNvPr id="30" name="TextBox 29">
+            <a:extLst>
+              <a:ext uri="{FF2B5EF4-FFF2-40B4-BE49-F238E27FC236}">
+                <a16:creationId xmlns:a16="http://schemas.microsoft.com/office/drawing/2014/main" id="{6C421404-AADD-AAD0-3D58-6B873AFD3191}"/>
+              </a:ext>
+            </a:extLst>
+          </p:cNvPr>
+          <p:cNvSpPr txBox="1"/>
+          <p:nvPr/>
+        </p:nvSpPr>
+        <p:spPr>
+          <a:xfrm>
+            <a:off x="5606077" y="2290851"/>
+            <a:ext cx="4315468" cy="261610"/>
+          </a:xfrm>
+          <a:prstGeom prst="rect">
+            <a:avLst/>
+          </a:prstGeom>
+          <a:noFill/>
+        </p:spPr>
+        <p:txBody>
+          <a:bodyPr wrap="square">
+            <a:spAutoFit/>
+          </a:bodyPr>
+          <a:lstStyle/>
+          <a:p>
+            <a:r>
+              <a:rPr lang="en-GB" sz="1100" i="1" dirty="0">
+                <a:latin typeface="Montserrat" pitchFamily="2" charset="77"/>
+              </a:rPr>
+              <a:t>Different Method Could Improve D2</a:t>
+            </a:r>
+            <a:endParaRPr lang="en-GB" sz="1100" i="1" dirty="0">
+              <a:effectLst/>
+              <a:latin typeface="Montserrat" pitchFamily="2" charset="77"/>
+            </a:endParaRPr>
+          </a:p>
+        </p:txBody>
+      </p:sp>
+      <p:sp>
+        <p:nvSpPr>
+          <p:cNvPr id="31" name="TextBox 30">
+            <a:extLst>
+              <a:ext uri="{FF2B5EF4-FFF2-40B4-BE49-F238E27FC236}">
+                <a16:creationId xmlns:a16="http://schemas.microsoft.com/office/drawing/2014/main" id="{802AD562-6EB3-B7AD-DB67-9CEBE15E2752}"/>
+              </a:ext>
+            </a:extLst>
+          </p:cNvPr>
+          <p:cNvSpPr txBox="1"/>
+          <p:nvPr/>
+        </p:nvSpPr>
+        <p:spPr>
+          <a:xfrm>
+            <a:off x="5888084" y="2579287"/>
+            <a:ext cx="2448000" cy="307777"/>
+          </a:xfrm>
+          <a:prstGeom prst="rect">
+            <a:avLst/>
+          </a:prstGeom>
+          <a:noFill/>
+        </p:spPr>
+        <p:txBody>
+          <a:bodyPr wrap="square">
+            <a:spAutoFit/>
+          </a:bodyPr>
+          <a:lstStyle/>
+          <a:p>
+            <a:r>
+              <a:rPr lang="en-GB" b="1" dirty="0">
+                <a:latin typeface="Montserrat" pitchFamily="2" charset="77"/>
+              </a:rPr>
+              <a:t>Cross-Validation</a:t>
+            </a:r>
+            <a:endParaRPr lang="en-GB" sz="1400" b="1" dirty="0">
+              <a:effectLst/>
+              <a:latin typeface="Montserrat" pitchFamily="2" charset="77"/>
+            </a:endParaRPr>
+          </a:p>
+        </p:txBody>
+      </p:sp>
+      <p:sp>
+        <p:nvSpPr>
+          <p:cNvPr id="33" name="TextBox 32">
+            <a:extLst>
+              <a:ext uri="{FF2B5EF4-FFF2-40B4-BE49-F238E27FC236}">
+                <a16:creationId xmlns:a16="http://schemas.microsoft.com/office/drawing/2014/main" id="{C3133D3E-BC28-1408-AD25-126C3343B4C2}"/>
+              </a:ext>
+            </a:extLst>
+          </p:cNvPr>
+          <p:cNvSpPr txBox="1"/>
+          <p:nvPr/>
+        </p:nvSpPr>
+        <p:spPr>
+          <a:xfrm>
+            <a:off x="6060134" y="2799004"/>
+            <a:ext cx="2641792" cy="261610"/>
+          </a:xfrm>
+          <a:prstGeom prst="rect">
+            <a:avLst/>
+          </a:prstGeom>
+          <a:noFill/>
+        </p:spPr>
+        <p:txBody>
+          <a:bodyPr wrap="square">
+            <a:spAutoFit/>
+          </a:bodyPr>
+          <a:lstStyle/>
+          <a:p>
+            <a:r>
+              <a:rPr lang="en-GB" sz="1100" i="1" dirty="0">
+                <a:latin typeface="Montserrat" pitchFamily="2" charset="77"/>
+              </a:rPr>
+              <a:t>Improve Performance</a:t>
+            </a:r>
+            <a:endParaRPr lang="en-GB" sz="1100" i="1" dirty="0">
+              <a:effectLst/>
+              <a:latin typeface="Montserrat" pitchFamily="2" charset="77"/>
+            </a:endParaRPr>
+          </a:p>
+        </p:txBody>
+      </p:sp>
+      <p:sp>
+        <p:nvSpPr>
+          <p:cNvPr id="37" name="TextBox 36">
+            <a:extLst>
+              <a:ext uri="{FF2B5EF4-FFF2-40B4-BE49-F238E27FC236}">
+                <a16:creationId xmlns:a16="http://schemas.microsoft.com/office/drawing/2014/main" id="{6238DBD7-0807-41CF-8526-A056D4505A29}"/>
+              </a:ext>
+            </a:extLst>
+          </p:cNvPr>
+          <p:cNvSpPr txBox="1"/>
+          <p:nvPr/>
+        </p:nvSpPr>
+        <p:spPr>
+          <a:xfrm>
+            <a:off x="6376489" y="3079168"/>
+            <a:ext cx="2641792" cy="307777"/>
+          </a:xfrm>
+          <a:prstGeom prst="rect">
+            <a:avLst/>
+          </a:prstGeom>
+          <a:noFill/>
+        </p:spPr>
+        <p:txBody>
+          <a:bodyPr wrap="square">
+            <a:spAutoFit/>
+          </a:bodyPr>
+          <a:lstStyle/>
+          <a:p>
+            <a:r>
+              <a:rPr lang="en-GB" sz="1400" b="1" dirty="0">
+                <a:effectLst/>
+                <a:latin typeface="Montserrat" pitchFamily="2" charset="77"/>
+              </a:rPr>
+              <a:t>Fine-Tuning</a:t>
+            </a:r>
+          </a:p>
+        </p:txBody>
+      </p:sp>
+      <p:sp>
+        <p:nvSpPr>
+          <p:cNvPr id="38" name="TextBox 37">
+            <a:extLst>
+              <a:ext uri="{FF2B5EF4-FFF2-40B4-BE49-F238E27FC236}">
+                <a16:creationId xmlns:a16="http://schemas.microsoft.com/office/drawing/2014/main" id="{D3928F4C-10A7-F756-2000-44D5DEA1FCE1}"/>
+              </a:ext>
+            </a:extLst>
+          </p:cNvPr>
+          <p:cNvSpPr txBox="1"/>
+          <p:nvPr/>
+        </p:nvSpPr>
+        <p:spPr>
+          <a:xfrm>
+            <a:off x="6541441" y="3299711"/>
+            <a:ext cx="3217719" cy="261610"/>
+          </a:xfrm>
+          <a:prstGeom prst="rect">
+            <a:avLst/>
+          </a:prstGeom>
+          <a:noFill/>
+        </p:spPr>
+        <p:txBody>
+          <a:bodyPr wrap="square">
+            <a:spAutoFit/>
+          </a:bodyPr>
+          <a:lstStyle/>
+          <a:p>
+            <a:r>
+              <a:rPr lang="en-GB" sz="1100" i="1" dirty="0">
+                <a:latin typeface="Montserrat" pitchFamily="2" charset="77"/>
+              </a:rPr>
+              <a:t>Improve Performance and Insights</a:t>
+            </a:r>
+            <a:endParaRPr lang="en-GB" sz="1100" i="1" dirty="0">
+              <a:effectLst/>
+              <a:latin typeface="Montserrat" pitchFamily="2" charset="77"/>
+            </a:endParaRPr>
           </a:p>
         </p:txBody>
       </p:sp>
@@ -10251,7 +13305,7 @@
         </p:nvSpPr>
         <p:spPr>
           <a:xfrm>
-            <a:off x="2889330" y="1991850"/>
+            <a:off x="2889331" y="1991850"/>
             <a:ext cx="3365339" cy="1159800"/>
           </a:xfrm>
           <a:prstGeom prst="rect">
@@ -10335,41 +13389,291 @@
       </p:sp>
       <p:sp>
         <p:nvSpPr>
-          <p:cNvPr id="3" name="TextBox 2">
-            <a:extLst>
-              <a:ext uri="{FF2B5EF4-FFF2-40B4-BE49-F238E27FC236}">
-                <a16:creationId xmlns:a16="http://schemas.microsoft.com/office/drawing/2014/main" id="{CC7EEE3C-AB2F-2E77-BD6D-49B6F1A5CDC2}"/>
-              </a:ext>
-            </a:extLst>
-          </p:cNvPr>
-          <p:cNvSpPr txBox="1"/>
-          <p:nvPr/>
-        </p:nvSpPr>
-        <p:spPr>
-          <a:xfrm>
-            <a:off x="1560136" y="3848476"/>
-            <a:ext cx="4572000" cy="523220"/>
+          <p:cNvPr id="4" name="Google Shape;403;p36">
+            <a:extLst>
+              <a:ext uri="{FF2B5EF4-FFF2-40B4-BE49-F238E27FC236}">
+                <a16:creationId xmlns:a16="http://schemas.microsoft.com/office/drawing/2014/main" id="{54EC4AE8-2CF4-7F68-8203-02AB8B11CDFA}"/>
+              </a:ext>
+            </a:extLst>
+          </p:cNvPr>
+          <p:cNvSpPr txBox="1">
+            <a:spLocks/>
+          </p:cNvSpPr>
+          <p:nvPr/>
+        </p:nvSpPr>
+        <p:spPr>
+          <a:xfrm>
+            <a:off x="3929528" y="1326996"/>
+            <a:ext cx="1284942" cy="733692"/>
           </a:xfrm>
           <a:prstGeom prst="rect">
             <a:avLst/>
           </a:prstGeom>
           <a:noFill/>
-        </p:spPr>
-        <p:txBody>
-          <a:bodyPr wrap="square">
-            <a:spAutoFit/>
+          <a:ln>
+            <a:noFill/>
+          </a:ln>
+        </p:spPr>
+        <p:txBody>
+          <a:bodyPr spcFirstLastPara="1" wrap="square" lIns="91425" tIns="91425" rIns="91425" bIns="91425" anchor="b" anchorCtr="0">
+            <a:noAutofit/>
           </a:bodyPr>
-          <a:lstStyle/>
+          <a:lstStyle>
+            <a:defPPr marR="0" lvl="0" algn="l" rtl="0">
+              <a:lnSpc>
+                <a:spcPct val="100000"/>
+              </a:lnSpc>
+              <a:spcBef>
+                <a:spcPts val="0"/>
+              </a:spcBef>
+              <a:spcAft>
+                <a:spcPts val="0"/>
+              </a:spcAft>
+            </a:defPPr>
+            <a:lvl1pPr marR="0" lvl="0" algn="l" rtl="0">
+              <a:lnSpc>
+                <a:spcPct val="100000"/>
+              </a:lnSpc>
+              <a:spcBef>
+                <a:spcPts val="0"/>
+              </a:spcBef>
+              <a:spcAft>
+                <a:spcPts val="0"/>
+              </a:spcAft>
+              <a:buClr>
+                <a:schemeClr val="accent1"/>
+              </a:buClr>
+              <a:buSzPts val="2000"/>
+              <a:buFont typeface="Roboto Slab"/>
+              <a:buNone/>
+              <a:defRPr sz="2000" b="0" i="0" u="none" strike="noStrike" cap="none">
+                <a:solidFill>
+                  <a:schemeClr val="accent1"/>
+                </a:solidFill>
+                <a:latin typeface="Roboto Slab"/>
+                <a:ea typeface="Roboto Slab"/>
+                <a:cs typeface="Roboto Slab"/>
+                <a:sym typeface="Roboto Slab"/>
+              </a:defRPr>
+            </a:lvl1pPr>
+            <a:lvl2pPr marR="0" lvl="1" algn="l" rtl="0">
+              <a:lnSpc>
+                <a:spcPct val="100000"/>
+              </a:lnSpc>
+              <a:spcBef>
+                <a:spcPts val="0"/>
+              </a:spcBef>
+              <a:spcAft>
+                <a:spcPts val="0"/>
+              </a:spcAft>
+              <a:buClr>
+                <a:schemeClr val="accent1"/>
+              </a:buClr>
+              <a:buSzPts val="2000"/>
+              <a:buFont typeface="Roboto Slab"/>
+              <a:buNone/>
+              <a:defRPr sz="2000" b="0" i="0" u="none" strike="noStrike" cap="none">
+                <a:solidFill>
+                  <a:schemeClr val="accent1"/>
+                </a:solidFill>
+                <a:latin typeface="Roboto Slab"/>
+                <a:ea typeface="Roboto Slab"/>
+                <a:cs typeface="Roboto Slab"/>
+                <a:sym typeface="Roboto Slab"/>
+              </a:defRPr>
+            </a:lvl2pPr>
+            <a:lvl3pPr marR="0" lvl="2" algn="l" rtl="0">
+              <a:lnSpc>
+                <a:spcPct val="100000"/>
+              </a:lnSpc>
+              <a:spcBef>
+                <a:spcPts val="0"/>
+              </a:spcBef>
+              <a:spcAft>
+                <a:spcPts val="0"/>
+              </a:spcAft>
+              <a:buClr>
+                <a:schemeClr val="accent1"/>
+              </a:buClr>
+              <a:buSzPts val="2000"/>
+              <a:buFont typeface="Roboto Slab"/>
+              <a:buNone/>
+              <a:defRPr sz="2000" b="0" i="0" u="none" strike="noStrike" cap="none">
+                <a:solidFill>
+                  <a:schemeClr val="accent1"/>
+                </a:solidFill>
+                <a:latin typeface="Roboto Slab"/>
+                <a:ea typeface="Roboto Slab"/>
+                <a:cs typeface="Roboto Slab"/>
+                <a:sym typeface="Roboto Slab"/>
+              </a:defRPr>
+            </a:lvl3pPr>
+            <a:lvl4pPr marR="0" lvl="3" algn="l" rtl="0">
+              <a:lnSpc>
+                <a:spcPct val="100000"/>
+              </a:lnSpc>
+              <a:spcBef>
+                <a:spcPts val="0"/>
+              </a:spcBef>
+              <a:spcAft>
+                <a:spcPts val="0"/>
+              </a:spcAft>
+              <a:buClr>
+                <a:schemeClr val="accent1"/>
+              </a:buClr>
+              <a:buSzPts val="2000"/>
+              <a:buFont typeface="Roboto Slab"/>
+              <a:buNone/>
+              <a:defRPr sz="2000" b="0" i="0" u="none" strike="noStrike" cap="none">
+                <a:solidFill>
+                  <a:schemeClr val="accent1"/>
+                </a:solidFill>
+                <a:latin typeface="Roboto Slab"/>
+                <a:ea typeface="Roboto Slab"/>
+                <a:cs typeface="Roboto Slab"/>
+                <a:sym typeface="Roboto Slab"/>
+              </a:defRPr>
+            </a:lvl4pPr>
+            <a:lvl5pPr marR="0" lvl="4" algn="l" rtl="0">
+              <a:lnSpc>
+                <a:spcPct val="100000"/>
+              </a:lnSpc>
+              <a:spcBef>
+                <a:spcPts val="0"/>
+              </a:spcBef>
+              <a:spcAft>
+                <a:spcPts val="0"/>
+              </a:spcAft>
+              <a:buClr>
+                <a:schemeClr val="accent1"/>
+              </a:buClr>
+              <a:buSzPts val="2000"/>
+              <a:buFont typeface="Roboto Slab"/>
+              <a:buNone/>
+              <a:defRPr sz="2000" b="0" i="0" u="none" strike="noStrike" cap="none">
+                <a:solidFill>
+                  <a:schemeClr val="accent1"/>
+                </a:solidFill>
+                <a:latin typeface="Roboto Slab"/>
+                <a:ea typeface="Roboto Slab"/>
+                <a:cs typeface="Roboto Slab"/>
+                <a:sym typeface="Roboto Slab"/>
+              </a:defRPr>
+            </a:lvl5pPr>
+            <a:lvl6pPr marR="0" lvl="5" algn="l" rtl="0">
+              <a:lnSpc>
+                <a:spcPct val="100000"/>
+              </a:lnSpc>
+              <a:spcBef>
+                <a:spcPts val="0"/>
+              </a:spcBef>
+              <a:spcAft>
+                <a:spcPts val="0"/>
+              </a:spcAft>
+              <a:buClr>
+                <a:schemeClr val="accent1"/>
+              </a:buClr>
+              <a:buSzPts val="2000"/>
+              <a:buFont typeface="Roboto Slab"/>
+              <a:buNone/>
+              <a:defRPr sz="2000" b="0" i="0" u="none" strike="noStrike" cap="none">
+                <a:solidFill>
+                  <a:schemeClr val="accent1"/>
+                </a:solidFill>
+                <a:latin typeface="Roboto Slab"/>
+                <a:ea typeface="Roboto Slab"/>
+                <a:cs typeface="Roboto Slab"/>
+                <a:sym typeface="Roboto Slab"/>
+              </a:defRPr>
+            </a:lvl6pPr>
+            <a:lvl7pPr marR="0" lvl="6" algn="l" rtl="0">
+              <a:lnSpc>
+                <a:spcPct val="100000"/>
+              </a:lnSpc>
+              <a:spcBef>
+                <a:spcPts val="0"/>
+              </a:spcBef>
+              <a:spcAft>
+                <a:spcPts val="0"/>
+              </a:spcAft>
+              <a:buClr>
+                <a:schemeClr val="accent1"/>
+              </a:buClr>
+              <a:buSzPts val="2000"/>
+              <a:buFont typeface="Roboto Slab"/>
+              <a:buNone/>
+              <a:defRPr sz="2000" b="0" i="0" u="none" strike="noStrike" cap="none">
+                <a:solidFill>
+                  <a:schemeClr val="accent1"/>
+                </a:solidFill>
+                <a:latin typeface="Roboto Slab"/>
+                <a:ea typeface="Roboto Slab"/>
+                <a:cs typeface="Roboto Slab"/>
+                <a:sym typeface="Roboto Slab"/>
+              </a:defRPr>
+            </a:lvl7pPr>
+            <a:lvl8pPr marR="0" lvl="7" algn="l" rtl="0">
+              <a:lnSpc>
+                <a:spcPct val="100000"/>
+              </a:lnSpc>
+              <a:spcBef>
+                <a:spcPts val="0"/>
+              </a:spcBef>
+              <a:spcAft>
+                <a:spcPts val="0"/>
+              </a:spcAft>
+              <a:buClr>
+                <a:schemeClr val="accent1"/>
+              </a:buClr>
+              <a:buSzPts val="2000"/>
+              <a:buFont typeface="Roboto Slab"/>
+              <a:buNone/>
+              <a:defRPr sz="2000" b="0" i="0" u="none" strike="noStrike" cap="none">
+                <a:solidFill>
+                  <a:schemeClr val="accent1"/>
+                </a:solidFill>
+                <a:latin typeface="Roboto Slab"/>
+                <a:ea typeface="Roboto Slab"/>
+                <a:cs typeface="Roboto Slab"/>
+                <a:sym typeface="Roboto Slab"/>
+              </a:defRPr>
+            </a:lvl8pPr>
+            <a:lvl9pPr marR="0" lvl="8" algn="l" rtl="0">
+              <a:lnSpc>
+                <a:spcPct val="100000"/>
+              </a:lnSpc>
+              <a:spcBef>
+                <a:spcPts val="0"/>
+              </a:spcBef>
+              <a:spcAft>
+                <a:spcPts val="0"/>
+              </a:spcAft>
+              <a:buClr>
+                <a:schemeClr val="accent1"/>
+              </a:buClr>
+              <a:buSzPts val="2000"/>
+              <a:buFont typeface="Roboto Slab"/>
+              <a:buNone/>
+              <a:defRPr sz="2000" b="0" i="0" u="none" strike="noStrike" cap="none">
+                <a:solidFill>
+                  <a:schemeClr val="accent1"/>
+                </a:solidFill>
+                <a:latin typeface="Roboto Slab"/>
+                <a:ea typeface="Roboto Slab"/>
+                <a:cs typeface="Roboto Slab"/>
+                <a:sym typeface="Roboto Slab"/>
+              </a:defRPr>
+            </a:lvl9pPr>
+          </a:lstStyle>
           <a:p>
             <a:r>
-              <a:rPr lang="en-IT" dirty="0"/>
-              <a:t>Slide 15: Domande</a:t>
-            </a:r>
-          </a:p>
-          <a:p>
-            <a:r>
-              <a:rPr lang="en-IT" dirty="0"/>
-              <a:t>• Apertura per domande e discussioni</a:t>
+              <a:rPr lang="en-GB" sz="3600" b="1" dirty="0">
+                <a:solidFill>
+                  <a:srgbClr val="0070C0"/>
+                </a:solidFill>
+                <a:latin typeface="Montserrat" pitchFamily="2" charset="77"/>
+              </a:rPr>
+              <a:t>Q&amp;A</a:t>
             </a:r>
           </a:p>
         </p:txBody>

--- a/Docs/Presentation.pptx
+++ b/Docs/Presentation.pptx
@@ -6874,6 +6874,9 @@
                     <p:cTn id="3" fill="hold">
                       <p:stCondLst>
                         <p:cond delay="indefinite"/>
+                        <p:cond evt="onBegin" delay="0">
+                          <p:tn val="2"/>
+                        </p:cond>
                       </p:stCondLst>
                       <p:childTnLst>
                         <p:par>
@@ -6883,9 +6886,9 @@
                             </p:stCondLst>
                             <p:childTnLst>
                               <p:par>
-                                <p:cTn id="5" presetID="1" presetClass="entr" presetSubtype="0" fill="hold" grpId="0" nodeType="clickEffect">
+                                <p:cTn id="5" presetID="1" presetClass="entr" presetSubtype="0" fill="hold" grpId="0" nodeType="withEffect">
                                   <p:stCondLst>
-                                    <p:cond delay="0"/>
+                                    <p:cond delay="500"/>
                                   </p:stCondLst>
                                   <p:childTnLst>
                                     <p:set>
@@ -6912,7 +6915,7 @@
                               <p:par>
                                 <p:cTn id="7" presetID="1" presetClass="entr" presetSubtype="0" fill="hold" grpId="0" nodeType="withEffect">
                                   <p:stCondLst>
-                                    <p:cond delay="0"/>
+                                    <p:cond delay="500"/>
                                   </p:stCondLst>
                                   <p:childTnLst>
                                     <p:set>
@@ -6984,36 +6987,360 @@
                             </p:childTnLst>
                           </p:cTn>
                         </p:par>
+                        <p:par>
+                          <p:cTn id="13" fill="hold">
+                            <p:stCondLst>
+                              <p:cond delay="0"/>
+                            </p:stCondLst>
+                            <p:childTnLst>
+                              <p:par>
+                                <p:cTn id="14" presetID="1" presetClass="entr" presetSubtype="0" fill="hold" grpId="0" nodeType="afterEffect">
+                                  <p:stCondLst>
+                                    <p:cond delay="500"/>
+                                  </p:stCondLst>
+                                  <p:childTnLst>
+                                    <p:set>
+                                      <p:cBhvr>
+                                        <p:cTn id="15" dur="1" fill="hold">
+                                          <p:stCondLst>
+                                            <p:cond delay="0"/>
+                                          </p:stCondLst>
+                                        </p:cTn>
+                                        <p:tgtEl>
+                                          <p:spTgt spid="12"/>
+                                        </p:tgtEl>
+                                        <p:attrNameLst>
+                                          <p:attrName>style.visibility</p:attrName>
+                                        </p:attrNameLst>
+                                      </p:cBhvr>
+                                      <p:to>
+                                        <p:strVal val="visible"/>
+                                      </p:to>
+                                    </p:set>
+                                  </p:childTnLst>
+                                </p:cTn>
+                              </p:par>
+                            </p:childTnLst>
+                          </p:cTn>
+                        </p:par>
+                        <p:par>
+                          <p:cTn id="16" fill="hold">
+                            <p:stCondLst>
+                              <p:cond delay="500"/>
+                            </p:stCondLst>
+                            <p:childTnLst>
+                              <p:par>
+                                <p:cTn id="17" presetID="1" presetClass="entr" presetSubtype="0" fill="hold" grpId="0" nodeType="afterEffect">
+                                  <p:stCondLst>
+                                    <p:cond delay="500"/>
+                                  </p:stCondLst>
+                                  <p:childTnLst>
+                                    <p:set>
+                                      <p:cBhvr>
+                                        <p:cTn id="18" dur="1" fill="hold">
+                                          <p:stCondLst>
+                                            <p:cond delay="0"/>
+                                          </p:stCondLst>
+                                        </p:cTn>
+                                        <p:tgtEl>
+                                          <p:spTgt spid="18"/>
+                                        </p:tgtEl>
+                                        <p:attrNameLst>
+                                          <p:attrName>style.visibility</p:attrName>
+                                        </p:attrNameLst>
+                                      </p:cBhvr>
+                                      <p:to>
+                                        <p:strVal val="visible"/>
+                                      </p:to>
+                                    </p:set>
+                                  </p:childTnLst>
+                                </p:cTn>
+                              </p:par>
+                            </p:childTnLst>
+                          </p:cTn>
+                        </p:par>
+                        <p:par>
+                          <p:cTn id="19" fill="hold">
+                            <p:stCondLst>
+                              <p:cond delay="1000"/>
+                            </p:stCondLst>
+                            <p:childTnLst>
+                              <p:par>
+                                <p:cTn id="20" presetID="1" presetClass="entr" presetSubtype="0" fill="hold" grpId="0" nodeType="afterEffect">
+                                  <p:stCondLst>
+                                    <p:cond delay="500"/>
+                                  </p:stCondLst>
+                                  <p:childTnLst>
+                                    <p:set>
+                                      <p:cBhvr>
+                                        <p:cTn id="21" dur="1" fill="hold">
+                                          <p:stCondLst>
+                                            <p:cond delay="0"/>
+                                          </p:stCondLst>
+                                        </p:cTn>
+                                        <p:tgtEl>
+                                          <p:spTgt spid="19"/>
+                                        </p:tgtEl>
+                                        <p:attrNameLst>
+                                          <p:attrName>style.visibility</p:attrName>
+                                        </p:attrNameLst>
+                                      </p:cBhvr>
+                                      <p:to>
+                                        <p:strVal val="visible"/>
+                                      </p:to>
+                                    </p:set>
+                                  </p:childTnLst>
+                                </p:cTn>
+                              </p:par>
+                            </p:childTnLst>
+                          </p:cTn>
+                        </p:par>
+                        <p:par>
+                          <p:cTn id="22" fill="hold">
+                            <p:stCondLst>
+                              <p:cond delay="1500"/>
+                            </p:stCondLst>
+                            <p:childTnLst>
+                              <p:par>
+                                <p:cTn id="23" presetID="1" presetClass="entr" presetSubtype="0" fill="hold" grpId="0" nodeType="afterEffect">
+                                  <p:stCondLst>
+                                    <p:cond delay="500"/>
+                                  </p:stCondLst>
+                                  <p:childTnLst>
+                                    <p:set>
+                                      <p:cBhvr>
+                                        <p:cTn id="24" dur="1" fill="hold">
+                                          <p:stCondLst>
+                                            <p:cond delay="0"/>
+                                          </p:stCondLst>
+                                        </p:cTn>
+                                        <p:tgtEl>
+                                          <p:spTgt spid="20"/>
+                                        </p:tgtEl>
+                                        <p:attrNameLst>
+                                          <p:attrName>style.visibility</p:attrName>
+                                        </p:attrNameLst>
+                                      </p:cBhvr>
+                                      <p:to>
+                                        <p:strVal val="visible"/>
+                                      </p:to>
+                                    </p:set>
+                                  </p:childTnLst>
+                                </p:cTn>
+                              </p:par>
+                            </p:childTnLst>
+                          </p:cTn>
+                        </p:par>
+                        <p:par>
+                          <p:cTn id="25" fill="hold">
+                            <p:stCondLst>
+                              <p:cond delay="2000"/>
+                            </p:stCondLst>
+                            <p:childTnLst>
+                              <p:par>
+                                <p:cTn id="26" presetID="1" presetClass="entr" presetSubtype="0" fill="hold" grpId="0" nodeType="afterEffect">
+                                  <p:stCondLst>
+                                    <p:cond delay="500"/>
+                                  </p:stCondLst>
+                                  <p:childTnLst>
+                                    <p:set>
+                                      <p:cBhvr>
+                                        <p:cTn id="27" dur="1" fill="hold">
+                                          <p:stCondLst>
+                                            <p:cond delay="0"/>
+                                          </p:stCondLst>
+                                        </p:cTn>
+                                        <p:tgtEl>
+                                          <p:spTgt spid="22"/>
+                                        </p:tgtEl>
+                                        <p:attrNameLst>
+                                          <p:attrName>style.visibility</p:attrName>
+                                        </p:attrNameLst>
+                                      </p:cBhvr>
+                                      <p:to>
+                                        <p:strVal val="visible"/>
+                                      </p:to>
+                                    </p:set>
+                                  </p:childTnLst>
+                                </p:cTn>
+                              </p:par>
+                            </p:childTnLst>
+                          </p:cTn>
+                        </p:par>
+                        <p:par>
+                          <p:cTn id="28" fill="hold">
+                            <p:stCondLst>
+                              <p:cond delay="2500"/>
+                            </p:stCondLst>
+                            <p:childTnLst>
+                              <p:par>
+                                <p:cTn id="29" presetID="1" presetClass="entr" presetSubtype="0" fill="hold" grpId="0" nodeType="afterEffect">
+                                  <p:stCondLst>
+                                    <p:cond delay="500"/>
+                                  </p:stCondLst>
+                                  <p:childTnLst>
+                                    <p:set>
+                                      <p:cBhvr>
+                                        <p:cTn id="30" dur="1" fill="hold">
+                                          <p:stCondLst>
+                                            <p:cond delay="0"/>
+                                          </p:stCondLst>
+                                        </p:cTn>
+                                        <p:tgtEl>
+                                          <p:spTgt spid="21"/>
+                                        </p:tgtEl>
+                                        <p:attrNameLst>
+                                          <p:attrName>style.visibility</p:attrName>
+                                        </p:attrNameLst>
+                                      </p:cBhvr>
+                                      <p:to>
+                                        <p:strVal val="visible"/>
+                                      </p:to>
+                                    </p:set>
+                                  </p:childTnLst>
+                                </p:cTn>
+                              </p:par>
+                            </p:childTnLst>
+                          </p:cTn>
+                        </p:par>
                       </p:childTnLst>
                     </p:cTn>
                   </p:par>
                   <p:par>
-                    <p:cTn id="13" fill="hold">
+                    <p:cTn id="31" fill="hold">
                       <p:stCondLst>
                         <p:cond delay="indefinite"/>
                       </p:stCondLst>
                       <p:childTnLst>
                         <p:par>
-                          <p:cTn id="14" fill="hold">
+                          <p:cTn id="32" fill="hold">
                             <p:stCondLst>
                               <p:cond delay="0"/>
                             </p:stCondLst>
                             <p:childTnLst>
                               <p:par>
-                                <p:cTn id="15" presetID="1" presetClass="entr" presetSubtype="0" fill="hold" nodeType="clickEffect">
+                                <p:cTn id="33" presetID="1" presetClass="entr" presetSubtype="0" fill="hold" nodeType="clickEffect">
                                   <p:stCondLst>
                                     <p:cond delay="0"/>
                                   </p:stCondLst>
                                   <p:childTnLst>
                                     <p:set>
                                       <p:cBhvr>
-                                        <p:cTn id="16" dur="1" fill="hold">
+                                        <p:cTn id="34" dur="1" fill="hold">
                                           <p:stCondLst>
                                             <p:cond delay="0"/>
                                           </p:stCondLst>
                                         </p:cTn>
                                         <p:tgtEl>
                                           <p:spTgt spid="17"/>
+                                        </p:tgtEl>
+                                        <p:attrNameLst>
+                                          <p:attrName>style.visibility</p:attrName>
+                                        </p:attrNameLst>
+                                      </p:cBhvr>
+                                      <p:to>
+                                        <p:strVal val="visible"/>
+                                      </p:to>
+                                    </p:set>
+                                  </p:childTnLst>
+                                </p:cTn>
+                              </p:par>
+                            </p:childTnLst>
+                          </p:cTn>
+                        </p:par>
+                        <p:par>
+                          <p:cTn id="35" fill="hold">
+                            <p:stCondLst>
+                              <p:cond delay="0"/>
+                            </p:stCondLst>
+                            <p:childTnLst>
+                              <p:par>
+                                <p:cTn id="36" presetID="1" presetClass="entr" presetSubtype="0" fill="hold" grpId="0" nodeType="afterEffect">
+                                  <p:stCondLst>
+                                    <p:cond delay="500"/>
+                                  </p:stCondLst>
+                                  <p:childTnLst>
+                                    <p:set>
+                                      <p:cBhvr>
+                                        <p:cTn id="37" dur="1" fill="hold">
+                                          <p:stCondLst>
+                                            <p:cond delay="0"/>
+                                          </p:stCondLst>
+                                        </p:cTn>
+                                        <p:tgtEl>
+                                          <p:spTgt spid="23"/>
+                                        </p:tgtEl>
+                                        <p:attrNameLst>
+                                          <p:attrName>style.visibility</p:attrName>
+                                        </p:attrNameLst>
+                                      </p:cBhvr>
+                                      <p:to>
+                                        <p:strVal val="visible"/>
+                                      </p:to>
+                                    </p:set>
+                                  </p:childTnLst>
+                                </p:cTn>
+                              </p:par>
+                            </p:childTnLst>
+                          </p:cTn>
+                        </p:par>
+                        <p:par>
+                          <p:cTn id="38" fill="hold">
+                            <p:stCondLst>
+                              <p:cond delay="500"/>
+                            </p:stCondLst>
+                            <p:childTnLst>
+                              <p:par>
+                                <p:cTn id="39" presetID="1" presetClass="entr" presetSubtype="0" fill="hold" grpId="0" nodeType="afterEffect">
+                                  <p:stCondLst>
+                                    <p:cond delay="500"/>
+                                  </p:stCondLst>
+                                  <p:childTnLst>
+                                    <p:set>
+                                      <p:cBhvr>
+                                        <p:cTn id="40" dur="1" fill="hold">
+                                          <p:stCondLst>
+                                            <p:cond delay="0"/>
+                                          </p:stCondLst>
+                                        </p:cTn>
+                                        <p:tgtEl>
+                                          <p:spTgt spid="24"/>
+                                        </p:tgtEl>
+                                        <p:attrNameLst>
+                                          <p:attrName>style.visibility</p:attrName>
+                                        </p:attrNameLst>
+                                      </p:cBhvr>
+                                      <p:to>
+                                        <p:strVal val="visible"/>
+                                      </p:to>
+                                    </p:set>
+                                  </p:childTnLst>
+                                </p:cTn>
+                              </p:par>
+                            </p:childTnLst>
+                          </p:cTn>
+                        </p:par>
+                        <p:par>
+                          <p:cTn id="41" fill="hold">
+                            <p:stCondLst>
+                              <p:cond delay="1000"/>
+                            </p:stCondLst>
+                            <p:childTnLst>
+                              <p:par>
+                                <p:cTn id="42" presetID="1" presetClass="entr" presetSubtype="0" fill="hold" grpId="0" nodeType="afterEffect">
+                                  <p:stCondLst>
+                                    <p:cond delay="500"/>
+                                  </p:stCondLst>
+                                  <p:childTnLst>
+                                    <p:set>
+                                      <p:cBhvr>
+                                        <p:cTn id="43" dur="1" fill="hold">
+                                          <p:stCondLst>
+                                            <p:cond delay="0"/>
+                                          </p:stCondLst>
+                                        </p:cTn>
+                                        <p:tgtEl>
+                                          <p:spTgt spid="25"/>
                                         </p:tgtEl>
                                         <p:attrNameLst>
                                           <p:attrName>style.visibility</p:attrName>
@@ -7054,8 +7381,17 @@
       </p:par>
     </p:tnLst>
     <p:bldLst>
+      <p:bldP spid="12" grpId="0"/>
       <p:bldP spid="14" grpId="0"/>
       <p:bldP spid="15" grpId="0"/>
+      <p:bldP spid="18" grpId="0"/>
+      <p:bldP spid="19" grpId="0"/>
+      <p:bldP spid="20" grpId="0"/>
+      <p:bldP spid="21" grpId="0"/>
+      <p:bldP spid="22" grpId="0"/>
+      <p:bldP spid="23" grpId="0"/>
+      <p:bldP spid="24" grpId="0"/>
+      <p:bldP spid="25" grpId="0"/>
     </p:bldLst>
   </p:timing>
 </p:sld>
@@ -7455,7 +7791,7 @@
                               <p:par>
                                 <p:cTn id="5" presetID="1" presetClass="entr" presetSubtype="0" fill="hold" grpId="0" nodeType="withEffect">
                                   <p:stCondLst>
-                                    <p:cond delay="0"/>
+                                    <p:cond delay="500"/>
                                   </p:stCondLst>
                                   <p:childTnLst>
                                     <p:set>
@@ -7482,7 +7818,7 @@
                               <p:par>
                                 <p:cTn id="7" presetID="1" presetClass="entr" presetSubtype="0" fill="hold" grpId="0" nodeType="withEffect">
                                   <p:stCondLst>
-                                    <p:cond delay="0"/>
+                                    <p:cond delay="500"/>
                                   </p:stCondLst>
                                   <p:childTnLst>
                                     <p:set>
@@ -8222,6 +8558,9 @@
                     <p:cTn id="3" fill="hold">
                       <p:stCondLst>
                         <p:cond delay="indefinite"/>
+                        <p:cond evt="onBegin" delay="0">
+                          <p:tn val="2"/>
+                        </p:cond>
                       </p:stCondLst>
                       <p:childTnLst>
                         <p:par>
@@ -8231,9 +8570,9 @@
                             </p:stCondLst>
                             <p:childTnLst>
                               <p:par>
-                                <p:cTn id="5" presetID="1" presetClass="entr" presetSubtype="0" fill="hold" grpId="0" nodeType="clickEffect">
+                                <p:cTn id="5" presetID="1" presetClass="entr" presetSubtype="0" fill="hold" grpId="0" nodeType="withEffect">
                                   <p:stCondLst>
-                                    <p:cond delay="0"/>
+                                    <p:cond delay="500"/>
                                   </p:stCondLst>
                                   <p:childTnLst>
                                     <p:set>
@@ -8260,7 +8599,7 @@
                               <p:par>
                                 <p:cTn id="7" presetID="1" presetClass="entr" presetSubtype="0" fill="hold" grpId="0" nodeType="withEffect">
                                   <p:stCondLst>
-                                    <p:cond delay="0"/>
+                                    <p:cond delay="500"/>
                                   </p:stCondLst>
                                   <p:childTnLst>
                                     <p:set>
@@ -8329,15 +8668,24 @@
                                   </p:childTnLst>
                                 </p:cTn>
                               </p:par>
+                            </p:childTnLst>
+                          </p:cTn>
+                        </p:par>
+                        <p:par>
+                          <p:cTn id="13" fill="hold">
+                            <p:stCondLst>
+                              <p:cond delay="0"/>
+                            </p:stCondLst>
+                            <p:childTnLst>
                               <p:par>
-                                <p:cTn id="13" presetID="1" presetClass="entr" presetSubtype="0" fill="hold" grpId="0" nodeType="withEffect">
+                                <p:cTn id="14" presetID="1" presetClass="entr" presetSubtype="0" fill="hold" grpId="0" nodeType="afterEffect">
                                   <p:stCondLst>
-                                    <p:cond delay="0"/>
+                                    <p:cond delay="500"/>
                                   </p:stCondLst>
                                   <p:childTnLst>
                                     <p:set>
                                       <p:cBhvr>
-                                        <p:cTn id="14" dur="1" fill="hold">
+                                        <p:cTn id="15" dur="1" fill="hold">
                                           <p:stCondLst>
                                             <p:cond delay="0"/>
                                           </p:stCondLst>
@@ -8356,15 +8704,24 @@
                                   </p:childTnLst>
                                 </p:cTn>
                               </p:par>
+                            </p:childTnLst>
+                          </p:cTn>
+                        </p:par>
+                        <p:par>
+                          <p:cTn id="16" fill="hold">
+                            <p:stCondLst>
+                              <p:cond delay="500"/>
+                            </p:stCondLst>
+                            <p:childTnLst>
                               <p:par>
-                                <p:cTn id="15" presetID="1" presetClass="entr" presetSubtype="0" fill="hold" grpId="0" nodeType="withEffect">
+                                <p:cTn id="17" presetID="1" presetClass="entr" presetSubtype="0" fill="hold" grpId="0" nodeType="afterEffect">
                                   <p:stCondLst>
-                                    <p:cond delay="0"/>
+                                    <p:cond delay="500"/>
                                   </p:stCondLst>
                                   <p:childTnLst>
                                     <p:set>
                                       <p:cBhvr>
-                                        <p:cTn id="16" dur="1" fill="hold">
+                                        <p:cTn id="18" dur="1" fill="hold">
                                           <p:stCondLst>
                                             <p:cond delay="0"/>
                                           </p:stCondLst>
@@ -8390,26 +8747,26 @@
                     </p:cTn>
                   </p:par>
                   <p:par>
-                    <p:cTn id="17" fill="hold">
+                    <p:cTn id="19" fill="hold">
                       <p:stCondLst>
                         <p:cond delay="indefinite"/>
                       </p:stCondLst>
                       <p:childTnLst>
                         <p:par>
-                          <p:cTn id="18" fill="hold">
+                          <p:cTn id="20" fill="hold">
                             <p:stCondLst>
                               <p:cond delay="0"/>
                             </p:stCondLst>
                             <p:childTnLst>
                               <p:par>
-                                <p:cTn id="19" presetID="1" presetClass="entr" presetSubtype="0" fill="hold" grpId="0" nodeType="clickEffect">
+                                <p:cTn id="21" presetID="1" presetClass="entr" presetSubtype="0" fill="hold" grpId="0" nodeType="clickEffect">
                                   <p:stCondLst>
                                     <p:cond delay="0"/>
                                   </p:stCondLst>
                                   <p:childTnLst>
                                     <p:set>
                                       <p:cBhvr>
-                                        <p:cTn id="20" dur="1" fill="hold">
+                                        <p:cTn id="22" dur="1" fill="hold">
                                           <p:stCondLst>
                                             <p:cond delay="0"/>
                                           </p:stCondLst>
@@ -8428,15 +8785,24 @@
                                   </p:childTnLst>
                                 </p:cTn>
                               </p:par>
+                            </p:childTnLst>
+                          </p:cTn>
+                        </p:par>
+                        <p:par>
+                          <p:cTn id="23" fill="hold">
+                            <p:stCondLst>
+                              <p:cond delay="0"/>
+                            </p:stCondLst>
+                            <p:childTnLst>
                               <p:par>
-                                <p:cTn id="21" presetID="1" presetClass="entr" presetSubtype="0" fill="hold" grpId="0" nodeType="withEffect">
+                                <p:cTn id="24" presetID="1" presetClass="entr" presetSubtype="0" fill="hold" grpId="0" nodeType="afterEffect">
                                   <p:stCondLst>
-                                    <p:cond delay="0"/>
+                                    <p:cond delay="500"/>
                                   </p:stCondLst>
                                   <p:childTnLst>
                                     <p:set>
                                       <p:cBhvr>
-                                        <p:cTn id="22" dur="1" fill="hold">
+                                        <p:cTn id="25" dur="1" fill="hold">
                                           <p:stCondLst>
                                             <p:cond delay="0"/>
                                           </p:stCondLst>
@@ -8455,15 +8821,24 @@
                                   </p:childTnLst>
                                 </p:cTn>
                               </p:par>
+                            </p:childTnLst>
+                          </p:cTn>
+                        </p:par>
+                        <p:par>
+                          <p:cTn id="26" fill="hold">
+                            <p:stCondLst>
+                              <p:cond delay="500"/>
+                            </p:stCondLst>
+                            <p:childTnLst>
                               <p:par>
-                                <p:cTn id="23" presetID="1" presetClass="entr" presetSubtype="0" fill="hold" grpId="0" nodeType="withEffect">
+                                <p:cTn id="27" presetID="1" presetClass="entr" presetSubtype="0" fill="hold" grpId="0" nodeType="afterEffect">
                                   <p:stCondLst>
-                                    <p:cond delay="0"/>
+                                    <p:cond delay="500"/>
                                   </p:stCondLst>
                                   <p:childTnLst>
                                     <p:set>
                                       <p:cBhvr>
-                                        <p:cTn id="24" dur="1" fill="hold">
+                                        <p:cTn id="28" dur="1" fill="hold">
                                           <p:stCondLst>
                                             <p:cond delay="0"/>
                                           </p:stCondLst>
@@ -9362,6 +9737,9 @@
                     <p:cTn id="3" fill="hold">
                       <p:stCondLst>
                         <p:cond delay="indefinite"/>
+                        <p:cond evt="onBegin" delay="0">
+                          <p:tn val="2"/>
+                        </p:cond>
                       </p:stCondLst>
                       <p:childTnLst>
                         <p:par>
@@ -9371,9 +9749,9 @@
                             </p:stCondLst>
                             <p:childTnLst>
                               <p:par>
-                                <p:cTn id="5" presetID="1" presetClass="entr" presetSubtype="0" fill="hold" grpId="0" nodeType="clickEffect">
+                                <p:cTn id="5" presetID="1" presetClass="entr" presetSubtype="0" fill="hold" grpId="0" nodeType="withEffect">
                                   <p:stCondLst>
-                                    <p:cond delay="0"/>
+                                    <p:cond delay="500"/>
                                   </p:stCondLst>
                                   <p:childTnLst>
                                     <p:set>
@@ -9400,7 +9778,7 @@
                               <p:par>
                                 <p:cTn id="7" presetID="1" presetClass="entr" presetSubtype="0" fill="hold" grpId="0" nodeType="withEffect">
                                   <p:stCondLst>
-                                    <p:cond delay="0"/>
+                                    <p:cond delay="500"/>
                                   </p:stCondLst>
                                   <p:childTnLst>
                                     <p:set>
@@ -10695,6 +11073,9 @@
                     <p:cTn id="3" fill="hold">
                       <p:stCondLst>
                         <p:cond delay="indefinite"/>
+                        <p:cond evt="onBegin" delay="0">
+                          <p:tn val="2"/>
+                        </p:cond>
                       </p:stCondLst>
                       <p:childTnLst>
                         <p:par>
@@ -10704,9 +11085,9 @@
                             </p:stCondLst>
                             <p:childTnLst>
                               <p:par>
-                                <p:cTn id="5" presetID="1" presetClass="entr" presetSubtype="0" fill="hold" grpId="0" nodeType="clickEffect">
+                                <p:cTn id="5" presetID="1" presetClass="entr" presetSubtype="0" fill="hold" grpId="0" nodeType="withEffect">
                                   <p:stCondLst>
-                                    <p:cond delay="0"/>
+                                    <p:cond delay="500"/>
                                   </p:stCondLst>
                                   <p:childTnLst>
                                     <p:set>
@@ -10733,7 +11114,7 @@
                               <p:par>
                                 <p:cTn id="7" presetID="1" presetClass="entr" presetSubtype="0" fill="hold" grpId="0" nodeType="withEffect">
                                   <p:stCondLst>
-                                    <p:cond delay="0"/>
+                                    <p:cond delay="500"/>
                                   </p:stCondLst>
                                   <p:childTnLst>
                                     <p:set>
@@ -11464,6 +11845,120 @@
   <p:clrMapOvr>
     <a:masterClrMapping/>
   </p:clrMapOvr>
+  <p:timing>
+    <p:tnLst>
+      <p:par>
+        <p:cTn id="1" dur="indefinite" restart="never" nodeType="tmRoot">
+          <p:childTnLst>
+            <p:seq concurrent="1" nextAc="seek">
+              <p:cTn id="2" dur="indefinite" nodeType="mainSeq">
+                <p:childTnLst>
+                  <p:par>
+                    <p:cTn id="3" fill="hold">
+                      <p:stCondLst>
+                        <p:cond delay="indefinite"/>
+                        <p:cond evt="onBegin" delay="0">
+                          <p:tn val="2"/>
+                        </p:cond>
+                      </p:stCondLst>
+                      <p:childTnLst>
+                        <p:par>
+                          <p:cTn id="4" fill="hold">
+                            <p:stCondLst>
+                              <p:cond delay="0"/>
+                            </p:stCondLst>
+                            <p:childTnLst>
+                              <p:par>
+                                <p:cTn id="5" presetID="1" presetClass="entr" presetSubtype="0" fill="hold" nodeType="afterEffect">
+                                  <p:stCondLst>
+                                    <p:cond delay="500"/>
+                                  </p:stCondLst>
+                                  <p:childTnLst>
+                                    <p:set>
+                                      <p:cBhvr>
+                                        <p:cTn id="6" dur="1" fill="hold">
+                                          <p:stCondLst>
+                                            <p:cond delay="0"/>
+                                          </p:stCondLst>
+                                        </p:cTn>
+                                        <p:tgtEl>
+                                          <p:spTgt spid="14"/>
+                                        </p:tgtEl>
+                                        <p:attrNameLst>
+                                          <p:attrName>style.visibility</p:attrName>
+                                        </p:attrNameLst>
+                                      </p:cBhvr>
+                                      <p:to>
+                                        <p:strVal val="visible"/>
+                                      </p:to>
+                                    </p:set>
+                                  </p:childTnLst>
+                                </p:cTn>
+                              </p:par>
+                            </p:childTnLst>
+                          </p:cTn>
+                        </p:par>
+                        <p:par>
+                          <p:cTn id="7" fill="hold">
+                            <p:stCondLst>
+                              <p:cond delay="500"/>
+                            </p:stCondLst>
+                            <p:childTnLst>
+                              <p:par>
+                                <p:cTn id="8" presetID="1" presetClass="entr" presetSubtype="0" fill="hold" nodeType="afterEffect">
+                                  <p:stCondLst>
+                                    <p:cond delay="500"/>
+                                  </p:stCondLst>
+                                  <p:childTnLst>
+                                    <p:set>
+                                      <p:cBhvr>
+                                        <p:cTn id="9" dur="1" fill="hold">
+                                          <p:stCondLst>
+                                            <p:cond delay="0"/>
+                                          </p:stCondLst>
+                                        </p:cTn>
+                                        <p:tgtEl>
+                                          <p:spTgt spid="16"/>
+                                        </p:tgtEl>
+                                        <p:attrNameLst>
+                                          <p:attrName>style.visibility</p:attrName>
+                                        </p:attrNameLst>
+                                      </p:cBhvr>
+                                      <p:to>
+                                        <p:strVal val="visible"/>
+                                      </p:to>
+                                    </p:set>
+                                  </p:childTnLst>
+                                </p:cTn>
+                              </p:par>
+                            </p:childTnLst>
+                          </p:cTn>
+                        </p:par>
+                      </p:childTnLst>
+                    </p:cTn>
+                  </p:par>
+                </p:childTnLst>
+              </p:cTn>
+              <p:prevCondLst>
+                <p:cond evt="onPrev" delay="0">
+                  <p:tgtEl>
+                    <p:sldTgt/>
+                  </p:tgtEl>
+                </p:cond>
+              </p:prevCondLst>
+              <p:nextCondLst>
+                <p:cond evt="onNext" delay="0">
+                  <p:tgtEl>
+                    <p:sldTgt/>
+                  </p:tgtEl>
+                </p:cond>
+              </p:nextCondLst>
+            </p:seq>
+          </p:childTnLst>
+        </p:cTn>
+      </p:par>
+    </p:tnLst>
+  </p:timing>
 </p:sld>
 </file>
 
@@ -12167,6 +12662,502 @@
   <p:clrMapOvr>
     <a:masterClrMapping/>
   </p:clrMapOvr>
+  <p:timing>
+    <p:tnLst>
+      <p:par>
+        <p:cTn id="1" dur="indefinite" restart="never" nodeType="tmRoot">
+          <p:childTnLst>
+            <p:seq concurrent="1" nextAc="seek">
+              <p:cTn id="2" dur="indefinite" nodeType="mainSeq">
+                <p:childTnLst>
+                  <p:par>
+                    <p:cTn id="3" fill="hold">
+                      <p:stCondLst>
+                        <p:cond delay="indefinite"/>
+                        <p:cond evt="onBegin" delay="0">
+                          <p:tn val="2"/>
+                        </p:cond>
+                      </p:stCondLst>
+                      <p:childTnLst>
+                        <p:par>
+                          <p:cTn id="4" fill="hold">
+                            <p:stCondLst>
+                              <p:cond delay="0"/>
+                            </p:stCondLst>
+                            <p:childTnLst>
+                              <p:par>
+                                <p:cTn id="5" presetID="1" presetClass="entr" presetSubtype="0" fill="hold" grpId="0" nodeType="withEffect">
+                                  <p:stCondLst>
+                                    <p:cond delay="500"/>
+                                  </p:stCondLst>
+                                  <p:childTnLst>
+                                    <p:set>
+                                      <p:cBhvr>
+                                        <p:cTn id="6" dur="1" fill="hold">
+                                          <p:stCondLst>
+                                            <p:cond delay="0"/>
+                                          </p:stCondLst>
+                                        </p:cTn>
+                                        <p:tgtEl>
+                                          <p:spTgt spid="17"/>
+                                        </p:tgtEl>
+                                        <p:attrNameLst>
+                                          <p:attrName>style.visibility</p:attrName>
+                                        </p:attrNameLst>
+                                      </p:cBhvr>
+                                      <p:to>
+                                        <p:strVal val="visible"/>
+                                      </p:to>
+                                    </p:set>
+                                  </p:childTnLst>
+                                </p:cTn>
+                              </p:par>
+                            </p:childTnLst>
+                          </p:cTn>
+                        </p:par>
+                      </p:childTnLst>
+                    </p:cTn>
+                  </p:par>
+                  <p:par>
+                    <p:cTn id="7" fill="hold">
+                      <p:stCondLst>
+                        <p:cond delay="indefinite"/>
+                      </p:stCondLst>
+                      <p:childTnLst>
+                        <p:par>
+                          <p:cTn id="8" fill="hold">
+                            <p:stCondLst>
+                              <p:cond delay="0"/>
+                            </p:stCondLst>
+                            <p:childTnLst>
+                              <p:par>
+                                <p:cTn id="9" presetID="1" presetClass="entr" presetSubtype="0" fill="hold" nodeType="clickEffect">
+                                  <p:stCondLst>
+                                    <p:cond delay="0"/>
+                                  </p:stCondLst>
+                                  <p:childTnLst>
+                                    <p:set>
+                                      <p:cBhvr>
+                                        <p:cTn id="10" dur="1" fill="hold">
+                                          <p:stCondLst>
+                                            <p:cond delay="0"/>
+                                          </p:stCondLst>
+                                        </p:cTn>
+                                        <p:tgtEl>
+                                          <p:spTgt spid="18"/>
+                                        </p:tgtEl>
+                                        <p:attrNameLst>
+                                          <p:attrName>style.visibility</p:attrName>
+                                        </p:attrNameLst>
+                                      </p:cBhvr>
+                                      <p:to>
+                                        <p:strVal val="visible"/>
+                                      </p:to>
+                                    </p:set>
+                                  </p:childTnLst>
+                                </p:cTn>
+                              </p:par>
+                            </p:childTnLst>
+                          </p:cTn>
+                        </p:par>
+                        <p:par>
+                          <p:cTn id="11" fill="hold">
+                            <p:stCondLst>
+                              <p:cond delay="0"/>
+                            </p:stCondLst>
+                            <p:childTnLst>
+                              <p:par>
+                                <p:cTn id="12" presetID="1" presetClass="entr" presetSubtype="0" fill="hold" grpId="0" nodeType="afterEffect">
+                                  <p:stCondLst>
+                                    <p:cond delay="500"/>
+                                  </p:stCondLst>
+                                  <p:childTnLst>
+                                    <p:set>
+                                      <p:cBhvr>
+                                        <p:cTn id="13" dur="1" fill="hold">
+                                          <p:stCondLst>
+                                            <p:cond delay="0"/>
+                                          </p:stCondLst>
+                                        </p:cTn>
+                                        <p:tgtEl>
+                                          <p:spTgt spid="16"/>
+                                        </p:tgtEl>
+                                        <p:attrNameLst>
+                                          <p:attrName>style.visibility</p:attrName>
+                                        </p:attrNameLst>
+                                      </p:cBhvr>
+                                      <p:to>
+                                        <p:strVal val="visible"/>
+                                      </p:to>
+                                    </p:set>
+                                  </p:childTnLst>
+                                </p:cTn>
+                              </p:par>
+                            </p:childTnLst>
+                          </p:cTn>
+                        </p:par>
+                        <p:par>
+                          <p:cTn id="14" fill="hold">
+                            <p:stCondLst>
+                              <p:cond delay="500"/>
+                            </p:stCondLst>
+                            <p:childTnLst>
+                              <p:par>
+                                <p:cTn id="15" presetID="1" presetClass="entr" presetSubtype="0" fill="hold" grpId="0" nodeType="afterEffect">
+                                  <p:stCondLst>
+                                    <p:cond delay="500"/>
+                                  </p:stCondLst>
+                                  <p:childTnLst>
+                                    <p:set>
+                                      <p:cBhvr>
+                                        <p:cTn id="16" dur="1" fill="hold">
+                                          <p:stCondLst>
+                                            <p:cond delay="0"/>
+                                          </p:stCondLst>
+                                        </p:cTn>
+                                        <p:tgtEl>
+                                          <p:spTgt spid="23"/>
+                                        </p:tgtEl>
+                                        <p:attrNameLst>
+                                          <p:attrName>style.visibility</p:attrName>
+                                        </p:attrNameLst>
+                                      </p:cBhvr>
+                                      <p:to>
+                                        <p:strVal val="visible"/>
+                                      </p:to>
+                                    </p:set>
+                                  </p:childTnLst>
+                                </p:cTn>
+                              </p:par>
+                            </p:childTnLst>
+                          </p:cTn>
+                        </p:par>
+                        <p:par>
+                          <p:cTn id="17" fill="hold">
+                            <p:stCondLst>
+                              <p:cond delay="1000"/>
+                            </p:stCondLst>
+                            <p:childTnLst>
+                              <p:par>
+                                <p:cTn id="18" presetID="1" presetClass="entr" presetSubtype="0" fill="hold" grpId="0" nodeType="afterEffect">
+                                  <p:stCondLst>
+                                    <p:cond delay="500"/>
+                                  </p:stCondLst>
+                                  <p:childTnLst>
+                                    <p:set>
+                                      <p:cBhvr>
+                                        <p:cTn id="19" dur="1" fill="hold">
+                                          <p:stCondLst>
+                                            <p:cond delay="0"/>
+                                          </p:stCondLst>
+                                        </p:cTn>
+                                        <p:tgtEl>
+                                          <p:spTgt spid="21"/>
+                                        </p:tgtEl>
+                                        <p:attrNameLst>
+                                          <p:attrName>style.visibility</p:attrName>
+                                        </p:attrNameLst>
+                                      </p:cBhvr>
+                                      <p:to>
+                                        <p:strVal val="visible"/>
+                                      </p:to>
+                                    </p:set>
+                                  </p:childTnLst>
+                                </p:cTn>
+                              </p:par>
+                            </p:childTnLst>
+                          </p:cTn>
+                        </p:par>
+                        <p:par>
+                          <p:cTn id="20" fill="hold">
+                            <p:stCondLst>
+                              <p:cond delay="1500"/>
+                            </p:stCondLst>
+                            <p:childTnLst>
+                              <p:par>
+                                <p:cTn id="21" presetID="1" presetClass="entr" presetSubtype="0" fill="hold" grpId="0" nodeType="afterEffect">
+                                  <p:stCondLst>
+                                    <p:cond delay="500"/>
+                                  </p:stCondLst>
+                                  <p:childTnLst>
+                                    <p:set>
+                                      <p:cBhvr>
+                                        <p:cTn id="22" dur="1" fill="hold">
+                                          <p:stCondLst>
+                                            <p:cond delay="0"/>
+                                          </p:stCondLst>
+                                        </p:cTn>
+                                        <p:tgtEl>
+                                          <p:spTgt spid="24"/>
+                                        </p:tgtEl>
+                                        <p:attrNameLst>
+                                          <p:attrName>style.visibility</p:attrName>
+                                        </p:attrNameLst>
+                                      </p:cBhvr>
+                                      <p:to>
+                                        <p:strVal val="visible"/>
+                                      </p:to>
+                                    </p:set>
+                                  </p:childTnLst>
+                                </p:cTn>
+                              </p:par>
+                            </p:childTnLst>
+                          </p:cTn>
+                        </p:par>
+                        <p:par>
+                          <p:cTn id="23" fill="hold">
+                            <p:stCondLst>
+                              <p:cond delay="2000"/>
+                            </p:stCondLst>
+                            <p:childTnLst>
+                              <p:par>
+                                <p:cTn id="24" presetID="1" presetClass="entr" presetSubtype="0" fill="hold" grpId="0" nodeType="afterEffect">
+                                  <p:stCondLst>
+                                    <p:cond delay="500"/>
+                                  </p:stCondLst>
+                                  <p:childTnLst>
+                                    <p:set>
+                                      <p:cBhvr>
+                                        <p:cTn id="25" dur="1" fill="hold">
+                                          <p:stCondLst>
+                                            <p:cond delay="0"/>
+                                          </p:stCondLst>
+                                        </p:cTn>
+                                        <p:tgtEl>
+                                          <p:spTgt spid="25"/>
+                                        </p:tgtEl>
+                                        <p:attrNameLst>
+                                          <p:attrName>style.visibility</p:attrName>
+                                        </p:attrNameLst>
+                                      </p:cBhvr>
+                                      <p:to>
+                                        <p:strVal val="visible"/>
+                                      </p:to>
+                                    </p:set>
+                                  </p:childTnLst>
+                                </p:cTn>
+                              </p:par>
+                            </p:childTnLst>
+                          </p:cTn>
+                        </p:par>
+                        <p:par>
+                          <p:cTn id="26" fill="hold">
+                            <p:stCondLst>
+                              <p:cond delay="2500"/>
+                            </p:stCondLst>
+                            <p:childTnLst>
+                              <p:par>
+                                <p:cTn id="27" presetID="1" presetClass="entr" presetSubtype="0" fill="hold" grpId="0" nodeType="afterEffect">
+                                  <p:stCondLst>
+                                    <p:cond delay="500"/>
+                                  </p:stCondLst>
+                                  <p:childTnLst>
+                                    <p:set>
+                                      <p:cBhvr>
+                                        <p:cTn id="28" dur="1" fill="hold">
+                                          <p:stCondLst>
+                                            <p:cond delay="0"/>
+                                          </p:stCondLst>
+                                        </p:cTn>
+                                        <p:tgtEl>
+                                          <p:spTgt spid="27"/>
+                                        </p:tgtEl>
+                                        <p:attrNameLst>
+                                          <p:attrName>style.visibility</p:attrName>
+                                        </p:attrNameLst>
+                                      </p:cBhvr>
+                                      <p:to>
+                                        <p:strVal val="visible"/>
+                                      </p:to>
+                                    </p:set>
+                                  </p:childTnLst>
+                                </p:cTn>
+                              </p:par>
+                            </p:childTnLst>
+                          </p:cTn>
+                        </p:par>
+                        <p:par>
+                          <p:cTn id="29" fill="hold">
+                            <p:stCondLst>
+                              <p:cond delay="3000"/>
+                            </p:stCondLst>
+                            <p:childTnLst>
+                              <p:par>
+                                <p:cTn id="30" presetID="1" presetClass="entr" presetSubtype="0" fill="hold" grpId="0" nodeType="afterEffect">
+                                  <p:stCondLst>
+                                    <p:cond delay="500"/>
+                                  </p:stCondLst>
+                                  <p:childTnLst>
+                                    <p:set>
+                                      <p:cBhvr>
+                                        <p:cTn id="31" dur="1" fill="hold">
+                                          <p:stCondLst>
+                                            <p:cond delay="0"/>
+                                          </p:stCondLst>
+                                        </p:cTn>
+                                        <p:tgtEl>
+                                          <p:spTgt spid="26"/>
+                                        </p:tgtEl>
+                                        <p:attrNameLst>
+                                          <p:attrName>style.visibility</p:attrName>
+                                        </p:attrNameLst>
+                                      </p:cBhvr>
+                                      <p:to>
+                                        <p:strVal val="visible"/>
+                                      </p:to>
+                                    </p:set>
+                                  </p:childTnLst>
+                                </p:cTn>
+                              </p:par>
+                            </p:childTnLst>
+                          </p:cTn>
+                        </p:par>
+                        <p:par>
+                          <p:cTn id="32" fill="hold">
+                            <p:stCondLst>
+                              <p:cond delay="3500"/>
+                            </p:stCondLst>
+                            <p:childTnLst>
+                              <p:par>
+                                <p:cTn id="33" presetID="1" presetClass="entr" presetSubtype="0" fill="hold" grpId="0" nodeType="afterEffect">
+                                  <p:stCondLst>
+                                    <p:cond delay="500"/>
+                                  </p:stCondLst>
+                                  <p:childTnLst>
+                                    <p:set>
+                                      <p:cBhvr>
+                                        <p:cTn id="34" dur="1" fill="hold">
+                                          <p:stCondLst>
+                                            <p:cond delay="0"/>
+                                          </p:stCondLst>
+                                        </p:cTn>
+                                        <p:tgtEl>
+                                          <p:spTgt spid="28"/>
+                                        </p:tgtEl>
+                                        <p:attrNameLst>
+                                          <p:attrName>style.visibility</p:attrName>
+                                        </p:attrNameLst>
+                                      </p:cBhvr>
+                                      <p:to>
+                                        <p:strVal val="visible"/>
+                                      </p:to>
+                                    </p:set>
+                                  </p:childTnLst>
+                                </p:cTn>
+                              </p:par>
+                            </p:childTnLst>
+                          </p:cTn>
+                        </p:par>
+                        <p:par>
+                          <p:cTn id="35" fill="hold">
+                            <p:stCondLst>
+                              <p:cond delay="4000"/>
+                            </p:stCondLst>
+                            <p:childTnLst>
+                              <p:par>
+                                <p:cTn id="36" presetID="1" presetClass="entr" presetSubtype="0" fill="hold" grpId="0" nodeType="afterEffect">
+                                  <p:stCondLst>
+                                    <p:cond delay="500"/>
+                                  </p:stCondLst>
+                                  <p:childTnLst>
+                                    <p:set>
+                                      <p:cBhvr>
+                                        <p:cTn id="37" dur="1" fill="hold">
+                                          <p:stCondLst>
+                                            <p:cond delay="0"/>
+                                          </p:stCondLst>
+                                        </p:cTn>
+                                        <p:tgtEl>
+                                          <p:spTgt spid="29"/>
+                                        </p:tgtEl>
+                                        <p:attrNameLst>
+                                          <p:attrName>style.visibility</p:attrName>
+                                        </p:attrNameLst>
+                                      </p:cBhvr>
+                                      <p:to>
+                                        <p:strVal val="visible"/>
+                                      </p:to>
+                                    </p:set>
+                                  </p:childTnLst>
+                                </p:cTn>
+                              </p:par>
+                            </p:childTnLst>
+                          </p:cTn>
+                        </p:par>
+                        <p:par>
+                          <p:cTn id="38" fill="hold">
+                            <p:stCondLst>
+                              <p:cond delay="4500"/>
+                            </p:stCondLst>
+                            <p:childTnLst>
+                              <p:par>
+                                <p:cTn id="39" presetID="1" presetClass="entr" presetSubtype="0" fill="hold" grpId="0" nodeType="afterEffect">
+                                  <p:stCondLst>
+                                    <p:cond delay="500"/>
+                                  </p:stCondLst>
+                                  <p:childTnLst>
+                                    <p:set>
+                                      <p:cBhvr>
+                                        <p:cTn id="40" dur="1" fill="hold">
+                                          <p:stCondLst>
+                                            <p:cond delay="0"/>
+                                          </p:stCondLst>
+                                        </p:cTn>
+                                        <p:tgtEl>
+                                          <p:spTgt spid="31"/>
+                                        </p:tgtEl>
+                                        <p:attrNameLst>
+                                          <p:attrName>style.visibility</p:attrName>
+                                        </p:attrNameLst>
+                                      </p:cBhvr>
+                                      <p:to>
+                                        <p:strVal val="visible"/>
+                                      </p:to>
+                                    </p:set>
+                                  </p:childTnLst>
+                                </p:cTn>
+                              </p:par>
+                            </p:childTnLst>
+                          </p:cTn>
+                        </p:par>
+                      </p:childTnLst>
+                    </p:cTn>
+                  </p:par>
+                </p:childTnLst>
+              </p:cTn>
+              <p:prevCondLst>
+                <p:cond evt="onPrev" delay="0">
+                  <p:tgtEl>
+                    <p:sldTgt/>
+                  </p:tgtEl>
+                </p:cond>
+              </p:prevCondLst>
+              <p:nextCondLst>
+                <p:cond evt="onNext" delay="0">
+                  <p:tgtEl>
+                    <p:sldTgt/>
+                  </p:tgtEl>
+                </p:cond>
+              </p:nextCondLst>
+            </p:seq>
+          </p:childTnLst>
+        </p:cTn>
+      </p:par>
+    </p:tnLst>
+    <p:bldLst>
+      <p:bldP spid="16" grpId="0"/>
+      <p:bldP spid="17" grpId="0"/>
+      <p:bldP spid="21" grpId="0"/>
+      <p:bldP spid="23" grpId="0"/>
+      <p:bldP spid="24" grpId="0"/>
+      <p:bldP spid="25" grpId="0"/>
+      <p:bldP spid="26" grpId="0"/>
+      <p:bldP spid="27" grpId="0"/>
+      <p:bldP spid="28" grpId="0"/>
+      <p:bldP spid="29" grpId="0"/>
+      <p:bldP spid="31" grpId="0"/>
+    </p:bldLst>
+  </p:timing>
 </p:sld>
 </file>
 
@@ -12390,7 +13381,7 @@
         </p:nvSpPr>
         <p:spPr>
           <a:xfrm>
-            <a:off x="441513" y="1594587"/>
+            <a:off x="587301" y="1594587"/>
             <a:ext cx="2770150" cy="307777"/>
           </a:xfrm>
           <a:prstGeom prst="rect">
@@ -12428,7 +13419,7 @@
         </p:nvSpPr>
         <p:spPr>
           <a:xfrm>
-            <a:off x="2340" y="1231909"/>
+            <a:off x="478328" y="1231909"/>
             <a:ext cx="1737244" cy="369332"/>
           </a:xfrm>
           <a:prstGeom prst="rect">
@@ -12469,14 +13460,14 @@
             </a:extLst>
           </p:cNvPr>
           <p:cNvCxnSpPr>
-            <a:cxnSpLocks noChangeAspect="1"/>
+            <a:cxnSpLocks/>
           </p:cNvCxnSpPr>
           <p:nvPr/>
         </p:nvCxnSpPr>
         <p:spPr>
           <a:xfrm>
-            <a:off x="88363" y="1546266"/>
-            <a:ext cx="2448000" cy="2483880"/>
+            <a:off x="583401" y="1546266"/>
+            <a:ext cx="0" cy="2483880"/>
           </a:xfrm>
           <a:prstGeom prst="line">
             <a:avLst/>
@@ -12511,7 +13502,7 @@
         </p:nvSpPr>
         <p:spPr>
           <a:xfrm>
-            <a:off x="937624" y="2092612"/>
+            <a:off x="588112" y="2092612"/>
             <a:ext cx="4186352" cy="307777"/>
           </a:xfrm>
           <a:prstGeom prst="rect">
@@ -12549,7 +13540,7 @@
         </p:nvSpPr>
         <p:spPr>
           <a:xfrm>
-            <a:off x="613562" y="1814304"/>
+            <a:off x="587900" y="1814304"/>
             <a:ext cx="3283783" cy="261610"/>
           </a:xfrm>
           <a:prstGeom prst="rect">
@@ -12590,7 +13581,7 @@
         </p:nvSpPr>
         <p:spPr>
           <a:xfrm>
-            <a:off x="1102576" y="2313155"/>
+            <a:off x="587964" y="2313155"/>
             <a:ext cx="4315468" cy="261610"/>
           </a:xfrm>
           <a:prstGeom prst="rect">
@@ -12631,7 +13622,7 @@
         </p:nvSpPr>
         <p:spPr>
           <a:xfrm>
-            <a:off x="1418039" y="2579287"/>
+            <a:off x="592277" y="2579287"/>
             <a:ext cx="2448000" cy="307777"/>
           </a:xfrm>
           <a:prstGeom prst="rect">
@@ -12672,7 +13663,7 @@
         </p:nvSpPr>
         <p:spPr>
           <a:xfrm>
-            <a:off x="1914150" y="3077312"/>
+            <a:off x="593088" y="3077312"/>
             <a:ext cx="2641792" cy="307777"/>
           </a:xfrm>
           <a:prstGeom prst="rect">
@@ -12710,7 +13701,7 @@
         </p:nvSpPr>
         <p:spPr>
           <a:xfrm>
-            <a:off x="1590089" y="2799004"/>
+            <a:off x="592877" y="2799004"/>
             <a:ext cx="2641792" cy="261610"/>
           </a:xfrm>
           <a:prstGeom prst="rect">
@@ -12751,7 +13742,7 @@
         </p:nvSpPr>
         <p:spPr>
           <a:xfrm>
-            <a:off x="2079102" y="3297855"/>
+            <a:off x="592940" y="3297855"/>
             <a:ext cx="3217719" cy="261610"/>
           </a:xfrm>
           <a:prstGeom prst="rect">
@@ -12789,7 +13780,7 @@
         </p:nvSpPr>
         <p:spPr>
           <a:xfrm>
-            <a:off x="2381087" y="3559465"/>
+            <a:off x="590125" y="3559465"/>
             <a:ext cx="2915734" cy="307777"/>
           </a:xfrm>
           <a:prstGeom prst="rect">
@@ -12811,10 +13802,10 @@
               <a:t>Impact of </a:t>
             </a:r>
             <a:r>
-              <a:rPr lang="en-GB" b="1" dirty="0" err="1">
+              <a:rPr lang="en-GB" b="1" dirty="0">
                 <a:latin typeface="Montserrat" pitchFamily="2" charset="77"/>
               </a:rPr>
-              <a:t>Precidions</a:t>
+              <a:t>Real Values</a:t>
             </a:r>
             <a:endParaRPr lang="en-GB" sz="1400" b="1" dirty="0">
               <a:effectLst/>
@@ -12837,7 +13828,7 @@
         </p:nvSpPr>
         <p:spPr>
           <a:xfrm>
-            <a:off x="2553135" y="3779182"/>
+            <a:off x="590723" y="3779182"/>
             <a:ext cx="1868313" cy="261610"/>
           </a:xfrm>
           <a:prstGeom prst="rect">
@@ -12878,7 +13869,7 @@
         </p:nvSpPr>
         <p:spPr>
           <a:xfrm>
-            <a:off x="4911558" y="1594587"/>
+            <a:off x="5057346" y="1594587"/>
             <a:ext cx="2770150" cy="307777"/>
           </a:xfrm>
           <a:prstGeom prst="rect">
@@ -12916,7 +13907,7 @@
         </p:nvSpPr>
         <p:spPr>
           <a:xfrm>
-            <a:off x="4472385" y="1231909"/>
+            <a:off x="4948373" y="1231909"/>
             <a:ext cx="2274100" cy="369332"/>
           </a:xfrm>
           <a:prstGeom prst="rect">
@@ -12947,24 +13938,302 @@
           </a:p>
         </p:txBody>
       </p:sp>
+      <p:sp>
+        <p:nvSpPr>
+          <p:cNvPr id="28" name="TextBox 27">
+            <a:extLst>
+              <a:ext uri="{FF2B5EF4-FFF2-40B4-BE49-F238E27FC236}">
+                <a16:creationId xmlns:a16="http://schemas.microsoft.com/office/drawing/2014/main" id="{A10E2C7D-B5AD-4DAE-0585-299157F60A11}"/>
+              </a:ext>
+            </a:extLst>
+          </p:cNvPr>
+          <p:cNvSpPr txBox="1"/>
+          <p:nvPr/>
+        </p:nvSpPr>
+        <p:spPr>
+          <a:xfrm>
+            <a:off x="5053513" y="2070308"/>
+            <a:ext cx="4186352" cy="307777"/>
+          </a:xfrm>
+          <a:prstGeom prst="rect">
+            <a:avLst/>
+          </a:prstGeom>
+          <a:noFill/>
+        </p:spPr>
+        <p:txBody>
+          <a:bodyPr wrap="square">
+            <a:spAutoFit/>
+          </a:bodyPr>
+          <a:lstStyle/>
+          <a:p>
+            <a:r>
+              <a:rPr lang="en-GB" sz="1400" b="1" dirty="0">
+                <a:effectLst/>
+                <a:latin typeface="Montserrat" pitchFamily="2" charset="77"/>
+              </a:rPr>
+              <a:t>Interpolation</a:t>
+            </a:r>
+          </a:p>
+        </p:txBody>
+      </p:sp>
+      <p:sp>
+        <p:nvSpPr>
+          <p:cNvPr id="29" name="TextBox 28">
+            <a:extLst>
+              <a:ext uri="{FF2B5EF4-FFF2-40B4-BE49-F238E27FC236}">
+                <a16:creationId xmlns:a16="http://schemas.microsoft.com/office/drawing/2014/main" id="{45270017-0D59-4F55-B379-B1D806F9FABB}"/>
+              </a:ext>
+            </a:extLst>
+          </p:cNvPr>
+          <p:cNvSpPr txBox="1"/>
+          <p:nvPr/>
+        </p:nvSpPr>
+        <p:spPr>
+          <a:xfrm>
+            <a:off x="5051595" y="1814304"/>
+            <a:ext cx="3283783" cy="261610"/>
+          </a:xfrm>
+          <a:prstGeom prst="rect">
+            <a:avLst/>
+          </a:prstGeom>
+          <a:noFill/>
+        </p:spPr>
+        <p:txBody>
+          <a:bodyPr wrap="square">
+            <a:spAutoFit/>
+          </a:bodyPr>
+          <a:lstStyle/>
+          <a:p>
+            <a:r>
+              <a:rPr lang="en-GB" sz="1100" i="1" dirty="0">
+                <a:effectLst/>
+                <a:latin typeface="Montserrat" pitchFamily="2" charset="77"/>
+              </a:rPr>
+              <a:t>Could Improve Performance</a:t>
+            </a:r>
+          </a:p>
+        </p:txBody>
+      </p:sp>
+      <p:sp>
+        <p:nvSpPr>
+          <p:cNvPr id="30" name="TextBox 29">
+            <a:extLst>
+              <a:ext uri="{FF2B5EF4-FFF2-40B4-BE49-F238E27FC236}">
+                <a16:creationId xmlns:a16="http://schemas.microsoft.com/office/drawing/2014/main" id="{6C421404-AADD-AAD0-3D58-6B873AFD3191}"/>
+              </a:ext>
+            </a:extLst>
+          </p:cNvPr>
+          <p:cNvSpPr txBox="1"/>
+          <p:nvPr/>
+        </p:nvSpPr>
+        <p:spPr>
+          <a:xfrm>
+            <a:off x="5053365" y="2290851"/>
+            <a:ext cx="4315468" cy="261610"/>
+          </a:xfrm>
+          <a:prstGeom prst="rect">
+            <a:avLst/>
+          </a:prstGeom>
+          <a:noFill/>
+        </p:spPr>
+        <p:txBody>
+          <a:bodyPr wrap="square">
+            <a:spAutoFit/>
+          </a:bodyPr>
+          <a:lstStyle/>
+          <a:p>
+            <a:r>
+              <a:rPr lang="en-GB" sz="1100" i="1" dirty="0">
+                <a:latin typeface="Montserrat" pitchFamily="2" charset="77"/>
+              </a:rPr>
+              <a:t>Different Method Could Improve D2</a:t>
+            </a:r>
+            <a:endParaRPr lang="en-GB" sz="1100" i="1" dirty="0">
+              <a:effectLst/>
+              <a:latin typeface="Montserrat" pitchFamily="2" charset="77"/>
+            </a:endParaRPr>
+          </a:p>
+        </p:txBody>
+      </p:sp>
+      <p:sp>
+        <p:nvSpPr>
+          <p:cNvPr id="31" name="TextBox 30">
+            <a:extLst>
+              <a:ext uri="{FF2B5EF4-FFF2-40B4-BE49-F238E27FC236}">
+                <a16:creationId xmlns:a16="http://schemas.microsoft.com/office/drawing/2014/main" id="{802AD562-6EB3-B7AD-DB67-9CEBE15E2752}"/>
+              </a:ext>
+            </a:extLst>
+          </p:cNvPr>
+          <p:cNvSpPr txBox="1"/>
+          <p:nvPr/>
+        </p:nvSpPr>
+        <p:spPr>
+          <a:xfrm>
+            <a:off x="5055972" y="2579287"/>
+            <a:ext cx="2448000" cy="307777"/>
+          </a:xfrm>
+          <a:prstGeom prst="rect">
+            <a:avLst/>
+          </a:prstGeom>
+          <a:noFill/>
+        </p:spPr>
+        <p:txBody>
+          <a:bodyPr wrap="square">
+            <a:spAutoFit/>
+          </a:bodyPr>
+          <a:lstStyle/>
+          <a:p>
+            <a:r>
+              <a:rPr lang="en-GB" b="1" dirty="0">
+                <a:latin typeface="Montserrat" pitchFamily="2" charset="77"/>
+              </a:rPr>
+              <a:t>Cross-Validation</a:t>
+            </a:r>
+            <a:endParaRPr lang="en-GB" sz="1400" b="1" dirty="0">
+              <a:effectLst/>
+              <a:latin typeface="Montserrat" pitchFamily="2" charset="77"/>
+            </a:endParaRPr>
+          </a:p>
+        </p:txBody>
+      </p:sp>
+      <p:sp>
+        <p:nvSpPr>
+          <p:cNvPr id="33" name="TextBox 32">
+            <a:extLst>
+              <a:ext uri="{FF2B5EF4-FFF2-40B4-BE49-F238E27FC236}">
+                <a16:creationId xmlns:a16="http://schemas.microsoft.com/office/drawing/2014/main" id="{C3133D3E-BC28-1408-AD25-126C3343B4C2}"/>
+              </a:ext>
+            </a:extLst>
+          </p:cNvPr>
+          <p:cNvSpPr txBox="1"/>
+          <p:nvPr/>
+        </p:nvSpPr>
+        <p:spPr>
+          <a:xfrm>
+            <a:off x="5056572" y="2799004"/>
+            <a:ext cx="2641792" cy="261610"/>
+          </a:xfrm>
+          <a:prstGeom prst="rect">
+            <a:avLst/>
+          </a:prstGeom>
+          <a:noFill/>
+        </p:spPr>
+        <p:txBody>
+          <a:bodyPr wrap="square">
+            <a:spAutoFit/>
+          </a:bodyPr>
+          <a:lstStyle/>
+          <a:p>
+            <a:r>
+              <a:rPr lang="en-GB" sz="1100" i="1" dirty="0">
+                <a:latin typeface="Montserrat" pitchFamily="2" charset="77"/>
+              </a:rPr>
+              <a:t>Improve Performance</a:t>
+            </a:r>
+            <a:endParaRPr lang="en-GB" sz="1100" i="1" dirty="0">
+              <a:effectLst/>
+              <a:latin typeface="Montserrat" pitchFamily="2" charset="77"/>
+            </a:endParaRPr>
+          </a:p>
+        </p:txBody>
+      </p:sp>
+      <p:sp>
+        <p:nvSpPr>
+          <p:cNvPr id="37" name="TextBox 36">
+            <a:extLst>
+              <a:ext uri="{FF2B5EF4-FFF2-40B4-BE49-F238E27FC236}">
+                <a16:creationId xmlns:a16="http://schemas.microsoft.com/office/drawing/2014/main" id="{6238DBD7-0807-41CF-8526-A056D4505A29}"/>
+              </a:ext>
+            </a:extLst>
+          </p:cNvPr>
+          <p:cNvSpPr txBox="1"/>
+          <p:nvPr/>
+        </p:nvSpPr>
+        <p:spPr>
+          <a:xfrm>
+            <a:off x="5055427" y="3079168"/>
+            <a:ext cx="2641792" cy="307777"/>
+          </a:xfrm>
+          <a:prstGeom prst="rect">
+            <a:avLst/>
+          </a:prstGeom>
+          <a:noFill/>
+        </p:spPr>
+        <p:txBody>
+          <a:bodyPr wrap="square">
+            <a:spAutoFit/>
+          </a:bodyPr>
+          <a:lstStyle/>
+          <a:p>
+            <a:r>
+              <a:rPr lang="en-GB" sz="1400" b="1" dirty="0">
+                <a:effectLst/>
+                <a:latin typeface="Montserrat" pitchFamily="2" charset="77"/>
+              </a:rPr>
+              <a:t>Fine-Tuning</a:t>
+            </a:r>
+          </a:p>
+        </p:txBody>
+      </p:sp>
+      <p:sp>
+        <p:nvSpPr>
+          <p:cNvPr id="38" name="TextBox 37">
+            <a:extLst>
+              <a:ext uri="{FF2B5EF4-FFF2-40B4-BE49-F238E27FC236}">
+                <a16:creationId xmlns:a16="http://schemas.microsoft.com/office/drawing/2014/main" id="{D3928F4C-10A7-F756-2000-44D5DEA1FCE1}"/>
+              </a:ext>
+            </a:extLst>
+          </p:cNvPr>
+          <p:cNvSpPr txBox="1"/>
+          <p:nvPr/>
+        </p:nvSpPr>
+        <p:spPr>
+          <a:xfrm>
+            <a:off x="5055279" y="3299711"/>
+            <a:ext cx="3217719" cy="261610"/>
+          </a:xfrm>
+          <a:prstGeom prst="rect">
+            <a:avLst/>
+          </a:prstGeom>
+          <a:noFill/>
+        </p:spPr>
+        <p:txBody>
+          <a:bodyPr wrap="square">
+            <a:spAutoFit/>
+          </a:bodyPr>
+          <a:lstStyle/>
+          <a:p>
+            <a:r>
+              <a:rPr lang="en-GB" sz="1100" i="1" dirty="0">
+                <a:latin typeface="Montserrat" pitchFamily="2" charset="77"/>
+              </a:rPr>
+              <a:t>Improve Performance and Insights</a:t>
+            </a:r>
+            <a:endParaRPr lang="en-GB" sz="1100" i="1" dirty="0">
+              <a:effectLst/>
+              <a:latin typeface="Montserrat" pitchFamily="2" charset="77"/>
+            </a:endParaRPr>
+          </a:p>
+        </p:txBody>
+      </p:sp>
       <p:cxnSp>
         <p:nvCxnSpPr>
-          <p:cNvPr id="27" name="Straight Connector 26">
-            <a:extLst>
-              <a:ext uri="{FF2B5EF4-FFF2-40B4-BE49-F238E27FC236}">
-                <a16:creationId xmlns:a16="http://schemas.microsoft.com/office/drawing/2014/main" id="{641BABF0-4753-978C-625E-2C1248AAC835}"/>
+          <p:cNvPr id="7" name="Straight Connector 6">
+            <a:extLst>
+              <a:ext uri="{FF2B5EF4-FFF2-40B4-BE49-F238E27FC236}">
+                <a16:creationId xmlns:a16="http://schemas.microsoft.com/office/drawing/2014/main" id="{DB88CED6-077A-FAFD-9EE2-E3DCEAF2A924}"/>
               </a:ext>
             </a:extLst>
           </p:cNvPr>
           <p:cNvCxnSpPr>
-            <a:cxnSpLocks noChangeAspect="1"/>
+            <a:cxnSpLocks/>
           </p:cNvCxnSpPr>
           <p:nvPr/>
         </p:nvCxnSpPr>
         <p:spPr>
           <a:xfrm>
-            <a:off x="4558408" y="1546266"/>
-            <a:ext cx="2448000" cy="2483880"/>
+            <a:off x="5051595" y="1601241"/>
+            <a:ext cx="0" cy="1958224"/>
           </a:xfrm>
           <a:prstGeom prst="line">
             <a:avLst/>
@@ -12985,284 +14254,6 @@
           </a:fontRef>
         </p:style>
       </p:cxnSp>
-      <p:sp>
-        <p:nvSpPr>
-          <p:cNvPr id="28" name="TextBox 27">
-            <a:extLst>
-              <a:ext uri="{FF2B5EF4-FFF2-40B4-BE49-F238E27FC236}">
-                <a16:creationId xmlns:a16="http://schemas.microsoft.com/office/drawing/2014/main" id="{A10E2C7D-B5AD-4DAE-0585-299157F60A11}"/>
-              </a:ext>
-            </a:extLst>
-          </p:cNvPr>
-          <p:cNvSpPr txBox="1"/>
-          <p:nvPr/>
-        </p:nvSpPr>
-        <p:spPr>
-          <a:xfrm>
-            <a:off x="5441125" y="2070308"/>
-            <a:ext cx="4186352" cy="307777"/>
-          </a:xfrm>
-          <a:prstGeom prst="rect">
-            <a:avLst/>
-          </a:prstGeom>
-          <a:noFill/>
-        </p:spPr>
-        <p:txBody>
-          <a:bodyPr wrap="square">
-            <a:spAutoFit/>
-          </a:bodyPr>
-          <a:lstStyle/>
-          <a:p>
-            <a:r>
-              <a:rPr lang="en-GB" sz="1400" b="1" dirty="0">
-                <a:effectLst/>
-                <a:latin typeface="Montserrat" pitchFamily="2" charset="77"/>
-              </a:rPr>
-              <a:t>Interpolation</a:t>
-            </a:r>
-          </a:p>
-        </p:txBody>
-      </p:sp>
-      <p:sp>
-        <p:nvSpPr>
-          <p:cNvPr id="29" name="TextBox 28">
-            <a:extLst>
-              <a:ext uri="{FF2B5EF4-FFF2-40B4-BE49-F238E27FC236}">
-                <a16:creationId xmlns:a16="http://schemas.microsoft.com/office/drawing/2014/main" id="{45270017-0D59-4F55-B379-B1D806F9FABB}"/>
-              </a:ext>
-            </a:extLst>
-          </p:cNvPr>
-          <p:cNvSpPr txBox="1"/>
-          <p:nvPr/>
-        </p:nvSpPr>
-        <p:spPr>
-          <a:xfrm>
-            <a:off x="5083607" y="1814304"/>
-            <a:ext cx="3283783" cy="261610"/>
-          </a:xfrm>
-          <a:prstGeom prst="rect">
-            <a:avLst/>
-          </a:prstGeom>
-          <a:noFill/>
-        </p:spPr>
-        <p:txBody>
-          <a:bodyPr wrap="square">
-            <a:spAutoFit/>
-          </a:bodyPr>
-          <a:lstStyle/>
-          <a:p>
-            <a:r>
-              <a:rPr lang="en-GB" sz="1100" i="1" dirty="0">
-                <a:effectLst/>
-                <a:latin typeface="Montserrat" pitchFamily="2" charset="77"/>
-              </a:rPr>
-              <a:t>Could Improve Performance</a:t>
-            </a:r>
-          </a:p>
-        </p:txBody>
-      </p:sp>
-      <p:sp>
-        <p:nvSpPr>
-          <p:cNvPr id="30" name="TextBox 29">
-            <a:extLst>
-              <a:ext uri="{FF2B5EF4-FFF2-40B4-BE49-F238E27FC236}">
-                <a16:creationId xmlns:a16="http://schemas.microsoft.com/office/drawing/2014/main" id="{6C421404-AADD-AAD0-3D58-6B873AFD3191}"/>
-              </a:ext>
-            </a:extLst>
-          </p:cNvPr>
-          <p:cNvSpPr txBox="1"/>
-          <p:nvPr/>
-        </p:nvSpPr>
-        <p:spPr>
-          <a:xfrm>
-            <a:off x="5606077" y="2290851"/>
-            <a:ext cx="4315468" cy="261610"/>
-          </a:xfrm>
-          <a:prstGeom prst="rect">
-            <a:avLst/>
-          </a:prstGeom>
-          <a:noFill/>
-        </p:spPr>
-        <p:txBody>
-          <a:bodyPr wrap="square">
-            <a:spAutoFit/>
-          </a:bodyPr>
-          <a:lstStyle/>
-          <a:p>
-            <a:r>
-              <a:rPr lang="en-GB" sz="1100" i="1" dirty="0">
-                <a:latin typeface="Montserrat" pitchFamily="2" charset="77"/>
-              </a:rPr>
-              <a:t>Different Method Could Improve D2</a:t>
-            </a:r>
-            <a:endParaRPr lang="en-GB" sz="1100" i="1" dirty="0">
-              <a:effectLst/>
-              <a:latin typeface="Montserrat" pitchFamily="2" charset="77"/>
-            </a:endParaRPr>
-          </a:p>
-        </p:txBody>
-      </p:sp>
-      <p:sp>
-        <p:nvSpPr>
-          <p:cNvPr id="31" name="TextBox 30">
-            <a:extLst>
-              <a:ext uri="{FF2B5EF4-FFF2-40B4-BE49-F238E27FC236}">
-                <a16:creationId xmlns:a16="http://schemas.microsoft.com/office/drawing/2014/main" id="{802AD562-6EB3-B7AD-DB67-9CEBE15E2752}"/>
-              </a:ext>
-            </a:extLst>
-          </p:cNvPr>
-          <p:cNvSpPr txBox="1"/>
-          <p:nvPr/>
-        </p:nvSpPr>
-        <p:spPr>
-          <a:xfrm>
-            <a:off x="5888084" y="2579287"/>
-            <a:ext cx="2448000" cy="307777"/>
-          </a:xfrm>
-          <a:prstGeom prst="rect">
-            <a:avLst/>
-          </a:prstGeom>
-          <a:noFill/>
-        </p:spPr>
-        <p:txBody>
-          <a:bodyPr wrap="square">
-            <a:spAutoFit/>
-          </a:bodyPr>
-          <a:lstStyle/>
-          <a:p>
-            <a:r>
-              <a:rPr lang="en-GB" b="1" dirty="0">
-                <a:latin typeface="Montserrat" pitchFamily="2" charset="77"/>
-              </a:rPr>
-              <a:t>Cross-Validation</a:t>
-            </a:r>
-            <a:endParaRPr lang="en-GB" sz="1400" b="1" dirty="0">
-              <a:effectLst/>
-              <a:latin typeface="Montserrat" pitchFamily="2" charset="77"/>
-            </a:endParaRPr>
-          </a:p>
-        </p:txBody>
-      </p:sp>
-      <p:sp>
-        <p:nvSpPr>
-          <p:cNvPr id="33" name="TextBox 32">
-            <a:extLst>
-              <a:ext uri="{FF2B5EF4-FFF2-40B4-BE49-F238E27FC236}">
-                <a16:creationId xmlns:a16="http://schemas.microsoft.com/office/drawing/2014/main" id="{C3133D3E-BC28-1408-AD25-126C3343B4C2}"/>
-              </a:ext>
-            </a:extLst>
-          </p:cNvPr>
-          <p:cNvSpPr txBox="1"/>
-          <p:nvPr/>
-        </p:nvSpPr>
-        <p:spPr>
-          <a:xfrm>
-            <a:off x="6060134" y="2799004"/>
-            <a:ext cx="2641792" cy="261610"/>
-          </a:xfrm>
-          <a:prstGeom prst="rect">
-            <a:avLst/>
-          </a:prstGeom>
-          <a:noFill/>
-        </p:spPr>
-        <p:txBody>
-          <a:bodyPr wrap="square">
-            <a:spAutoFit/>
-          </a:bodyPr>
-          <a:lstStyle/>
-          <a:p>
-            <a:r>
-              <a:rPr lang="en-GB" sz="1100" i="1" dirty="0">
-                <a:latin typeface="Montserrat" pitchFamily="2" charset="77"/>
-              </a:rPr>
-              <a:t>Improve Performance</a:t>
-            </a:r>
-            <a:endParaRPr lang="en-GB" sz="1100" i="1" dirty="0">
-              <a:effectLst/>
-              <a:latin typeface="Montserrat" pitchFamily="2" charset="77"/>
-            </a:endParaRPr>
-          </a:p>
-        </p:txBody>
-      </p:sp>
-      <p:sp>
-        <p:nvSpPr>
-          <p:cNvPr id="37" name="TextBox 36">
-            <a:extLst>
-              <a:ext uri="{FF2B5EF4-FFF2-40B4-BE49-F238E27FC236}">
-                <a16:creationId xmlns:a16="http://schemas.microsoft.com/office/drawing/2014/main" id="{6238DBD7-0807-41CF-8526-A056D4505A29}"/>
-              </a:ext>
-            </a:extLst>
-          </p:cNvPr>
-          <p:cNvSpPr txBox="1"/>
-          <p:nvPr/>
-        </p:nvSpPr>
-        <p:spPr>
-          <a:xfrm>
-            <a:off x="6376489" y="3079168"/>
-            <a:ext cx="2641792" cy="307777"/>
-          </a:xfrm>
-          <a:prstGeom prst="rect">
-            <a:avLst/>
-          </a:prstGeom>
-          <a:noFill/>
-        </p:spPr>
-        <p:txBody>
-          <a:bodyPr wrap="square">
-            <a:spAutoFit/>
-          </a:bodyPr>
-          <a:lstStyle/>
-          <a:p>
-            <a:r>
-              <a:rPr lang="en-GB" sz="1400" b="1" dirty="0">
-                <a:effectLst/>
-                <a:latin typeface="Montserrat" pitchFamily="2" charset="77"/>
-              </a:rPr>
-              <a:t>Fine-Tuning</a:t>
-            </a:r>
-          </a:p>
-        </p:txBody>
-      </p:sp>
-      <p:sp>
-        <p:nvSpPr>
-          <p:cNvPr id="38" name="TextBox 37">
-            <a:extLst>
-              <a:ext uri="{FF2B5EF4-FFF2-40B4-BE49-F238E27FC236}">
-                <a16:creationId xmlns:a16="http://schemas.microsoft.com/office/drawing/2014/main" id="{D3928F4C-10A7-F756-2000-44D5DEA1FCE1}"/>
-              </a:ext>
-            </a:extLst>
-          </p:cNvPr>
-          <p:cNvSpPr txBox="1"/>
-          <p:nvPr/>
-        </p:nvSpPr>
-        <p:spPr>
-          <a:xfrm>
-            <a:off x="6541441" y="3299711"/>
-            <a:ext cx="3217719" cy="261610"/>
-          </a:xfrm>
-          <a:prstGeom prst="rect">
-            <a:avLst/>
-          </a:prstGeom>
-          <a:noFill/>
-        </p:spPr>
-        <p:txBody>
-          <a:bodyPr wrap="square">
-            <a:spAutoFit/>
-          </a:bodyPr>
-          <a:lstStyle/>
-          <a:p>
-            <a:r>
-              <a:rPr lang="en-GB" sz="1100" i="1" dirty="0">
-                <a:latin typeface="Montserrat" pitchFamily="2" charset="77"/>
-              </a:rPr>
-              <a:t>Improve Performance and Insights</a:t>
-            </a:r>
-            <a:endParaRPr lang="en-GB" sz="1100" i="1" dirty="0">
-              <a:effectLst/>
-              <a:latin typeface="Montserrat" pitchFamily="2" charset="77"/>
-            </a:endParaRPr>
-          </a:p>
-        </p:txBody>
-      </p:sp>
     </p:spTree>
     <p:extLst>
       <p:ext uri="{BB962C8B-B14F-4D97-AF65-F5344CB8AC3E}">
@@ -13273,6 +14264,871 @@
   <p:clrMapOvr>
     <a:masterClrMapping/>
   </p:clrMapOvr>
+  <p:timing>
+    <p:tnLst>
+      <p:par>
+        <p:cTn id="1" dur="indefinite" restart="never" nodeType="tmRoot">
+          <p:childTnLst>
+            <p:seq concurrent="1" nextAc="seek">
+              <p:cTn id="2" dur="indefinite" nodeType="mainSeq">
+                <p:childTnLst>
+                  <p:par>
+                    <p:cTn id="3" fill="hold">
+                      <p:stCondLst>
+                        <p:cond delay="indefinite"/>
+                        <p:cond evt="onBegin" delay="0">
+                          <p:tn val="2"/>
+                        </p:cond>
+                      </p:stCondLst>
+                      <p:childTnLst>
+                        <p:par>
+                          <p:cTn id="4" fill="hold">
+                            <p:stCondLst>
+                              <p:cond delay="0"/>
+                            </p:stCondLst>
+                            <p:childTnLst>
+                              <p:par>
+                                <p:cTn id="5" presetID="1" presetClass="entr" presetSubtype="0" fill="hold" grpId="0" nodeType="withEffect">
+                                  <p:stCondLst>
+                                    <p:cond delay="500"/>
+                                  </p:stCondLst>
+                                  <p:childTnLst>
+                                    <p:set>
+                                      <p:cBhvr>
+                                        <p:cTn id="6" dur="1" fill="hold">
+                                          <p:stCondLst>
+                                            <p:cond delay="0"/>
+                                          </p:stCondLst>
+                                        </p:cTn>
+                                        <p:tgtEl>
+                                          <p:spTgt spid="14"/>
+                                        </p:tgtEl>
+                                        <p:attrNameLst>
+                                          <p:attrName>style.visibility</p:attrName>
+                                        </p:attrNameLst>
+                                      </p:cBhvr>
+                                      <p:to>
+                                        <p:strVal val="visible"/>
+                                      </p:to>
+                                    </p:set>
+                                  </p:childTnLst>
+                                </p:cTn>
+                              </p:par>
+                              <p:par>
+                                <p:cTn id="7" presetID="1" presetClass="entr" presetSubtype="0" fill="hold" grpId="0" nodeType="withEffect">
+                                  <p:stCondLst>
+                                    <p:cond delay="500"/>
+                                  </p:stCondLst>
+                                  <p:childTnLst>
+                                    <p:set>
+                                      <p:cBhvr>
+                                        <p:cTn id="8" dur="1" fill="hold">
+                                          <p:stCondLst>
+                                            <p:cond delay="0"/>
+                                          </p:stCondLst>
+                                        </p:cTn>
+                                        <p:tgtEl>
+                                          <p:spTgt spid="26"/>
+                                        </p:tgtEl>
+                                        <p:attrNameLst>
+                                          <p:attrName>style.visibility</p:attrName>
+                                        </p:attrNameLst>
+                                      </p:cBhvr>
+                                      <p:to>
+                                        <p:strVal val="visible"/>
+                                      </p:to>
+                                    </p:set>
+                                  </p:childTnLst>
+                                </p:cTn>
+                              </p:par>
+                            </p:childTnLst>
+                          </p:cTn>
+                        </p:par>
+                      </p:childTnLst>
+                    </p:cTn>
+                  </p:par>
+                  <p:par>
+                    <p:cTn id="9" fill="hold">
+                      <p:stCondLst>
+                        <p:cond delay="indefinite"/>
+                      </p:stCondLst>
+                      <p:childTnLst>
+                        <p:par>
+                          <p:cTn id="10" fill="hold">
+                            <p:stCondLst>
+                              <p:cond delay="0"/>
+                            </p:stCondLst>
+                            <p:childTnLst>
+                              <p:par>
+                                <p:cTn id="11" presetID="1" presetClass="entr" presetSubtype="0" fill="hold" nodeType="clickEffect">
+                                  <p:stCondLst>
+                                    <p:cond delay="0"/>
+                                  </p:stCondLst>
+                                  <p:childTnLst>
+                                    <p:set>
+                                      <p:cBhvr>
+                                        <p:cTn id="12" dur="1" fill="hold">
+                                          <p:stCondLst>
+                                            <p:cond delay="0"/>
+                                          </p:stCondLst>
+                                        </p:cTn>
+                                        <p:tgtEl>
+                                          <p:spTgt spid="15"/>
+                                        </p:tgtEl>
+                                        <p:attrNameLst>
+                                          <p:attrName>style.visibility</p:attrName>
+                                        </p:attrNameLst>
+                                      </p:cBhvr>
+                                      <p:to>
+                                        <p:strVal val="visible"/>
+                                      </p:to>
+                                    </p:set>
+                                  </p:childTnLst>
+                                </p:cTn>
+                              </p:par>
+                            </p:childTnLst>
+                          </p:cTn>
+                        </p:par>
+                        <p:par>
+                          <p:cTn id="13" fill="hold">
+                            <p:stCondLst>
+                              <p:cond delay="0"/>
+                            </p:stCondLst>
+                            <p:childTnLst>
+                              <p:par>
+                                <p:cTn id="14" presetID="1" presetClass="entr" presetSubtype="0" fill="hold" grpId="0" nodeType="afterEffect">
+                                  <p:stCondLst>
+                                    <p:cond delay="500"/>
+                                  </p:stCondLst>
+                                  <p:childTnLst>
+                                    <p:set>
+                                      <p:cBhvr>
+                                        <p:cTn id="15" dur="1" fill="hold">
+                                          <p:stCondLst>
+                                            <p:cond delay="0"/>
+                                          </p:stCondLst>
+                                        </p:cTn>
+                                        <p:tgtEl>
+                                          <p:spTgt spid="13"/>
+                                        </p:tgtEl>
+                                        <p:attrNameLst>
+                                          <p:attrName>style.visibility</p:attrName>
+                                        </p:attrNameLst>
+                                      </p:cBhvr>
+                                      <p:to>
+                                        <p:strVal val="visible"/>
+                                      </p:to>
+                                    </p:set>
+                                  </p:childTnLst>
+                                </p:cTn>
+                              </p:par>
+                            </p:childTnLst>
+                          </p:cTn>
+                        </p:par>
+                        <p:par>
+                          <p:cTn id="16" fill="hold">
+                            <p:stCondLst>
+                              <p:cond delay="500"/>
+                            </p:stCondLst>
+                            <p:childTnLst>
+                              <p:par>
+                                <p:cTn id="17" presetID="1" presetClass="entr" presetSubtype="0" fill="hold" grpId="0" nodeType="afterEffect">
+                                  <p:stCondLst>
+                                    <p:cond delay="500"/>
+                                  </p:stCondLst>
+                                  <p:childTnLst>
+                                    <p:set>
+                                      <p:cBhvr>
+                                        <p:cTn id="18" dur="1" fill="hold">
+                                          <p:stCondLst>
+                                            <p:cond delay="0"/>
+                                          </p:stCondLst>
+                                        </p:cTn>
+                                        <p:tgtEl>
+                                          <p:spTgt spid="17"/>
+                                        </p:tgtEl>
+                                        <p:attrNameLst>
+                                          <p:attrName>style.visibility</p:attrName>
+                                        </p:attrNameLst>
+                                      </p:cBhvr>
+                                      <p:to>
+                                        <p:strVal val="visible"/>
+                                      </p:to>
+                                    </p:set>
+                                  </p:childTnLst>
+                                </p:cTn>
+                              </p:par>
+                            </p:childTnLst>
+                          </p:cTn>
+                        </p:par>
+                        <p:par>
+                          <p:cTn id="19" fill="hold">
+                            <p:stCondLst>
+                              <p:cond delay="1000"/>
+                            </p:stCondLst>
+                            <p:childTnLst>
+                              <p:par>
+                                <p:cTn id="20" presetID="1" presetClass="entr" presetSubtype="0" fill="hold" grpId="0" nodeType="afterEffect">
+                                  <p:stCondLst>
+                                    <p:cond delay="500"/>
+                                  </p:stCondLst>
+                                  <p:childTnLst>
+                                    <p:set>
+                                      <p:cBhvr>
+                                        <p:cTn id="21" dur="1" fill="hold">
+                                          <p:stCondLst>
+                                            <p:cond delay="0"/>
+                                          </p:stCondLst>
+                                        </p:cTn>
+                                        <p:tgtEl>
+                                          <p:spTgt spid="16"/>
+                                        </p:tgtEl>
+                                        <p:attrNameLst>
+                                          <p:attrName>style.visibility</p:attrName>
+                                        </p:attrNameLst>
+                                      </p:cBhvr>
+                                      <p:to>
+                                        <p:strVal val="visible"/>
+                                      </p:to>
+                                    </p:set>
+                                  </p:childTnLst>
+                                </p:cTn>
+                              </p:par>
+                            </p:childTnLst>
+                          </p:cTn>
+                        </p:par>
+                        <p:par>
+                          <p:cTn id="22" fill="hold">
+                            <p:stCondLst>
+                              <p:cond delay="1500"/>
+                            </p:stCondLst>
+                            <p:childTnLst>
+                              <p:par>
+                                <p:cTn id="23" presetID="1" presetClass="entr" presetSubtype="0" fill="hold" grpId="0" nodeType="afterEffect">
+                                  <p:stCondLst>
+                                    <p:cond delay="500"/>
+                                  </p:stCondLst>
+                                  <p:childTnLst>
+                                    <p:set>
+                                      <p:cBhvr>
+                                        <p:cTn id="24" dur="1" fill="hold">
+                                          <p:stCondLst>
+                                            <p:cond delay="0"/>
+                                          </p:stCondLst>
+                                        </p:cTn>
+                                        <p:tgtEl>
+                                          <p:spTgt spid="18"/>
+                                        </p:tgtEl>
+                                        <p:attrNameLst>
+                                          <p:attrName>style.visibility</p:attrName>
+                                        </p:attrNameLst>
+                                      </p:cBhvr>
+                                      <p:to>
+                                        <p:strVal val="visible"/>
+                                      </p:to>
+                                    </p:set>
+                                  </p:childTnLst>
+                                </p:cTn>
+                              </p:par>
+                            </p:childTnLst>
+                          </p:cTn>
+                        </p:par>
+                        <p:par>
+                          <p:cTn id="25" fill="hold">
+                            <p:stCondLst>
+                              <p:cond delay="2000"/>
+                            </p:stCondLst>
+                            <p:childTnLst>
+                              <p:par>
+                                <p:cTn id="26" presetID="1" presetClass="entr" presetSubtype="0" fill="hold" grpId="0" nodeType="afterEffect">
+                                  <p:stCondLst>
+                                    <p:cond delay="500"/>
+                                  </p:stCondLst>
+                                  <p:childTnLst>
+                                    <p:set>
+                                      <p:cBhvr>
+                                        <p:cTn id="27" dur="1" fill="hold">
+                                          <p:stCondLst>
+                                            <p:cond delay="0"/>
+                                          </p:stCondLst>
+                                        </p:cTn>
+                                        <p:tgtEl>
+                                          <p:spTgt spid="19"/>
+                                        </p:tgtEl>
+                                        <p:attrNameLst>
+                                          <p:attrName>style.visibility</p:attrName>
+                                        </p:attrNameLst>
+                                      </p:cBhvr>
+                                      <p:to>
+                                        <p:strVal val="visible"/>
+                                      </p:to>
+                                    </p:set>
+                                  </p:childTnLst>
+                                </p:cTn>
+                              </p:par>
+                            </p:childTnLst>
+                          </p:cTn>
+                        </p:par>
+                        <p:par>
+                          <p:cTn id="28" fill="hold">
+                            <p:stCondLst>
+                              <p:cond delay="2500"/>
+                            </p:stCondLst>
+                            <p:childTnLst>
+                              <p:par>
+                                <p:cTn id="29" presetID="1" presetClass="entr" presetSubtype="0" fill="hold" grpId="0" nodeType="afterEffect">
+                                  <p:stCondLst>
+                                    <p:cond delay="500"/>
+                                  </p:stCondLst>
+                                  <p:childTnLst>
+                                    <p:set>
+                                      <p:cBhvr>
+                                        <p:cTn id="30" dur="1" fill="hold">
+                                          <p:stCondLst>
+                                            <p:cond delay="0"/>
+                                          </p:stCondLst>
+                                        </p:cTn>
+                                        <p:tgtEl>
+                                          <p:spTgt spid="21"/>
+                                        </p:tgtEl>
+                                        <p:attrNameLst>
+                                          <p:attrName>style.visibility</p:attrName>
+                                        </p:attrNameLst>
+                                      </p:cBhvr>
+                                      <p:to>
+                                        <p:strVal val="visible"/>
+                                      </p:to>
+                                    </p:set>
+                                  </p:childTnLst>
+                                </p:cTn>
+                              </p:par>
+                            </p:childTnLst>
+                          </p:cTn>
+                        </p:par>
+                        <p:par>
+                          <p:cTn id="31" fill="hold">
+                            <p:stCondLst>
+                              <p:cond delay="3000"/>
+                            </p:stCondLst>
+                            <p:childTnLst>
+                              <p:par>
+                                <p:cTn id="32" presetID="1" presetClass="entr" presetSubtype="0" fill="hold" grpId="0" nodeType="afterEffect">
+                                  <p:stCondLst>
+                                    <p:cond delay="500"/>
+                                  </p:stCondLst>
+                                  <p:childTnLst>
+                                    <p:set>
+                                      <p:cBhvr>
+                                        <p:cTn id="33" dur="1" fill="hold">
+                                          <p:stCondLst>
+                                            <p:cond delay="0"/>
+                                          </p:stCondLst>
+                                        </p:cTn>
+                                        <p:tgtEl>
+                                          <p:spTgt spid="20"/>
+                                        </p:tgtEl>
+                                        <p:attrNameLst>
+                                          <p:attrName>style.visibility</p:attrName>
+                                        </p:attrNameLst>
+                                      </p:cBhvr>
+                                      <p:to>
+                                        <p:strVal val="visible"/>
+                                      </p:to>
+                                    </p:set>
+                                  </p:childTnLst>
+                                </p:cTn>
+                              </p:par>
+                            </p:childTnLst>
+                          </p:cTn>
+                        </p:par>
+                        <p:par>
+                          <p:cTn id="34" fill="hold">
+                            <p:stCondLst>
+                              <p:cond delay="3500"/>
+                            </p:stCondLst>
+                            <p:childTnLst>
+                              <p:par>
+                                <p:cTn id="35" presetID="1" presetClass="entr" presetSubtype="0" fill="hold" grpId="0" nodeType="afterEffect">
+                                  <p:stCondLst>
+                                    <p:cond delay="500"/>
+                                  </p:stCondLst>
+                                  <p:childTnLst>
+                                    <p:set>
+                                      <p:cBhvr>
+                                        <p:cTn id="36" dur="1" fill="hold">
+                                          <p:stCondLst>
+                                            <p:cond delay="0"/>
+                                          </p:stCondLst>
+                                        </p:cTn>
+                                        <p:tgtEl>
+                                          <p:spTgt spid="22"/>
+                                        </p:tgtEl>
+                                        <p:attrNameLst>
+                                          <p:attrName>style.visibility</p:attrName>
+                                        </p:attrNameLst>
+                                      </p:cBhvr>
+                                      <p:to>
+                                        <p:strVal val="visible"/>
+                                      </p:to>
+                                    </p:set>
+                                  </p:childTnLst>
+                                </p:cTn>
+                              </p:par>
+                            </p:childTnLst>
+                          </p:cTn>
+                        </p:par>
+                        <p:par>
+                          <p:cTn id="37" fill="hold">
+                            <p:stCondLst>
+                              <p:cond delay="4000"/>
+                            </p:stCondLst>
+                            <p:childTnLst>
+                              <p:par>
+                                <p:cTn id="38" presetID="1" presetClass="entr" presetSubtype="0" fill="hold" grpId="0" nodeType="afterEffect">
+                                  <p:stCondLst>
+                                    <p:cond delay="500"/>
+                                  </p:stCondLst>
+                                  <p:childTnLst>
+                                    <p:set>
+                                      <p:cBhvr>
+                                        <p:cTn id="39" dur="1" fill="hold">
+                                          <p:stCondLst>
+                                            <p:cond delay="0"/>
+                                          </p:stCondLst>
+                                        </p:cTn>
+                                        <p:tgtEl>
+                                          <p:spTgt spid="23"/>
+                                        </p:tgtEl>
+                                        <p:attrNameLst>
+                                          <p:attrName>style.visibility</p:attrName>
+                                        </p:attrNameLst>
+                                      </p:cBhvr>
+                                      <p:to>
+                                        <p:strVal val="visible"/>
+                                      </p:to>
+                                    </p:set>
+                                  </p:childTnLst>
+                                </p:cTn>
+                              </p:par>
+                            </p:childTnLst>
+                          </p:cTn>
+                        </p:par>
+                        <p:par>
+                          <p:cTn id="40" fill="hold">
+                            <p:stCondLst>
+                              <p:cond delay="4500"/>
+                            </p:stCondLst>
+                            <p:childTnLst>
+                              <p:par>
+                                <p:cTn id="41" presetID="1" presetClass="entr" presetSubtype="0" fill="hold" grpId="0" nodeType="afterEffect">
+                                  <p:stCondLst>
+                                    <p:cond delay="500"/>
+                                  </p:stCondLst>
+                                  <p:childTnLst>
+                                    <p:set>
+                                      <p:cBhvr>
+                                        <p:cTn id="42" dur="1" fill="hold">
+                                          <p:stCondLst>
+                                            <p:cond delay="0"/>
+                                          </p:stCondLst>
+                                        </p:cTn>
+                                        <p:tgtEl>
+                                          <p:spTgt spid="24"/>
+                                        </p:tgtEl>
+                                        <p:attrNameLst>
+                                          <p:attrName>style.visibility</p:attrName>
+                                        </p:attrNameLst>
+                                      </p:cBhvr>
+                                      <p:to>
+                                        <p:strVal val="visible"/>
+                                      </p:to>
+                                    </p:set>
+                                  </p:childTnLst>
+                                </p:cTn>
+                              </p:par>
+                            </p:childTnLst>
+                          </p:cTn>
+                        </p:par>
+                      </p:childTnLst>
+                    </p:cTn>
+                  </p:par>
+                  <p:par>
+                    <p:cTn id="43" fill="hold">
+                      <p:stCondLst>
+                        <p:cond delay="indefinite"/>
+                      </p:stCondLst>
+                      <p:childTnLst>
+                        <p:par>
+                          <p:cTn id="44" fill="hold">
+                            <p:stCondLst>
+                              <p:cond delay="0"/>
+                            </p:stCondLst>
+                            <p:childTnLst>
+                              <p:par>
+                                <p:cTn id="45" presetID="1" presetClass="entr" presetSubtype="0" fill="hold" nodeType="clickEffect">
+                                  <p:stCondLst>
+                                    <p:cond delay="0"/>
+                                  </p:stCondLst>
+                                  <p:childTnLst>
+                                    <p:set>
+                                      <p:cBhvr>
+                                        <p:cTn id="46" dur="1" fill="hold">
+                                          <p:stCondLst>
+                                            <p:cond delay="0"/>
+                                          </p:stCondLst>
+                                        </p:cTn>
+                                        <p:tgtEl>
+                                          <p:spTgt spid="7"/>
+                                        </p:tgtEl>
+                                        <p:attrNameLst>
+                                          <p:attrName>style.visibility</p:attrName>
+                                        </p:attrNameLst>
+                                      </p:cBhvr>
+                                      <p:to>
+                                        <p:strVal val="visible"/>
+                                      </p:to>
+                                    </p:set>
+                                  </p:childTnLst>
+                                </p:cTn>
+                              </p:par>
+                            </p:childTnLst>
+                          </p:cTn>
+                        </p:par>
+                        <p:par>
+                          <p:cTn id="47" fill="hold">
+                            <p:stCondLst>
+                              <p:cond delay="0"/>
+                            </p:stCondLst>
+                            <p:childTnLst>
+                              <p:par>
+                                <p:cTn id="48" presetID="1" presetClass="entr" presetSubtype="0" fill="hold" grpId="0" nodeType="afterEffect">
+                                  <p:stCondLst>
+                                    <p:cond delay="500"/>
+                                  </p:stCondLst>
+                                  <p:childTnLst>
+                                    <p:set>
+                                      <p:cBhvr>
+                                        <p:cTn id="49" dur="1" fill="hold">
+                                          <p:stCondLst>
+                                            <p:cond delay="0"/>
+                                          </p:stCondLst>
+                                        </p:cTn>
+                                        <p:tgtEl>
+                                          <p:spTgt spid="25"/>
+                                        </p:tgtEl>
+                                        <p:attrNameLst>
+                                          <p:attrName>style.visibility</p:attrName>
+                                        </p:attrNameLst>
+                                      </p:cBhvr>
+                                      <p:to>
+                                        <p:strVal val="visible"/>
+                                      </p:to>
+                                    </p:set>
+                                  </p:childTnLst>
+                                </p:cTn>
+                              </p:par>
+                            </p:childTnLst>
+                          </p:cTn>
+                        </p:par>
+                        <p:par>
+                          <p:cTn id="50" fill="hold">
+                            <p:stCondLst>
+                              <p:cond delay="500"/>
+                            </p:stCondLst>
+                            <p:childTnLst>
+                              <p:par>
+                                <p:cTn id="51" presetID="1" presetClass="entr" presetSubtype="0" fill="hold" grpId="0" nodeType="afterEffect">
+                                  <p:stCondLst>
+                                    <p:cond delay="500"/>
+                                  </p:stCondLst>
+                                  <p:childTnLst>
+                                    <p:set>
+                                      <p:cBhvr>
+                                        <p:cTn id="52" dur="1" fill="hold">
+                                          <p:stCondLst>
+                                            <p:cond delay="0"/>
+                                          </p:stCondLst>
+                                        </p:cTn>
+                                        <p:tgtEl>
+                                          <p:spTgt spid="29"/>
+                                        </p:tgtEl>
+                                        <p:attrNameLst>
+                                          <p:attrName>style.visibility</p:attrName>
+                                        </p:attrNameLst>
+                                      </p:cBhvr>
+                                      <p:to>
+                                        <p:strVal val="visible"/>
+                                      </p:to>
+                                    </p:set>
+                                  </p:childTnLst>
+                                </p:cTn>
+                              </p:par>
+                            </p:childTnLst>
+                          </p:cTn>
+                        </p:par>
+                        <p:par>
+                          <p:cTn id="53" fill="hold">
+                            <p:stCondLst>
+                              <p:cond delay="1000"/>
+                            </p:stCondLst>
+                            <p:childTnLst>
+                              <p:par>
+                                <p:cTn id="54" presetID="1" presetClass="entr" presetSubtype="0" fill="hold" grpId="0" nodeType="afterEffect">
+                                  <p:stCondLst>
+                                    <p:cond delay="500"/>
+                                  </p:stCondLst>
+                                  <p:childTnLst>
+                                    <p:set>
+                                      <p:cBhvr>
+                                        <p:cTn id="55" dur="1" fill="hold">
+                                          <p:stCondLst>
+                                            <p:cond delay="0"/>
+                                          </p:stCondLst>
+                                        </p:cTn>
+                                        <p:tgtEl>
+                                          <p:spTgt spid="28"/>
+                                        </p:tgtEl>
+                                        <p:attrNameLst>
+                                          <p:attrName>style.visibility</p:attrName>
+                                        </p:attrNameLst>
+                                      </p:cBhvr>
+                                      <p:to>
+                                        <p:strVal val="visible"/>
+                                      </p:to>
+                                    </p:set>
+                                  </p:childTnLst>
+                                </p:cTn>
+                              </p:par>
+                            </p:childTnLst>
+                          </p:cTn>
+                        </p:par>
+                        <p:par>
+                          <p:cTn id="56" fill="hold">
+                            <p:stCondLst>
+                              <p:cond delay="1500"/>
+                            </p:stCondLst>
+                            <p:childTnLst>
+                              <p:par>
+                                <p:cTn id="57" presetID="1" presetClass="entr" presetSubtype="0" fill="hold" grpId="0" nodeType="afterEffect">
+                                  <p:stCondLst>
+                                    <p:cond delay="500"/>
+                                  </p:stCondLst>
+                                  <p:childTnLst>
+                                    <p:set>
+                                      <p:cBhvr>
+                                        <p:cTn id="58" dur="1" fill="hold">
+                                          <p:stCondLst>
+                                            <p:cond delay="0"/>
+                                          </p:stCondLst>
+                                        </p:cTn>
+                                        <p:tgtEl>
+                                          <p:spTgt spid="30"/>
+                                        </p:tgtEl>
+                                        <p:attrNameLst>
+                                          <p:attrName>style.visibility</p:attrName>
+                                        </p:attrNameLst>
+                                      </p:cBhvr>
+                                      <p:to>
+                                        <p:strVal val="visible"/>
+                                      </p:to>
+                                    </p:set>
+                                  </p:childTnLst>
+                                </p:cTn>
+                              </p:par>
+                            </p:childTnLst>
+                          </p:cTn>
+                        </p:par>
+                        <p:par>
+                          <p:cTn id="59" fill="hold">
+                            <p:stCondLst>
+                              <p:cond delay="2000"/>
+                            </p:stCondLst>
+                            <p:childTnLst>
+                              <p:par>
+                                <p:cTn id="60" presetID="1" presetClass="entr" presetSubtype="0" fill="hold" grpId="0" nodeType="afterEffect">
+                                  <p:stCondLst>
+                                    <p:cond delay="500"/>
+                                  </p:stCondLst>
+                                  <p:childTnLst>
+                                    <p:set>
+                                      <p:cBhvr>
+                                        <p:cTn id="61" dur="1" fill="hold">
+                                          <p:stCondLst>
+                                            <p:cond delay="0"/>
+                                          </p:stCondLst>
+                                        </p:cTn>
+                                        <p:tgtEl>
+                                          <p:spTgt spid="31"/>
+                                        </p:tgtEl>
+                                        <p:attrNameLst>
+                                          <p:attrName>style.visibility</p:attrName>
+                                        </p:attrNameLst>
+                                      </p:cBhvr>
+                                      <p:to>
+                                        <p:strVal val="visible"/>
+                                      </p:to>
+                                    </p:set>
+                                  </p:childTnLst>
+                                </p:cTn>
+                              </p:par>
+                            </p:childTnLst>
+                          </p:cTn>
+                        </p:par>
+                        <p:par>
+                          <p:cTn id="62" fill="hold">
+                            <p:stCondLst>
+                              <p:cond delay="2500"/>
+                            </p:stCondLst>
+                            <p:childTnLst>
+                              <p:par>
+                                <p:cTn id="63" presetID="1" presetClass="entr" presetSubtype="0" fill="hold" grpId="0" nodeType="afterEffect">
+                                  <p:stCondLst>
+                                    <p:cond delay="500"/>
+                                  </p:stCondLst>
+                                  <p:childTnLst>
+                                    <p:set>
+                                      <p:cBhvr>
+                                        <p:cTn id="64" dur="1" fill="hold">
+                                          <p:stCondLst>
+                                            <p:cond delay="0"/>
+                                          </p:stCondLst>
+                                        </p:cTn>
+                                        <p:tgtEl>
+                                          <p:spTgt spid="33"/>
+                                        </p:tgtEl>
+                                        <p:attrNameLst>
+                                          <p:attrName>style.visibility</p:attrName>
+                                        </p:attrNameLst>
+                                      </p:cBhvr>
+                                      <p:to>
+                                        <p:strVal val="visible"/>
+                                      </p:to>
+                                    </p:set>
+                                  </p:childTnLst>
+                                </p:cTn>
+                              </p:par>
+                            </p:childTnLst>
+                          </p:cTn>
+                        </p:par>
+                        <p:par>
+                          <p:cTn id="65" fill="hold">
+                            <p:stCondLst>
+                              <p:cond delay="3000"/>
+                            </p:stCondLst>
+                            <p:childTnLst>
+                              <p:par>
+                                <p:cTn id="66" presetID="1" presetClass="entr" presetSubtype="0" fill="hold" grpId="0" nodeType="afterEffect">
+                                  <p:stCondLst>
+                                    <p:cond delay="500"/>
+                                  </p:stCondLst>
+                                  <p:childTnLst>
+                                    <p:set>
+                                      <p:cBhvr>
+                                        <p:cTn id="67" dur="1" fill="hold">
+                                          <p:stCondLst>
+                                            <p:cond delay="0"/>
+                                          </p:stCondLst>
+                                        </p:cTn>
+                                        <p:tgtEl>
+                                          <p:spTgt spid="37"/>
+                                        </p:tgtEl>
+                                        <p:attrNameLst>
+                                          <p:attrName>style.visibility</p:attrName>
+                                        </p:attrNameLst>
+                                      </p:cBhvr>
+                                      <p:to>
+                                        <p:strVal val="visible"/>
+                                      </p:to>
+                                    </p:set>
+                                  </p:childTnLst>
+                                </p:cTn>
+                              </p:par>
+                            </p:childTnLst>
+                          </p:cTn>
+                        </p:par>
+                        <p:par>
+                          <p:cTn id="68" fill="hold">
+                            <p:stCondLst>
+                              <p:cond delay="3500"/>
+                            </p:stCondLst>
+                            <p:childTnLst>
+                              <p:par>
+                                <p:cTn id="69" presetID="1" presetClass="entr" presetSubtype="0" fill="hold" grpId="0" nodeType="afterEffect">
+                                  <p:stCondLst>
+                                    <p:cond delay="500"/>
+                                  </p:stCondLst>
+                                  <p:childTnLst>
+                                    <p:set>
+                                      <p:cBhvr>
+                                        <p:cTn id="70" dur="1" fill="hold">
+                                          <p:stCondLst>
+                                            <p:cond delay="0"/>
+                                          </p:stCondLst>
+                                        </p:cTn>
+                                        <p:tgtEl>
+                                          <p:spTgt spid="38"/>
+                                        </p:tgtEl>
+                                        <p:attrNameLst>
+                                          <p:attrName>style.visibility</p:attrName>
+                                        </p:attrNameLst>
+                                      </p:cBhvr>
+                                      <p:to>
+                                        <p:strVal val="visible"/>
+                                      </p:to>
+                                    </p:set>
+                                  </p:childTnLst>
+                                </p:cTn>
+                              </p:par>
+                            </p:childTnLst>
+                          </p:cTn>
+                        </p:par>
+                      </p:childTnLst>
+                    </p:cTn>
+                  </p:par>
+                </p:childTnLst>
+              </p:cTn>
+              <p:prevCondLst>
+                <p:cond evt="onPrev" delay="0">
+                  <p:tgtEl>
+                    <p:sldTgt/>
+                  </p:tgtEl>
+                </p:cond>
+              </p:prevCondLst>
+              <p:nextCondLst>
+                <p:cond evt="onNext" delay="0">
+                  <p:tgtEl>
+                    <p:sldTgt/>
+                  </p:tgtEl>
+                </p:cond>
+              </p:nextCondLst>
+            </p:seq>
+          </p:childTnLst>
+        </p:cTn>
+      </p:par>
+    </p:tnLst>
+    <p:bldLst>
+      <p:bldP spid="13" grpId="0"/>
+      <p:bldP spid="14" grpId="0"/>
+      <p:bldP spid="16" grpId="0"/>
+      <p:bldP spid="17" grpId="0"/>
+      <p:bldP spid="18" grpId="0"/>
+      <p:bldP spid="19" grpId="0"/>
+      <p:bldP spid="20" grpId="0"/>
+      <p:bldP spid="21" grpId="0"/>
+      <p:bldP spid="22" grpId="0"/>
+      <p:bldP spid="23" grpId="0"/>
+      <p:bldP spid="24" grpId="0"/>
+      <p:bldP spid="25" grpId="0"/>
+      <p:bldP spid="26" grpId="0"/>
+      <p:bldP spid="28" grpId="0"/>
+      <p:bldP spid="29" grpId="0"/>
+      <p:bldP spid="30" grpId="0"/>
+      <p:bldP spid="31" grpId="0"/>
+      <p:bldP spid="33" grpId="0"/>
+      <p:bldP spid="37" grpId="0"/>
+      <p:bldP spid="38" grpId="0"/>
+    </p:bldLst>
+  </p:timing>
 </p:sld>
 </file>
 
@@ -14271,6 +16127,9 @@
                     <p:cTn id="3" fill="hold">
                       <p:stCondLst>
                         <p:cond delay="indefinite"/>
+                        <p:cond evt="onBegin" delay="0">
+                          <p:tn val="2"/>
+                        </p:cond>
                       </p:stCondLst>
                       <p:childTnLst>
                         <p:par>
@@ -14280,9 +16139,9 @@
                             </p:stCondLst>
                             <p:childTnLst>
                               <p:par>
-                                <p:cTn id="5" presetID="1" presetClass="entr" presetSubtype="0" fill="hold" grpId="0" nodeType="clickEffect">
+                                <p:cTn id="5" presetID="1" presetClass="entr" presetSubtype="0" fill="hold" grpId="0" nodeType="withEffect">
                                   <p:stCondLst>
-                                    <p:cond delay="0"/>
+                                    <p:cond delay="500"/>
                                   </p:stCondLst>
                                   <p:childTnLst>
                                     <p:set>
@@ -14309,7 +16168,7 @@
                               <p:par>
                                 <p:cTn id="7" presetID="1" presetClass="entr" presetSubtype="0" fill="hold" nodeType="withEffect">
                                   <p:stCondLst>
-                                    <p:cond delay="0"/>
+                                    <p:cond delay="500"/>
                                   </p:stCondLst>
                                   <p:childTnLst>
                                     <p:set>
@@ -14336,7 +16195,7 @@
                               <p:par>
                                 <p:cTn id="9" presetID="1" presetClass="entr" presetSubtype="0" fill="hold" grpId="0" nodeType="withEffect">
                                   <p:stCondLst>
-                                    <p:cond delay="0"/>
+                                    <p:cond delay="500"/>
                                   </p:stCondLst>
                                   <p:childTnLst>
                                     <p:set>
@@ -14363,7 +16222,7 @@
                               <p:par>
                                 <p:cTn id="11" presetID="1" presetClass="entr" presetSubtype="0" fill="hold" grpId="0" nodeType="withEffect">
                                   <p:stCondLst>
-                                    <p:cond delay="0"/>
+                                    <p:cond delay="500"/>
                                   </p:stCondLst>
                                   <p:childTnLst>
                                     <p:set>
@@ -15124,6 +16983,9 @@
                     <p:cTn id="3" fill="hold">
                       <p:stCondLst>
                         <p:cond delay="indefinite"/>
+                        <p:cond evt="onBegin" delay="0">
+                          <p:tn val="2"/>
+                        </p:cond>
                       </p:stCondLst>
                       <p:childTnLst>
                         <p:par>
@@ -15133,9 +16995,9 @@
                             </p:stCondLst>
                             <p:childTnLst>
                               <p:par>
-                                <p:cTn id="5" presetID="1" presetClass="entr" presetSubtype="0" fill="hold" grpId="0" nodeType="clickEffect">
+                                <p:cTn id="5" presetID="1" presetClass="entr" presetSubtype="0" fill="hold" grpId="0" nodeType="withEffect">
                                   <p:stCondLst>
-                                    <p:cond delay="0"/>
+                                    <p:cond delay="500"/>
                                   </p:stCondLst>
                                   <p:childTnLst>
                                     <p:set>
@@ -15162,7 +17024,7 @@
                               <p:par>
                                 <p:cTn id="7" presetID="1" presetClass="entr" presetSubtype="0" fill="hold" grpId="0" nodeType="withEffect">
                                   <p:stCondLst>
-                                    <p:cond delay="0"/>
+                                    <p:cond delay="500"/>
                                   </p:stCondLst>
                                   <p:childTnLst>
                                     <p:set>
@@ -15279,7 +17141,7 @@
                               <p:par>
                                 <p:cTn id="17" presetID="1" presetClass="entr" presetSubtype="0" fill="hold" grpId="0" nodeType="withEffect">
                                   <p:stCondLst>
-                                    <p:cond delay="0"/>
+                                    <p:cond delay="500"/>
                                   </p:stCondLst>
                                   <p:childTnLst>
                                     <p:set>
@@ -16066,6 +17928,9 @@
                     <p:cTn id="3" fill="hold">
                       <p:stCondLst>
                         <p:cond delay="indefinite"/>
+                        <p:cond evt="onBegin" delay="0">
+                          <p:tn val="2"/>
+                        </p:cond>
                       </p:stCondLst>
                       <p:childTnLst>
                         <p:par>
@@ -16075,9 +17940,9 @@
                             </p:stCondLst>
                             <p:childTnLst>
                               <p:par>
-                                <p:cTn id="5" presetID="1" presetClass="entr" presetSubtype="0" fill="hold" grpId="0" nodeType="clickEffect">
+                                <p:cTn id="5" presetID="1" presetClass="entr" presetSubtype="0" fill="hold" grpId="0" nodeType="withEffect">
                                   <p:stCondLst>
-                                    <p:cond delay="0"/>
+                                    <p:cond delay="500"/>
                                   </p:stCondLst>
                                   <p:childTnLst>
                                     <p:set>
@@ -16104,7 +17969,7 @@
                               <p:par>
                                 <p:cTn id="7" presetID="1" presetClass="entr" presetSubtype="0" fill="hold" grpId="0" nodeType="withEffect">
                                   <p:stCondLst>
-                                    <p:cond delay="0"/>
+                                    <p:cond delay="500"/>
                                   </p:stCondLst>
                                   <p:childTnLst>
                                     <p:set>
@@ -16173,15 +18038,24 @@
                                   </p:childTnLst>
                                 </p:cTn>
                               </p:par>
+                            </p:childTnLst>
+                          </p:cTn>
+                        </p:par>
+                        <p:par>
+                          <p:cTn id="13" fill="hold">
+                            <p:stCondLst>
+                              <p:cond delay="0"/>
+                            </p:stCondLst>
+                            <p:childTnLst>
                               <p:par>
-                                <p:cTn id="13" presetID="1" presetClass="entr" presetSubtype="0" fill="hold" grpId="0" nodeType="withEffect">
+                                <p:cTn id="14" presetID="1" presetClass="entr" presetSubtype="0" fill="hold" grpId="0" nodeType="afterEffect">
                                   <p:stCondLst>
-                                    <p:cond delay="0"/>
+                                    <p:cond delay="500"/>
                                   </p:stCondLst>
                                   <p:childTnLst>
                                     <p:set>
                                       <p:cBhvr>
-                                        <p:cTn id="14" dur="1" fill="hold">
+                                        <p:cTn id="15" dur="1" fill="hold">
                                           <p:stCondLst>
                                             <p:cond delay="0"/>
                                           </p:stCondLst>
@@ -16200,15 +18074,24 @@
                                   </p:childTnLst>
                                 </p:cTn>
                               </p:par>
+                            </p:childTnLst>
+                          </p:cTn>
+                        </p:par>
+                        <p:par>
+                          <p:cTn id="16" fill="hold">
+                            <p:stCondLst>
+                              <p:cond delay="500"/>
+                            </p:stCondLst>
+                            <p:childTnLst>
                               <p:par>
-                                <p:cTn id="15" presetID="1" presetClass="entr" presetSubtype="0" fill="hold" grpId="0" nodeType="withEffect">
+                                <p:cTn id="17" presetID="1" presetClass="entr" presetSubtype="0" fill="hold" grpId="0" nodeType="afterEffect">
                                   <p:stCondLst>
-                                    <p:cond delay="0"/>
+                                    <p:cond delay="500"/>
                                   </p:stCondLst>
                                   <p:childTnLst>
                                     <p:set>
                                       <p:cBhvr>
-                                        <p:cTn id="16" dur="1" fill="hold">
+                                        <p:cTn id="18" dur="1" fill="hold">
                                           <p:stCondLst>
                                             <p:cond delay="0"/>
                                           </p:stCondLst>
@@ -16227,15 +18110,24 @@
                                   </p:childTnLst>
                                 </p:cTn>
                               </p:par>
+                            </p:childTnLst>
+                          </p:cTn>
+                        </p:par>
+                        <p:par>
+                          <p:cTn id="19" fill="hold">
+                            <p:stCondLst>
+                              <p:cond delay="1000"/>
+                            </p:stCondLst>
+                            <p:childTnLst>
                               <p:par>
-                                <p:cTn id="17" presetID="1" presetClass="entr" presetSubtype="0" fill="hold" grpId="0" nodeType="withEffect">
+                                <p:cTn id="20" presetID="1" presetClass="entr" presetSubtype="0" fill="hold" grpId="0" nodeType="afterEffect">
                                   <p:stCondLst>
-                                    <p:cond delay="0"/>
+                                    <p:cond delay="500"/>
                                   </p:stCondLst>
                                   <p:childTnLst>
                                     <p:set>
                                       <p:cBhvr>
-                                        <p:cTn id="18" dur="1" fill="hold">
+                                        <p:cTn id="21" dur="1" fill="hold">
                                           <p:stCondLst>
                                             <p:cond delay="0"/>
                                           </p:stCondLst>
@@ -16254,15 +18146,24 @@
                                   </p:childTnLst>
                                 </p:cTn>
                               </p:par>
+                            </p:childTnLst>
+                          </p:cTn>
+                        </p:par>
+                        <p:par>
+                          <p:cTn id="22" fill="hold">
+                            <p:stCondLst>
+                              <p:cond delay="1500"/>
+                            </p:stCondLst>
+                            <p:childTnLst>
                               <p:par>
-                                <p:cTn id="19" presetID="1" presetClass="entr" presetSubtype="0" fill="hold" grpId="0" nodeType="withEffect">
+                                <p:cTn id="23" presetID="1" presetClass="entr" presetSubtype="0" fill="hold" grpId="0" nodeType="afterEffect">
                                   <p:stCondLst>
-                                    <p:cond delay="0"/>
+                                    <p:cond delay="500"/>
                                   </p:stCondLst>
                                   <p:childTnLst>
                                     <p:set>
                                       <p:cBhvr>
-                                        <p:cTn id="20" dur="1" fill="hold">
+                                        <p:cTn id="24" dur="1" fill="hold">
                                           <p:stCondLst>
                                             <p:cond delay="0"/>
                                           </p:stCondLst>
@@ -16288,26 +18189,26 @@
                     </p:cTn>
                   </p:par>
                   <p:par>
-                    <p:cTn id="21" fill="hold">
+                    <p:cTn id="25" fill="hold">
                       <p:stCondLst>
                         <p:cond delay="indefinite"/>
                       </p:stCondLst>
                       <p:childTnLst>
                         <p:par>
-                          <p:cTn id="22" fill="hold">
+                          <p:cTn id="26" fill="hold">
                             <p:stCondLst>
                               <p:cond delay="0"/>
                             </p:stCondLst>
                             <p:childTnLst>
                               <p:par>
-                                <p:cTn id="23" presetID="1" presetClass="entr" presetSubtype="0" fill="hold" nodeType="clickEffect">
+                                <p:cTn id="27" presetID="1" presetClass="entr" presetSubtype="0" fill="hold" nodeType="clickEffect">
                                   <p:stCondLst>
                                     <p:cond delay="0"/>
                                   </p:stCondLst>
                                   <p:childTnLst>
                                     <p:set>
                                       <p:cBhvr>
-                                        <p:cTn id="24" dur="1" fill="hold">
+                                        <p:cTn id="28" dur="1" fill="hold">
                                           <p:stCondLst>
                                             <p:cond delay="0"/>
                                           </p:stCondLst>
@@ -16326,15 +18227,24 @@
                                   </p:childTnLst>
                                 </p:cTn>
                               </p:par>
+                            </p:childTnLst>
+                          </p:cTn>
+                        </p:par>
+                        <p:par>
+                          <p:cTn id="29" fill="hold">
+                            <p:stCondLst>
+                              <p:cond delay="0"/>
+                            </p:stCondLst>
+                            <p:childTnLst>
                               <p:par>
-                                <p:cTn id="25" presetID="1" presetClass="entr" presetSubtype="0" fill="hold" grpId="0" nodeType="withEffect">
+                                <p:cTn id="30" presetID="1" presetClass="entr" presetSubtype="0" fill="hold" grpId="0" nodeType="afterEffect">
                                   <p:stCondLst>
-                                    <p:cond delay="0"/>
+                                    <p:cond delay="500"/>
                                   </p:stCondLst>
                                   <p:childTnLst>
                                     <p:set>
                                       <p:cBhvr>
-                                        <p:cTn id="26" dur="1" fill="hold">
+                                        <p:cTn id="31" dur="1" fill="hold">
                                           <p:stCondLst>
                                             <p:cond delay="0"/>
                                           </p:stCondLst>
@@ -16353,15 +18263,24 @@
                                   </p:childTnLst>
                                 </p:cTn>
                               </p:par>
+                            </p:childTnLst>
+                          </p:cTn>
+                        </p:par>
+                        <p:par>
+                          <p:cTn id="32" fill="hold">
+                            <p:stCondLst>
+                              <p:cond delay="500"/>
+                            </p:stCondLst>
+                            <p:childTnLst>
                               <p:par>
-                                <p:cTn id="27" presetID="1" presetClass="entr" presetSubtype="0" fill="hold" grpId="0" nodeType="withEffect">
+                                <p:cTn id="33" presetID="1" presetClass="entr" presetSubtype="0" fill="hold" grpId="0" nodeType="afterEffect">
                                   <p:stCondLst>
-                                    <p:cond delay="0"/>
+                                    <p:cond delay="500"/>
                                   </p:stCondLst>
                                   <p:childTnLst>
                                     <p:set>
                                       <p:cBhvr>
-                                        <p:cTn id="28" dur="1" fill="hold">
+                                        <p:cTn id="34" dur="1" fill="hold">
                                           <p:stCondLst>
                                             <p:cond delay="0"/>
                                           </p:stCondLst>
@@ -16380,15 +18299,24 @@
                                   </p:childTnLst>
                                 </p:cTn>
                               </p:par>
+                            </p:childTnLst>
+                          </p:cTn>
+                        </p:par>
+                        <p:par>
+                          <p:cTn id="35" fill="hold">
+                            <p:stCondLst>
+                              <p:cond delay="1000"/>
+                            </p:stCondLst>
+                            <p:childTnLst>
                               <p:par>
-                                <p:cTn id="29" presetID="1" presetClass="entr" presetSubtype="0" fill="hold" grpId="0" nodeType="withEffect">
+                                <p:cTn id="36" presetID="1" presetClass="entr" presetSubtype="0" fill="hold" grpId="0" nodeType="afterEffect">
                                   <p:stCondLst>
-                                    <p:cond delay="0"/>
+                                    <p:cond delay="500"/>
                                   </p:stCondLst>
                                   <p:childTnLst>
                                     <p:set>
                                       <p:cBhvr>
-                                        <p:cTn id="30" dur="1" fill="hold">
+                                        <p:cTn id="37" dur="1" fill="hold">
                                           <p:stCondLst>
                                             <p:cond delay="0"/>
                                           </p:stCondLst>
@@ -16407,15 +18335,24 @@
                                   </p:childTnLst>
                                 </p:cTn>
                               </p:par>
+                            </p:childTnLst>
+                          </p:cTn>
+                        </p:par>
+                        <p:par>
+                          <p:cTn id="38" fill="hold">
+                            <p:stCondLst>
+                              <p:cond delay="1500"/>
+                            </p:stCondLst>
+                            <p:childTnLst>
                               <p:par>
-                                <p:cTn id="31" presetID="1" presetClass="entr" presetSubtype="0" fill="hold" grpId="0" nodeType="withEffect">
+                                <p:cTn id="39" presetID="1" presetClass="entr" presetSubtype="0" fill="hold" grpId="0" nodeType="afterEffect">
                                   <p:stCondLst>
-                                    <p:cond delay="0"/>
+                                    <p:cond delay="500"/>
                                   </p:stCondLst>
                                   <p:childTnLst>
                                     <p:set>
                                       <p:cBhvr>
-                                        <p:cTn id="32" dur="1" fill="hold">
+                                        <p:cTn id="40" dur="1" fill="hold">
                                           <p:stCondLst>
                                             <p:cond delay="0"/>
                                           </p:stCondLst>
@@ -17141,6 +19078,9 @@
                     <p:cTn id="3" fill="hold">
                       <p:stCondLst>
                         <p:cond delay="indefinite"/>
+                        <p:cond evt="onBegin" delay="0">
+                          <p:tn val="2"/>
+                        </p:cond>
                       </p:stCondLst>
                       <p:childTnLst>
                         <p:par>
@@ -17150,9 +19090,9 @@
                             </p:stCondLst>
                             <p:childTnLst>
                               <p:par>
-                                <p:cTn id="5" presetID="1" presetClass="entr" presetSubtype="0" fill="hold" nodeType="clickEffect">
+                                <p:cTn id="5" presetID="1" presetClass="entr" presetSubtype="0" fill="hold" grpId="0" nodeType="withEffect">
                                   <p:stCondLst>
-                                    <p:cond delay="0"/>
+                                    <p:cond delay="500"/>
                                   </p:stCondLst>
                                   <p:childTnLst>
                                     <p:set>
@@ -17163,7 +19103,7 @@
                                           </p:stCondLst>
                                         </p:cTn>
                                         <p:tgtEl>
-                                          <p:spTgt spid="3"/>
+                                          <p:spTgt spid="9"/>
                                         </p:tgtEl>
                                         <p:attrNameLst>
                                           <p:attrName>style.visibility</p:attrName>
@@ -17195,7 +19135,7 @@
                             </p:stCondLst>
                             <p:childTnLst>
                               <p:par>
-                                <p:cTn id="9" presetID="1" presetClass="entr" presetSubtype="0" fill="hold" grpId="0" nodeType="clickEffect">
+                                <p:cTn id="9" presetID="1" presetClass="entr" presetSubtype="0" fill="hold" nodeType="clickEffect">
                                   <p:stCondLst>
                                     <p:cond delay="0"/>
                                   </p:stCondLst>
@@ -17203,6 +19143,51 @@
                                     <p:set>
                                       <p:cBhvr>
                                         <p:cTn id="10" dur="1" fill="hold">
+                                          <p:stCondLst>
+                                            <p:cond delay="0"/>
+                                          </p:stCondLst>
+                                        </p:cTn>
+                                        <p:tgtEl>
+                                          <p:spTgt spid="3"/>
+                                        </p:tgtEl>
+                                        <p:attrNameLst>
+                                          <p:attrName>style.visibility</p:attrName>
+                                        </p:attrNameLst>
+                                      </p:cBhvr>
+                                      <p:to>
+                                        <p:strVal val="visible"/>
+                                      </p:to>
+                                    </p:set>
+                                  </p:childTnLst>
+                                </p:cTn>
+                              </p:par>
+                            </p:childTnLst>
+                          </p:cTn>
+                        </p:par>
+                      </p:childTnLst>
+                    </p:cTn>
+                  </p:par>
+                  <p:par>
+                    <p:cTn id="11" fill="hold">
+                      <p:stCondLst>
+                        <p:cond delay="indefinite"/>
+                      </p:stCondLst>
+                      <p:childTnLst>
+                        <p:par>
+                          <p:cTn id="12" fill="hold">
+                            <p:stCondLst>
+                              <p:cond delay="0"/>
+                            </p:stCondLst>
+                            <p:childTnLst>
+                              <p:par>
+                                <p:cTn id="13" presetID="1" presetClass="entr" presetSubtype="0" fill="hold" grpId="0" nodeType="clickEffect">
+                                  <p:stCondLst>
+                                    <p:cond delay="0"/>
+                                  </p:stCondLst>
+                                  <p:childTnLst>
+                                    <p:set>
+                                      <p:cBhvr>
+                                        <p:cTn id="14" dur="1" fill="hold">
                                           <p:stCondLst>
                                             <p:cond delay="0"/>
                                           </p:stCondLst>
@@ -17222,14 +19207,14 @@
                                 </p:cTn>
                               </p:par>
                               <p:par>
-                                <p:cTn id="11" presetID="1" presetClass="entr" presetSubtype="0" fill="hold" grpId="0" nodeType="withEffect">
+                                <p:cTn id="15" presetID="1" presetClass="entr" presetSubtype="0" fill="hold" grpId="0" nodeType="withEffect">
                                   <p:stCondLst>
                                     <p:cond delay="0"/>
                                   </p:stCondLst>
                                   <p:childTnLst>
                                     <p:set>
                                       <p:cBhvr>
-                                        <p:cTn id="12" dur="1" fill="hold">
+                                        <p:cTn id="16" dur="1" fill="hold">
                                           <p:stCondLst>
                                             <p:cond delay="0"/>
                                           </p:stCondLst>
@@ -17249,61 +19234,7 @@
                                 </p:cTn>
                               </p:par>
                               <p:par>
-                                <p:cTn id="13" presetID="1" presetClass="entr" presetSubtype="0" fill="hold" grpId="0" nodeType="withEffect">
-                                  <p:stCondLst>
-                                    <p:cond delay="0"/>
-                                  </p:stCondLst>
-                                  <p:childTnLst>
-                                    <p:set>
-                                      <p:cBhvr>
-                                        <p:cTn id="14" dur="1" fill="hold">
-                                          <p:stCondLst>
-                                            <p:cond delay="0"/>
-                                          </p:stCondLst>
-                                        </p:cTn>
-                                        <p:tgtEl>
-                                          <p:spTgt spid="28"/>
-                                        </p:tgtEl>
-                                        <p:attrNameLst>
-                                          <p:attrName>style.visibility</p:attrName>
-                                        </p:attrNameLst>
-                                      </p:cBhvr>
-                                      <p:to>
-                                        <p:strVal val="visible"/>
-                                      </p:to>
-                                    </p:set>
-                                  </p:childTnLst>
-                                </p:cTn>
-                              </p:par>
-                              <p:par>
-                                <p:cTn id="15" presetID="1" presetClass="entr" presetSubtype="0" fill="hold" nodeType="withEffect">
-                                  <p:stCondLst>
-                                    <p:cond delay="0"/>
-                                  </p:stCondLst>
-                                  <p:childTnLst>
-                                    <p:set>
-                                      <p:cBhvr>
-                                        <p:cTn id="16" dur="1" fill="hold">
-                                          <p:stCondLst>
-                                            <p:cond delay="0"/>
-                                          </p:stCondLst>
-                                        </p:cTn>
-                                        <p:tgtEl>
-                                          <p:spTgt spid="24"/>
-                                        </p:tgtEl>
-                                        <p:attrNameLst>
-                                          <p:attrName>style.visibility</p:attrName>
-                                        </p:attrNameLst>
-                                      </p:cBhvr>
-                                      <p:to>
-                                        <p:strVal val="visible"/>
-                                      </p:to>
-                                    </p:set>
-                                  </p:childTnLst>
-                                </p:cTn>
-                              </p:par>
-                              <p:par>
-                                <p:cTn id="17" presetID="1" presetClass="entr" presetSubtype="0" fill="hold" nodeType="withEffect">
+                                <p:cTn id="17" presetID="1" presetClass="entr" presetSubtype="0" fill="hold" grpId="0" nodeType="withEffect">
                                   <p:stCondLst>
                                     <p:cond delay="0"/>
                                   </p:stCondLst>
@@ -17316,7 +19247,7 @@
                                           </p:stCondLst>
                                         </p:cTn>
                                         <p:tgtEl>
-                                          <p:spTgt spid="22"/>
+                                          <p:spTgt spid="28"/>
                                         </p:tgtEl>
                                         <p:attrNameLst>
                                           <p:attrName>style.visibility</p:attrName>
@@ -17343,6 +19274,60 @@
                                           </p:stCondLst>
                                         </p:cTn>
                                         <p:tgtEl>
+                                          <p:spTgt spid="24"/>
+                                        </p:tgtEl>
+                                        <p:attrNameLst>
+                                          <p:attrName>style.visibility</p:attrName>
+                                        </p:attrNameLst>
+                                      </p:cBhvr>
+                                      <p:to>
+                                        <p:strVal val="visible"/>
+                                      </p:to>
+                                    </p:set>
+                                  </p:childTnLst>
+                                </p:cTn>
+                              </p:par>
+                              <p:par>
+                                <p:cTn id="21" presetID="1" presetClass="entr" presetSubtype="0" fill="hold" nodeType="withEffect">
+                                  <p:stCondLst>
+                                    <p:cond delay="0"/>
+                                  </p:stCondLst>
+                                  <p:childTnLst>
+                                    <p:set>
+                                      <p:cBhvr>
+                                        <p:cTn id="22" dur="1" fill="hold">
+                                          <p:stCondLst>
+                                            <p:cond delay="0"/>
+                                          </p:stCondLst>
+                                        </p:cTn>
+                                        <p:tgtEl>
+                                          <p:spTgt spid="22"/>
+                                        </p:tgtEl>
+                                        <p:attrNameLst>
+                                          <p:attrName>style.visibility</p:attrName>
+                                        </p:attrNameLst>
+                                      </p:cBhvr>
+                                      <p:to>
+                                        <p:strVal val="visible"/>
+                                      </p:to>
+                                    </p:set>
+                                  </p:childTnLst>
+                                </p:cTn>
+                              </p:par>
+                              <p:par>
+                                <p:cTn id="23" presetID="1" presetClass="entr" presetSubtype="0" fill="hold" nodeType="withEffect">
+                                  <p:stCondLst>
+                                    <p:cond delay="0"/>
+                                  </p:stCondLst>
+                                  <p:childTnLst>
+                                    <p:set>
+                                      <p:cBhvr>
+                                        <p:cTn id="24" dur="1" fill="hold">
+                                          <p:stCondLst>
+                                            <p:cond delay="0"/>
+                                          </p:stCondLst>
+                                        </p:cTn>
+                                        <p:tgtEl>
                                           <p:spTgt spid="20"/>
                                         </p:tgtEl>
                                         <p:attrNameLst>
@@ -17357,14 +19342,14 @@
                                 </p:cTn>
                               </p:par>
                               <p:par>
-                                <p:cTn id="21" presetID="1" presetClass="entr" presetSubtype="0" fill="hold" grpId="0" nodeType="withEffect">
+                                <p:cTn id="25" presetID="1" presetClass="entr" presetSubtype="0" fill="hold" grpId="0" nodeType="withEffect">
                                   <p:stCondLst>
                                     <p:cond delay="0"/>
                                   </p:stCondLst>
                                   <p:childTnLst>
                                     <p:set>
                                       <p:cBhvr>
-                                        <p:cTn id="22" dur="1" fill="hold">
+                                        <p:cTn id="26" dur="1" fill="hold">
                                           <p:stCondLst>
                                             <p:cond delay="0"/>
                                           </p:stCondLst>
@@ -17411,6 +19396,7 @@
       </p:par>
     </p:tnLst>
     <p:bldLst>
+      <p:bldP spid="9" grpId="0"/>
       <p:bldP spid="14" grpId="0"/>
       <p:bldP spid="26" grpId="0" animBg="1"/>
       <p:bldP spid="27" grpId="0" animBg="1"/>
@@ -17843,6 +19829,234 @@
   <p:clrMapOvr>
     <a:masterClrMapping/>
   </p:clrMapOvr>
+  <p:timing>
+    <p:tnLst>
+      <p:par>
+        <p:cTn id="1" dur="indefinite" restart="never" nodeType="tmRoot">
+          <p:childTnLst>
+            <p:seq concurrent="1" nextAc="seek">
+              <p:cTn id="2" dur="indefinite" nodeType="mainSeq">
+                <p:childTnLst>
+                  <p:par>
+                    <p:cTn id="3" fill="hold">
+                      <p:stCondLst>
+                        <p:cond delay="indefinite"/>
+                        <p:cond evt="onBegin" delay="0">
+                          <p:tn val="2"/>
+                        </p:cond>
+                      </p:stCondLst>
+                      <p:childTnLst>
+                        <p:par>
+                          <p:cTn id="4" fill="hold">
+                            <p:stCondLst>
+                              <p:cond delay="0"/>
+                            </p:stCondLst>
+                            <p:childTnLst>
+                              <p:par>
+                                <p:cTn id="5" presetID="1" presetClass="entr" presetSubtype="0" fill="hold" grpId="0" nodeType="withEffect">
+                                  <p:stCondLst>
+                                    <p:cond delay="1000"/>
+                                  </p:stCondLst>
+                                  <p:childTnLst>
+                                    <p:set>
+                                      <p:cBhvr>
+                                        <p:cTn id="6" dur="1" fill="hold">
+                                          <p:stCondLst>
+                                            <p:cond delay="0"/>
+                                          </p:stCondLst>
+                                        </p:cTn>
+                                        <p:tgtEl>
+                                          <p:spTgt spid="14"/>
+                                        </p:tgtEl>
+                                        <p:attrNameLst>
+                                          <p:attrName>style.visibility</p:attrName>
+                                        </p:attrNameLst>
+                                      </p:cBhvr>
+                                      <p:to>
+                                        <p:strVal val="visible"/>
+                                      </p:to>
+                                    </p:set>
+                                  </p:childTnLst>
+                                </p:cTn>
+                              </p:par>
+                              <p:par>
+                                <p:cTn id="7" presetID="1" presetClass="entr" presetSubtype="0" fill="hold" grpId="0" nodeType="withEffect">
+                                  <p:stCondLst>
+                                    <p:cond delay="1000"/>
+                                  </p:stCondLst>
+                                  <p:childTnLst>
+                                    <p:set>
+                                      <p:cBhvr>
+                                        <p:cTn id="8" dur="1" fill="hold">
+                                          <p:stCondLst>
+                                            <p:cond delay="0"/>
+                                          </p:stCondLst>
+                                        </p:cTn>
+                                        <p:tgtEl>
+                                          <p:spTgt spid="18"/>
+                                        </p:tgtEl>
+                                        <p:attrNameLst>
+                                          <p:attrName>style.visibility</p:attrName>
+                                        </p:attrNameLst>
+                                      </p:cBhvr>
+                                      <p:to>
+                                        <p:strVal val="visible"/>
+                                      </p:to>
+                                    </p:set>
+                                  </p:childTnLst>
+                                </p:cTn>
+                              </p:par>
+                            </p:childTnLst>
+                          </p:cTn>
+                        </p:par>
+                      </p:childTnLst>
+                    </p:cTn>
+                  </p:par>
+                  <p:par>
+                    <p:cTn id="9" fill="hold">
+                      <p:stCondLst>
+                        <p:cond delay="indefinite"/>
+                      </p:stCondLst>
+                      <p:childTnLst>
+                        <p:par>
+                          <p:cTn id="10" fill="hold">
+                            <p:stCondLst>
+                              <p:cond delay="0"/>
+                            </p:stCondLst>
+                            <p:childTnLst>
+                              <p:par>
+                                <p:cTn id="11" presetID="1" presetClass="entr" presetSubtype="0" fill="hold" grpId="0" nodeType="clickEffect">
+                                  <p:stCondLst>
+                                    <p:cond delay="0"/>
+                                  </p:stCondLst>
+                                  <p:childTnLst>
+                                    <p:set>
+                                      <p:cBhvr>
+                                        <p:cTn id="12" dur="1" fill="hold">
+                                          <p:stCondLst>
+                                            <p:cond delay="0"/>
+                                          </p:stCondLst>
+                                        </p:cTn>
+                                        <p:tgtEl>
+                                          <p:spTgt spid="15"/>
+                                        </p:tgtEl>
+                                        <p:attrNameLst>
+                                          <p:attrName>style.visibility</p:attrName>
+                                        </p:attrNameLst>
+                                      </p:cBhvr>
+                                      <p:to>
+                                        <p:strVal val="visible"/>
+                                      </p:to>
+                                    </p:set>
+                                  </p:childTnLst>
+                                </p:cTn>
+                              </p:par>
+                            </p:childTnLst>
+                          </p:cTn>
+                        </p:par>
+                      </p:childTnLst>
+                    </p:cTn>
+                  </p:par>
+                  <p:par>
+                    <p:cTn id="13" fill="hold">
+                      <p:stCondLst>
+                        <p:cond delay="indefinite"/>
+                      </p:stCondLst>
+                      <p:childTnLst>
+                        <p:par>
+                          <p:cTn id="14" fill="hold">
+                            <p:stCondLst>
+                              <p:cond delay="0"/>
+                            </p:stCondLst>
+                            <p:childTnLst>
+                              <p:par>
+                                <p:cTn id="15" presetID="1" presetClass="entr" presetSubtype="0" fill="hold" nodeType="clickEffect">
+                                  <p:stCondLst>
+                                    <p:cond delay="0"/>
+                                  </p:stCondLst>
+                                  <p:childTnLst>
+                                    <p:set>
+                                      <p:cBhvr>
+                                        <p:cTn id="16" dur="1" fill="hold">
+                                          <p:stCondLst>
+                                            <p:cond delay="0"/>
+                                          </p:stCondLst>
+                                        </p:cTn>
+                                        <p:tgtEl>
+                                          <p:spTgt spid="17"/>
+                                        </p:tgtEl>
+                                        <p:attrNameLst>
+                                          <p:attrName>style.visibility</p:attrName>
+                                        </p:attrNameLst>
+                                      </p:cBhvr>
+                                      <p:to>
+                                        <p:strVal val="visible"/>
+                                      </p:to>
+                                    </p:set>
+                                  </p:childTnLst>
+                                </p:cTn>
+                              </p:par>
+                              <p:par>
+                                <p:cTn id="17" presetID="1" presetClass="entr" presetSubtype="0" fill="hold" grpId="0" nodeType="withEffect">
+                                  <p:stCondLst>
+                                    <p:cond delay="500"/>
+                                  </p:stCondLst>
+                                  <p:childTnLst>
+                                    <p:set>
+                                      <p:cBhvr>
+                                        <p:cTn id="18" dur="1" fill="hold">
+                                          <p:stCondLst>
+                                            <p:cond delay="0"/>
+                                          </p:stCondLst>
+                                        </p:cTn>
+                                        <p:tgtEl>
+                                          <p:spTgt spid="20"/>
+                                        </p:tgtEl>
+                                        <p:attrNameLst>
+                                          <p:attrName>style.visibility</p:attrName>
+                                        </p:attrNameLst>
+                                      </p:cBhvr>
+                                      <p:to>
+                                        <p:strVal val="visible"/>
+                                      </p:to>
+                                    </p:set>
+                                  </p:childTnLst>
+                                </p:cTn>
+                              </p:par>
+                            </p:childTnLst>
+                          </p:cTn>
+                        </p:par>
+                      </p:childTnLst>
+                    </p:cTn>
+                  </p:par>
+                </p:childTnLst>
+              </p:cTn>
+              <p:prevCondLst>
+                <p:cond evt="onPrev" delay="0">
+                  <p:tgtEl>
+                    <p:sldTgt/>
+                  </p:tgtEl>
+                </p:cond>
+              </p:prevCondLst>
+              <p:nextCondLst>
+                <p:cond evt="onNext" delay="0">
+                  <p:tgtEl>
+                    <p:sldTgt/>
+                  </p:tgtEl>
+                </p:cond>
+              </p:nextCondLst>
+            </p:seq>
+          </p:childTnLst>
+        </p:cTn>
+      </p:par>
+    </p:tnLst>
+    <p:bldLst>
+      <p:bldP spid="14" grpId="0"/>
+      <p:bldP spid="15" grpId="0"/>
+      <p:bldP spid="18" grpId="0"/>
+      <p:bldP spid="20" grpId="0"/>
+    </p:bldLst>
+  </p:timing>
 </p:sld>
 </file>
 
@@ -18212,6 +20426,169 @@
   <p:clrMapOvr>
     <a:masterClrMapping/>
   </p:clrMapOvr>
+  <p:timing>
+    <p:tnLst>
+      <p:par>
+        <p:cTn id="1" dur="indefinite" restart="never" nodeType="tmRoot">
+          <p:childTnLst>
+            <p:seq concurrent="1" nextAc="seek">
+              <p:cTn id="2" dur="indefinite" nodeType="mainSeq">
+                <p:childTnLst>
+                  <p:par>
+                    <p:cTn id="3" fill="hold">
+                      <p:stCondLst>
+                        <p:cond delay="indefinite"/>
+                        <p:cond evt="onBegin" delay="0">
+                          <p:tn val="2"/>
+                        </p:cond>
+                      </p:stCondLst>
+                      <p:childTnLst>
+                        <p:par>
+                          <p:cTn id="4" fill="hold">
+                            <p:stCondLst>
+                              <p:cond delay="0"/>
+                            </p:stCondLst>
+                            <p:childTnLst>
+                              <p:par>
+                                <p:cTn id="5" presetID="1" presetClass="entr" presetSubtype="0" fill="hold" grpId="0" nodeType="withEffect">
+                                  <p:stCondLst>
+                                    <p:cond delay="500"/>
+                                  </p:stCondLst>
+                                  <p:childTnLst>
+                                    <p:set>
+                                      <p:cBhvr>
+                                        <p:cTn id="6" dur="1" fill="hold">
+                                          <p:stCondLst>
+                                            <p:cond delay="0"/>
+                                          </p:stCondLst>
+                                        </p:cTn>
+                                        <p:tgtEl>
+                                          <p:spTgt spid="18"/>
+                                        </p:tgtEl>
+                                        <p:attrNameLst>
+                                          <p:attrName>style.visibility</p:attrName>
+                                        </p:attrNameLst>
+                                      </p:cBhvr>
+                                      <p:to>
+                                        <p:strVal val="visible"/>
+                                      </p:to>
+                                    </p:set>
+                                  </p:childTnLst>
+                                </p:cTn>
+                              </p:par>
+                              <p:par>
+                                <p:cTn id="7" presetID="1" presetClass="entr" presetSubtype="0" fill="hold" grpId="0" nodeType="withEffect">
+                                  <p:stCondLst>
+                                    <p:cond delay="500"/>
+                                  </p:stCondLst>
+                                  <p:childTnLst>
+                                    <p:set>
+                                      <p:cBhvr>
+                                        <p:cTn id="8" dur="1" fill="hold">
+                                          <p:stCondLst>
+                                            <p:cond delay="0"/>
+                                          </p:stCondLst>
+                                        </p:cTn>
+                                        <p:tgtEl>
+                                          <p:spTgt spid="4"/>
+                                        </p:tgtEl>
+                                        <p:attrNameLst>
+                                          <p:attrName>style.visibility</p:attrName>
+                                        </p:attrNameLst>
+                                      </p:cBhvr>
+                                      <p:to>
+                                        <p:strVal val="visible"/>
+                                      </p:to>
+                                    </p:set>
+                                  </p:childTnLst>
+                                </p:cTn>
+                              </p:par>
+                              <p:par>
+                                <p:cTn id="9" presetID="1" presetClass="entr" presetSubtype="0" fill="hold" nodeType="withEffect">
+                                  <p:stCondLst>
+                                    <p:cond delay="1000"/>
+                                  </p:stCondLst>
+                                  <p:childTnLst>
+                                    <p:set>
+                                      <p:cBhvr>
+                                        <p:cTn id="10" dur="1" fill="hold">
+                                          <p:stCondLst>
+                                            <p:cond delay="0"/>
+                                          </p:stCondLst>
+                                        </p:cTn>
+                                        <p:tgtEl>
+                                          <p:spTgt spid="3"/>
+                                        </p:tgtEl>
+                                        <p:attrNameLst>
+                                          <p:attrName>style.visibility</p:attrName>
+                                        </p:attrNameLst>
+                                      </p:cBhvr>
+                                      <p:to>
+                                        <p:strVal val="visible"/>
+                                      </p:to>
+                                    </p:set>
+                                  </p:childTnLst>
+                                </p:cTn>
+                              </p:par>
+                              <p:par>
+                                <p:cTn id="11" presetID="1" presetClass="entr" presetSubtype="0" fill="hold" nodeType="withEffect">
+                                  <p:stCondLst>
+                                    <p:cond delay="1000"/>
+                                  </p:stCondLst>
+                                  <p:childTnLst>
+                                    <p:set>
+                                      <p:cBhvr>
+                                        <p:cTn id="12" dur="1" fill="hold">
+                                          <p:stCondLst>
+                                            <p:cond delay="0"/>
+                                          </p:stCondLst>
+                                        </p:cTn>
+                                        <p:tgtEl>
+                                          <p:spTgt spid="22"/>
+                                        </p:tgtEl>
+                                        <p:attrNameLst>
+                                          <p:attrName>style.visibility</p:attrName>
+                                        </p:attrNameLst>
+                                      </p:cBhvr>
+                                      <p:to>
+                                        <p:strVal val="visible"/>
+                                      </p:to>
+                                    </p:set>
+                                  </p:childTnLst>
+                                </p:cTn>
+                              </p:par>
+                            </p:childTnLst>
+                          </p:cTn>
+                        </p:par>
+                      </p:childTnLst>
+                    </p:cTn>
+                  </p:par>
+                </p:childTnLst>
+              </p:cTn>
+              <p:prevCondLst>
+                <p:cond evt="onPrev" delay="0">
+                  <p:tgtEl>
+                    <p:sldTgt/>
+                  </p:tgtEl>
+                </p:cond>
+              </p:prevCondLst>
+              <p:nextCondLst>
+                <p:cond evt="onNext" delay="0">
+                  <p:tgtEl>
+                    <p:sldTgt/>
+                  </p:tgtEl>
+                </p:cond>
+              </p:nextCondLst>
+            </p:seq>
+          </p:childTnLst>
+        </p:cTn>
+      </p:par>
+    </p:tnLst>
+    <p:bldLst>
+      <p:bldP spid="18" grpId="0"/>
+      <p:bldP spid="4" grpId="0"/>
+    </p:bldLst>
+  </p:timing>
 </p:sld>
 </file>
 
@@ -18775,6 +21152,9 @@
                     <p:cTn id="3" fill="hold">
                       <p:stCondLst>
                         <p:cond delay="indefinite"/>
+                        <p:cond evt="onBegin" delay="0">
+                          <p:tn val="2"/>
+                        </p:cond>
                       </p:stCondLst>
                       <p:childTnLst>
                         <p:par>
@@ -18784,9 +21164,9 @@
                             </p:stCondLst>
                             <p:childTnLst>
                               <p:par>
-                                <p:cTn id="5" presetID="1" presetClass="entr" presetSubtype="0" fill="hold" grpId="0" nodeType="clickEffect">
+                                <p:cTn id="5" presetID="1" presetClass="entr" presetSubtype="0" fill="hold" grpId="0" nodeType="withEffect">
                                   <p:stCondLst>
-                                    <p:cond delay="0"/>
+                                    <p:cond delay="500"/>
                                   </p:stCondLst>
                                   <p:childTnLst>
                                     <p:set>
@@ -18813,7 +21193,7 @@
                               <p:par>
                                 <p:cTn id="7" presetID="1" presetClass="entr" presetSubtype="0" fill="hold" grpId="0" nodeType="withEffect">
                                   <p:stCondLst>
-                                    <p:cond delay="0"/>
+                                    <p:cond delay="500"/>
                                   </p:stCondLst>
                                   <p:childTnLst>
                                     <p:set>
@@ -18882,15 +21262,24 @@
                                   </p:childTnLst>
                                 </p:cTn>
                               </p:par>
+                            </p:childTnLst>
+                          </p:cTn>
+                        </p:par>
+                        <p:par>
+                          <p:cTn id="13" fill="hold">
+                            <p:stCondLst>
+                              <p:cond delay="0"/>
+                            </p:stCondLst>
+                            <p:childTnLst>
                               <p:par>
-                                <p:cTn id="13" presetID="1" presetClass="entr" presetSubtype="0" fill="hold" grpId="0" nodeType="withEffect">
+                                <p:cTn id="14" presetID="1" presetClass="entr" presetSubtype="0" fill="hold" grpId="0" nodeType="afterEffect">
                                   <p:stCondLst>
-                                    <p:cond delay="0"/>
+                                    <p:cond delay="500"/>
                                   </p:stCondLst>
                                   <p:childTnLst>
                                     <p:set>
                                       <p:cBhvr>
-                                        <p:cTn id="14" dur="1" fill="hold">
+                                        <p:cTn id="15" dur="1" fill="hold">
                                           <p:stCondLst>
                                             <p:cond delay="0"/>
                                           </p:stCondLst>
@@ -18916,26 +21305,26 @@
                     </p:cTn>
                   </p:par>
                   <p:par>
-                    <p:cTn id="15" fill="hold">
+                    <p:cTn id="16" fill="hold">
                       <p:stCondLst>
                         <p:cond delay="indefinite"/>
                       </p:stCondLst>
                       <p:childTnLst>
                         <p:par>
-                          <p:cTn id="16" fill="hold">
+                          <p:cTn id="17" fill="hold">
                             <p:stCondLst>
                               <p:cond delay="0"/>
                             </p:stCondLst>
                             <p:childTnLst>
                               <p:par>
-                                <p:cTn id="17" presetID="1" presetClass="entr" presetSubtype="0" fill="hold" nodeType="clickEffect">
+                                <p:cTn id="18" presetID="1" presetClass="entr" presetSubtype="0" fill="hold" nodeType="clickEffect">
                                   <p:stCondLst>
                                     <p:cond delay="0"/>
                                   </p:stCondLst>
                                   <p:childTnLst>
                                     <p:set>
                                       <p:cBhvr>
-                                        <p:cTn id="18" dur="1" fill="hold">
+                                        <p:cTn id="19" dur="1" fill="hold">
                                           <p:stCondLst>
                                             <p:cond delay="0"/>
                                           </p:stCondLst>
@@ -18954,15 +21343,24 @@
                                   </p:childTnLst>
                                 </p:cTn>
                               </p:par>
+                            </p:childTnLst>
+                          </p:cTn>
+                        </p:par>
+                        <p:par>
+                          <p:cTn id="20" fill="hold">
+                            <p:stCondLst>
+                              <p:cond delay="0"/>
+                            </p:stCondLst>
+                            <p:childTnLst>
                               <p:par>
-                                <p:cTn id="19" presetID="1" presetClass="entr" presetSubtype="0" fill="hold" grpId="0" nodeType="withEffect">
+                                <p:cTn id="21" presetID="1" presetClass="entr" presetSubtype="0" fill="hold" grpId="0" nodeType="afterEffect">
                                   <p:stCondLst>
                                     <p:cond delay="0"/>
                                   </p:stCondLst>
                                   <p:childTnLst>
                                     <p:set>
                                       <p:cBhvr>
-                                        <p:cTn id="20" dur="1" fill="hold">
+                                        <p:cTn id="22" dur="1" fill="hold">
                                           <p:stCondLst>
                                             <p:cond delay="0"/>
                                           </p:stCondLst>
@@ -19492,7 +21890,7 @@
                               <p:par>
                                 <p:cTn id="5" presetID="1" presetClass="entr" presetSubtype="0" fill="hold" grpId="0" nodeType="withEffect">
                                   <p:stCondLst>
-                                    <p:cond delay="0"/>
+                                    <p:cond delay="500"/>
                                   </p:stCondLst>
                                   <p:childTnLst>
                                     <p:set>
@@ -19519,7 +21917,7 @@
                               <p:par>
                                 <p:cTn id="7" presetID="1" presetClass="entr" presetSubtype="0" fill="hold" grpId="0" nodeType="withEffect">
                                   <p:stCondLst>
-                                    <p:cond delay="0"/>
+                                    <p:cond delay="500"/>
                                   </p:stCondLst>
                                   <p:childTnLst>
                                     <p:set>
@@ -19546,7 +21944,7 @@
                               <p:par>
                                 <p:cTn id="9" presetID="1" presetClass="entr" presetSubtype="0" fill="hold" grpId="0" nodeType="withEffect">
                                   <p:stCondLst>
-                                    <p:cond delay="0"/>
+                                    <p:cond delay="500"/>
                                   </p:stCondLst>
                                   <p:childTnLst>
                                     <p:set>
@@ -19558,6 +21956,123 @@
                                         </p:cTn>
                                         <p:tgtEl>
                                           <p:spTgt spid="16"/>
+                                        </p:tgtEl>
+                                        <p:attrNameLst>
+                                          <p:attrName>style.visibility</p:attrName>
+                                        </p:attrNameLst>
+                                      </p:cBhvr>
+                                      <p:to>
+                                        <p:strVal val="visible"/>
+                                      </p:to>
+                                    </p:set>
+                                  </p:childTnLst>
+                                </p:cTn>
+                              </p:par>
+                            </p:childTnLst>
+                          </p:cTn>
+                        </p:par>
+                      </p:childTnLst>
+                    </p:cTn>
+                  </p:par>
+                  <p:par>
+                    <p:cTn id="11" fill="hold">
+                      <p:stCondLst>
+                        <p:cond delay="indefinite"/>
+                      </p:stCondLst>
+                      <p:childTnLst>
+                        <p:par>
+                          <p:cTn id="12" fill="hold">
+                            <p:stCondLst>
+                              <p:cond delay="0"/>
+                            </p:stCondLst>
+                            <p:childTnLst>
+                              <p:par>
+                                <p:cTn id="13" presetID="1" presetClass="entr" presetSubtype="0" fill="hold" nodeType="clickEffect">
+                                  <p:stCondLst>
+                                    <p:cond delay="0"/>
+                                  </p:stCondLst>
+                                  <p:childTnLst>
+                                    <p:set>
+                                      <p:cBhvr>
+                                        <p:cTn id="14" dur="1" fill="hold">
+                                          <p:stCondLst>
+                                            <p:cond delay="0"/>
+                                          </p:stCondLst>
+                                        </p:cTn>
+                                        <p:tgtEl>
+                                          <p:spTgt spid="5"/>
+                                        </p:tgtEl>
+                                        <p:attrNameLst>
+                                          <p:attrName>style.visibility</p:attrName>
+                                        </p:attrNameLst>
+                                      </p:cBhvr>
+                                      <p:to>
+                                        <p:strVal val="visible"/>
+                                      </p:to>
+                                    </p:set>
+                                  </p:childTnLst>
+                                </p:cTn>
+                              </p:par>
+                            </p:childTnLst>
+                          </p:cTn>
+                        </p:par>
+                        <p:par>
+                          <p:cTn id="15" fill="hold">
+                            <p:stCondLst>
+                              <p:cond delay="0"/>
+                            </p:stCondLst>
+                            <p:childTnLst>
+                              <p:par>
+                                <p:cTn id="16" presetID="1" presetClass="entr" presetSubtype="0" fill="hold" nodeType="afterEffect">
+                                  <p:stCondLst>
+                                    <p:cond delay="500"/>
+                                  </p:stCondLst>
+                                  <p:childTnLst>
+                                    <p:set>
+                                      <p:cBhvr>
+                                        <p:cTn id="17" dur="1" fill="hold">
+                                          <p:stCondLst>
+                                            <p:cond delay="0"/>
+                                          </p:stCondLst>
+                                        </p:cTn>
+                                        <p:tgtEl>
+                                          <p:spTgt spid="3"/>
+                                        </p:tgtEl>
+                                        <p:attrNameLst>
+                                          <p:attrName>style.visibility</p:attrName>
+                                        </p:attrNameLst>
+                                      </p:cBhvr>
+                                      <p:to>
+                                        <p:strVal val="visible"/>
+                                      </p:to>
+                                    </p:set>
+                                  </p:childTnLst>
+                                </p:cTn>
+                              </p:par>
+                            </p:childTnLst>
+                          </p:cTn>
+                        </p:par>
+                        <p:par>
+                          <p:cTn id="18" fill="hold">
+                            <p:stCondLst>
+                              <p:cond delay="500"/>
+                            </p:stCondLst>
+                            <p:childTnLst>
+                              <p:par>
+                                <p:cTn id="19" presetID="1" presetClass="entr" presetSubtype="0" fill="hold" nodeType="afterEffect">
+                                  <p:stCondLst>
+                                    <p:cond delay="500"/>
+                                  </p:stCondLst>
+                                  <p:childTnLst>
+                                    <p:set>
+                                      <p:cBhvr>
+                                        <p:cTn id="20" dur="1" fill="hold">
+                                          <p:stCondLst>
+                                            <p:cond delay="0"/>
+                                          </p:stCondLst>
+                                        </p:cTn>
+                                        <p:tgtEl>
+                                          <p:spTgt spid="7"/>
                                         </p:tgtEl>
                                         <p:attrNameLst>
                                           <p:attrName>style.visibility</p:attrName>
